--- a/Fall_2018/Slides/12-Distributed_DBMS_Reliability-3.pptx
+++ b/Fall_2018/Slides/12-Distributed_DBMS_Reliability-3.pptx
@@ -5,10 +5,10 @@
     <p:sldMasterId id="2147483696" r:id="rId1"/>
   </p:sldMasterIdLst>
   <p:notesMasterIdLst>
-    <p:notesMasterId r:id="rId34"/>
+    <p:notesMasterId r:id="rId46"/>
   </p:notesMasterIdLst>
   <p:handoutMasterIdLst>
-    <p:handoutMasterId r:id="rId35"/>
+    <p:handoutMasterId r:id="rId47"/>
   </p:handoutMasterIdLst>
   <p:sldIdLst>
     <p:sldId id="256" r:id="rId2"/>
@@ -24,25 +24,37 @@
     <p:sldId id="769" r:id="rId12"/>
     <p:sldId id="770" r:id="rId13"/>
     <p:sldId id="771" r:id="rId14"/>
-    <p:sldId id="772" r:id="rId15"/>
-    <p:sldId id="773" r:id="rId16"/>
-    <p:sldId id="774" r:id="rId17"/>
-    <p:sldId id="775" r:id="rId18"/>
-    <p:sldId id="776" r:id="rId19"/>
-    <p:sldId id="777" r:id="rId20"/>
-    <p:sldId id="779" r:id="rId21"/>
-    <p:sldId id="780" r:id="rId22"/>
-    <p:sldId id="781" r:id="rId23"/>
-    <p:sldId id="782" r:id="rId24"/>
-    <p:sldId id="783" r:id="rId25"/>
-    <p:sldId id="785" r:id="rId26"/>
-    <p:sldId id="786" r:id="rId27"/>
-    <p:sldId id="787" r:id="rId28"/>
-    <p:sldId id="788" r:id="rId29"/>
-    <p:sldId id="789" r:id="rId30"/>
-    <p:sldId id="790" r:id="rId31"/>
-    <p:sldId id="791" r:id="rId32"/>
-    <p:sldId id="792" r:id="rId33"/>
+    <p:sldId id="793" r:id="rId15"/>
+    <p:sldId id="794" r:id="rId16"/>
+    <p:sldId id="795" r:id="rId17"/>
+    <p:sldId id="796" r:id="rId18"/>
+    <p:sldId id="797" r:id="rId19"/>
+    <p:sldId id="772" r:id="rId20"/>
+    <p:sldId id="773" r:id="rId21"/>
+    <p:sldId id="774" r:id="rId22"/>
+    <p:sldId id="775" r:id="rId23"/>
+    <p:sldId id="776" r:id="rId24"/>
+    <p:sldId id="777" r:id="rId25"/>
+    <p:sldId id="779" r:id="rId26"/>
+    <p:sldId id="780" r:id="rId27"/>
+    <p:sldId id="781" r:id="rId28"/>
+    <p:sldId id="782" r:id="rId29"/>
+    <p:sldId id="783" r:id="rId30"/>
+    <p:sldId id="785" r:id="rId31"/>
+    <p:sldId id="786" r:id="rId32"/>
+    <p:sldId id="787" r:id="rId33"/>
+    <p:sldId id="788" r:id="rId34"/>
+    <p:sldId id="789" r:id="rId35"/>
+    <p:sldId id="790" r:id="rId36"/>
+    <p:sldId id="791" r:id="rId37"/>
+    <p:sldId id="792" r:id="rId38"/>
+    <p:sldId id="798" r:id="rId39"/>
+    <p:sldId id="799" r:id="rId40"/>
+    <p:sldId id="800" r:id="rId41"/>
+    <p:sldId id="801" r:id="rId42"/>
+    <p:sldId id="802" r:id="rId43"/>
+    <p:sldId id="803" r:id="rId44"/>
+    <p:sldId id="804" r:id="rId45"/>
   </p:sldIdLst>
   <p:sldSz cx="9144000" cy="6858000" type="screen4x3"/>
   <p:notesSz cx="6858000" cy="9144000"/>
@@ -281,7 +293,7 @@
               <a:pPr>
                 <a:defRPr/>
               </a:pPr>
-              <a:t>11/29/18</a:t>
+              <a:t>12/6/18</a:t>
             </a:fld>
             <a:endParaRPr lang="en-US"/>
           </a:p>
@@ -477,7 +489,7 @@
               <a:pPr>
                 <a:defRPr/>
               </a:pPr>
-              <a:t>2018/11/29</a:t>
+              <a:t>2018/12/6</a:t>
             </a:fld>
             <a:endParaRPr lang="zh-CN" altLang="en-US"/>
           </a:p>
@@ -1380,7 +1392,7 @@
               <a:pPr>
                 <a:defRPr/>
               </a:pPr>
-              <a:t>2018/11/29</a:t>
+              <a:t>2018/12/6</a:t>
             </a:fld>
             <a:endParaRPr lang="zh-CN" altLang="en-US"/>
           </a:p>
@@ -1586,7 +1598,7 @@
               <a:pPr>
                 <a:defRPr/>
               </a:pPr>
-              <a:t>2018/11/29</a:t>
+              <a:t>2018/12/6</a:t>
             </a:fld>
             <a:endParaRPr lang="zh-CN" altLang="en-US"/>
           </a:p>
@@ -1801,7 +1813,7 @@
               <a:pPr>
                 <a:defRPr/>
               </a:pPr>
-              <a:t>2018/11/29</a:t>
+              <a:t>2018/12/6</a:t>
             </a:fld>
             <a:endParaRPr lang="zh-CN" altLang="en-US"/>
           </a:p>
@@ -2006,7 +2018,7 @@
               <a:pPr>
                 <a:defRPr/>
               </a:pPr>
-              <a:t>2018/11/29</a:t>
+              <a:t>2018/12/6</a:t>
             </a:fld>
             <a:endParaRPr lang="zh-CN" altLang="en-US"/>
           </a:p>
@@ -2534,7 +2546,7 @@
               <a:pPr>
                 <a:defRPr/>
               </a:pPr>
-              <a:t>2018/11/29</a:t>
+              <a:t>2018/12/6</a:t>
             </a:fld>
             <a:endParaRPr lang="zh-CN" altLang="en-US"/>
           </a:p>
@@ -2839,7 +2851,7 @@
               <a:pPr>
                 <a:defRPr/>
               </a:pPr>
-              <a:t>2018/11/29</a:t>
+              <a:t>2018/12/6</a:t>
             </a:fld>
             <a:endParaRPr lang="zh-CN" altLang="en-US"/>
           </a:p>
@@ -3359,7 +3371,7 @@
               <a:pPr>
                 <a:defRPr/>
               </a:pPr>
-              <a:t>2018/11/29</a:t>
+              <a:t>2018/12/6</a:t>
             </a:fld>
             <a:endParaRPr lang="zh-CN" altLang="en-US"/>
           </a:p>
@@ -3516,7 +3528,7 @@
               <a:pPr>
                 <a:defRPr/>
               </a:pPr>
-              <a:t>2018/11/29</a:t>
+              <a:t>2018/12/6</a:t>
             </a:fld>
             <a:endParaRPr lang="zh-CN" altLang="en-US"/>
           </a:p>
@@ -3766,7 +3778,7 @@
               <a:pPr>
                 <a:defRPr/>
               </a:pPr>
-              <a:t>2018/11/29</a:t>
+              <a:t>2018/12/6</a:t>
             </a:fld>
             <a:endParaRPr lang="zh-CN" altLang="en-US"/>
           </a:p>
@@ -4064,7 +4076,7 @@
               <a:pPr>
                 <a:defRPr/>
               </a:pPr>
-              <a:t>2018/11/29</a:t>
+              <a:t>2018/12/6</a:t>
             </a:fld>
             <a:endParaRPr lang="zh-CN" altLang="en-US"/>
           </a:p>
@@ -4536,7 +4548,7 @@
               <a:pPr>
                 <a:defRPr/>
               </a:pPr>
-              <a:t>2018/11/29</a:t>
+              <a:t>2018/12/6</a:t>
             </a:fld>
             <a:endParaRPr lang="zh-CN" altLang="en-US"/>
           </a:p>
@@ -5108,7 +5120,7 @@
               <a:pPr>
                 <a:defRPr/>
               </a:pPr>
-              <a:t>2018/11/29</a:t>
+              <a:t>2018/12/6</a:t>
             </a:fld>
             <a:endParaRPr lang="zh-CN" altLang="en-US"/>
           </a:p>
@@ -5838,7 +5850,7 @@
             </a:pPr>
             <a:r>
               <a:rPr lang="en-US" altLang="zh-CN" sz="2800" dirty="0" smtClean="0"/>
-              <a:t>Autumn, 2007</a:t>
+              <a:t>Autumn, 2018</a:t>
             </a:r>
             <a:endParaRPr lang="zh-CN" altLang="en-US" sz="2800" dirty="0"/>
           </a:p>
@@ -6418,6 +6430,13 @@
   <p:clrMapOvr>
     <a:masterClrMapping/>
   </p:clrMapOvr>
+  <p:timing>
+    <p:tnLst>
+      <p:par>
+        <p:cTn id="1" dur="indefinite" restart="never" nodeType="tmRoot"/>
+      </p:par>
+    </p:tnLst>
+  </p:timing>
 </p:sld>
 </file>
 
@@ -6577,6 +6596,13 @@
   <p:clrMapOvr>
     <a:masterClrMapping/>
   </p:clrMapOvr>
+  <p:timing>
+    <p:tnLst>
+      <p:par>
+        <p:cTn id="1" dur="indefinite" restart="never" nodeType="tmRoot"/>
+      </p:par>
+    </p:tnLst>
+  </p:timing>
 </p:sld>
 </file>
 
@@ -6892,6 +6918,13 @@
   <p:clrMapOvr>
     <a:masterClrMapping/>
   </p:clrMapOvr>
+  <p:timing>
+    <p:tnLst>
+      <p:par>
+        <p:cTn id="1" dur="indefinite" restart="never" nodeType="tmRoot"/>
+      </p:par>
+    </p:tnLst>
+  </p:timing>
 </p:sld>
 </file>
 
@@ -7111,6 +7144,13 @@
   <p:clrMapOvr>
     <a:masterClrMapping/>
   </p:clrMapOvr>
+  <p:timing>
+    <p:tnLst>
+      <p:par>
+        <p:cTn id="1" dur="indefinite" restart="never" nodeType="tmRoot"/>
+      </p:par>
+    </p:tnLst>
+  </p:timing>
 </p:sld>
 </file>
 
@@ -7133,7 +7173,7 @@
       </p:grpSpPr>
       <p:sp>
         <p:nvSpPr>
-          <p:cNvPr id="2" name="Title 1"/>
+          <p:cNvPr id="6" name="Title 5"/>
           <p:cNvSpPr>
             <a:spLocks noGrp="1"/>
           </p:cNvSpPr>
@@ -7143,50 +7183,14 @@
         </p:nvSpPr>
         <p:spPr/>
         <p:txBody>
-          <a:bodyPr/>
+          <a:bodyPr>
+            <a:normAutofit fontScale="90000"/>
+          </a:bodyPr>
           <a:lstStyle/>
           <a:p>
             <a:r>
-              <a:rPr lang="en-US" dirty="0"/>
-              <a:t>3PC Node Recovery</a:t>
-            </a:r>
-          </a:p>
-        </p:txBody>
-      </p:sp>
-      <p:sp>
-        <p:nvSpPr>
-          <p:cNvPr id="3" name="Content Placeholder 2"/>
-          <p:cNvSpPr>
-            <a:spLocks noGrp="1"/>
-          </p:cNvSpPr>
-          <p:nvPr>
-            <p:ph idx="1"/>
-          </p:nvPr>
-        </p:nvSpPr>
-        <p:spPr/>
-        <p:txBody>
-          <a:bodyPr/>
-          <a:lstStyle/>
-          <a:p>
-            <a:r>
-              <a:rPr lang="en-US" dirty="0"/>
-              <a:t>After node recovers from failure</a:t>
-            </a:r>
-          </a:p>
-          <a:p>
-            <a:pPr lvl="1"/>
-            <a:r>
-              <a:rPr lang="en-US" dirty="0"/>
-              <a:t>Waiting for commit or abort decision from others is ok Unless all nodes fail </a:t>
-            </a:r>
-          </a:p>
-          <a:p>
-            <a:endParaRPr lang="en-US" dirty="0" smtClean="0"/>
-          </a:p>
-          <a:p>
-            <a:r>
               <a:rPr lang="en-US" altLang="zh-CN" dirty="0" smtClean="0"/>
-              <a:t>Two</a:t>
+              <a:t>Review:</a:t>
             </a:r>
             <a:r>
               <a:rPr lang="zh-CN" altLang="en-US" dirty="0" smtClean="0"/>
@@ -7194,46 +7198,374 @@
             </a:r>
             <a:r>
               <a:rPr lang="en-US" altLang="zh-CN" dirty="0" smtClean="0"/>
-              <a:t>Solutions</a:t>
+              <a:t>Blocking</a:t>
+            </a:r>
+            <a:r>
+              <a:rPr lang="zh-CN" altLang="en-US" dirty="0" smtClean="0"/>
+              <a:t> </a:t>
+            </a:r>
+            <a:r>
+              <a:rPr lang="en-US" altLang="zh-CN" dirty="0" smtClean="0"/>
+              <a:t>Problem</a:t>
+            </a:r>
+            <a:r>
+              <a:rPr lang="zh-CN" altLang="en-US" dirty="0" smtClean="0"/>
+              <a:t> </a:t>
+            </a:r>
+            <a:r>
+              <a:rPr lang="en-US" altLang="zh-CN" dirty="0" smtClean="0"/>
+              <a:t>with</a:t>
+            </a:r>
+            <a:r>
+              <a:rPr lang="zh-CN" altLang="en-US" dirty="0" smtClean="0"/>
+              <a:t> </a:t>
+            </a:r>
+            <a:r>
+              <a:rPr lang="en-US" altLang="zh-CN" dirty="0" smtClean="0"/>
+              <a:t>2PC</a:t>
+            </a:r>
+            <a:endParaRPr lang="en-US" dirty="0"/>
+          </a:p>
+        </p:txBody>
+      </p:sp>
+      <p:sp>
+        <p:nvSpPr>
+          <p:cNvPr id="7" name="Content Placeholder 6"/>
+          <p:cNvSpPr>
+            <a:spLocks noGrp="1"/>
+          </p:cNvSpPr>
+          <p:nvPr>
+            <p:ph idx="1"/>
+          </p:nvPr>
+        </p:nvSpPr>
+        <p:spPr>
+          <a:xfrm>
+            <a:off x="1435100" y="1447800"/>
+            <a:ext cx="7499350" cy="1837184"/>
+          </a:xfrm>
+        </p:spPr>
+        <p:txBody>
+          <a:bodyPr/>
+          <a:lstStyle/>
+          <a:p>
+            <a:r>
+              <a:rPr lang="en-US" altLang="zh-CN" sz="2800" dirty="0" smtClean="0"/>
+              <a:t>Participants</a:t>
+            </a:r>
+            <a:r>
+              <a:rPr lang="zh-CN" altLang="en-US" sz="2800" dirty="0" smtClean="0"/>
+              <a:t> </a:t>
+            </a:r>
+            <a:r>
+              <a:rPr lang="en-US" altLang="zh-CN" sz="2800" dirty="0" smtClean="0"/>
+              <a:t>P2,</a:t>
+            </a:r>
+            <a:r>
+              <a:rPr lang="zh-CN" altLang="en-US" sz="2800" dirty="0" smtClean="0"/>
+              <a:t> </a:t>
+            </a:r>
+            <a:r>
+              <a:rPr lang="en-US" altLang="zh-CN" sz="2800" dirty="0" smtClean="0"/>
+              <a:t>P3</a:t>
+            </a:r>
+            <a:r>
+              <a:rPr lang="zh-CN" altLang="en-US" sz="2800" dirty="0" smtClean="0"/>
+              <a:t> </a:t>
+            </a:r>
+            <a:r>
+              <a:rPr lang="en-US" altLang="zh-CN" sz="2800" dirty="0" smtClean="0"/>
+              <a:t>and</a:t>
+            </a:r>
+            <a:r>
+              <a:rPr lang="zh-CN" altLang="en-US" sz="2800" dirty="0" smtClean="0"/>
+              <a:t> </a:t>
+            </a:r>
+            <a:r>
+              <a:rPr lang="en-US" altLang="zh-CN" sz="2800" dirty="0" smtClean="0"/>
+              <a:t>P4</a:t>
+            </a:r>
+            <a:r>
+              <a:rPr lang="zh-CN" altLang="en-US" sz="2800" dirty="0" smtClean="0"/>
+              <a:t> </a:t>
+            </a:r>
+            <a:r>
+              <a:rPr lang="en-US" altLang="zh-CN" sz="2800" dirty="0" smtClean="0"/>
+              <a:t>are</a:t>
+            </a:r>
+            <a:r>
+              <a:rPr lang="zh-CN" altLang="en-US" sz="2800" dirty="0" smtClean="0"/>
+              <a:t> </a:t>
+            </a:r>
+            <a:r>
+              <a:rPr lang="en-US" altLang="zh-CN" sz="2800" dirty="0" smtClean="0"/>
+              <a:t>in</a:t>
+            </a:r>
+            <a:r>
+              <a:rPr lang="zh-CN" altLang="en-US" sz="2800" dirty="0" smtClean="0"/>
+              <a:t> </a:t>
+            </a:r>
+            <a:r>
+              <a:rPr lang="en-US" altLang="zh-CN" sz="2800" dirty="0" smtClean="0"/>
+              <a:t>W</a:t>
+            </a:r>
+            <a:r>
+              <a:rPr lang="zh-CN" altLang="en-US" sz="2800" dirty="0" smtClean="0"/>
+              <a:t> </a:t>
+            </a:r>
+            <a:r>
+              <a:rPr lang="en-US" altLang="zh-CN" sz="2800" dirty="0" smtClean="0"/>
+              <a:t>state</a:t>
             </a:r>
           </a:p>
           <a:p>
             <a:pPr lvl="1"/>
             <a:r>
-              <a:rPr lang="en-US" dirty="0"/>
-              <a:t>A. Wait for all nodes to </a:t>
-            </a:r>
-            <a:r>
-              <a:rPr lang="en-US" dirty="0">
+              <a:rPr lang="en-US" altLang="zh-CN" sz="2400" dirty="0" smtClean="0"/>
+              <a:t>They</a:t>
+            </a:r>
+            <a:r>
+              <a:rPr lang="zh-CN" altLang="en-US" sz="2400" dirty="0" smtClean="0"/>
+              <a:t> </a:t>
+            </a:r>
+            <a:r>
+              <a:rPr lang="en-US" altLang="zh-CN" sz="2400" dirty="0" smtClean="0"/>
+              <a:t>have</a:t>
+            </a:r>
+            <a:r>
+              <a:rPr lang="zh-CN" altLang="en-US" sz="2400" dirty="0" smtClean="0"/>
+              <a:t> </a:t>
+            </a:r>
+            <a:r>
+              <a:rPr lang="en-US" altLang="zh-CN" sz="2400" dirty="0" smtClean="0"/>
+              <a:t>to</a:t>
+            </a:r>
+            <a:r>
+              <a:rPr lang="zh-CN" altLang="en-US" sz="2400" dirty="0" smtClean="0"/>
+              <a:t> </a:t>
+            </a:r>
+            <a:r>
+              <a:rPr lang="en-US" altLang="zh-CN" sz="2400" dirty="0" smtClean="0">
                 <a:solidFill>
                   <a:srgbClr val="FF0000"/>
                 </a:solidFill>
               </a:rPr>
-              <a:t>recover </a:t>
-            </a:r>
-            <a:endParaRPr lang="en-US" altLang="zh-CN" dirty="0" smtClean="0">
-              <a:solidFill>
-                <a:srgbClr val="FF0000"/>
-              </a:solidFill>
-            </a:endParaRPr>
-          </a:p>
-          <a:p>
-            <a:pPr lvl="1"/>
-            <a:r>
-              <a:rPr lang="en-US" dirty="0" smtClean="0"/>
-              <a:t>B</a:t>
-            </a:r>
-            <a:r>
-              <a:rPr lang="en-US" dirty="0"/>
-              <a:t>. Perform </a:t>
-            </a:r>
-            <a:r>
-              <a:rPr lang="en-US" dirty="0">
+              <a:t>wait</a:t>
+            </a:r>
+            <a:r>
+              <a:rPr lang="zh-CN" altLang="en-US" sz="2400" dirty="0" smtClean="0">
                 <a:solidFill>
                   <a:srgbClr val="FF0000"/>
                 </a:solidFill>
               </a:rPr>
-              <a:t>majority commit</a:t>
+              <a:t> </a:t>
+            </a:r>
+            <a:r>
+              <a:rPr lang="en-US" altLang="zh-CN" sz="2400" dirty="0" smtClean="0"/>
+              <a:t>for</a:t>
+            </a:r>
+            <a:r>
+              <a:rPr lang="zh-CN" altLang="en-US" sz="2400" dirty="0" smtClean="0"/>
+              <a:t> </a:t>
+            </a:r>
+            <a:r>
+              <a:rPr lang="en-US" altLang="zh-CN" sz="2400" dirty="0" smtClean="0"/>
+              <a:t>the</a:t>
+            </a:r>
+            <a:r>
+              <a:rPr lang="zh-CN" altLang="en-US" sz="2400" dirty="0" smtClean="0"/>
+              <a:t> </a:t>
+            </a:r>
+            <a:r>
+              <a:rPr lang="en-US" altLang="zh-CN" sz="2400" dirty="0" smtClean="0"/>
+              <a:t>command</a:t>
+            </a:r>
+            <a:r>
+              <a:rPr lang="zh-CN" altLang="en-US" sz="2400" dirty="0" smtClean="0"/>
+              <a:t> </a:t>
+            </a:r>
+            <a:r>
+              <a:rPr lang="en-US" altLang="zh-CN" sz="2400" dirty="0" smtClean="0"/>
+              <a:t>(Commit/Abort)</a:t>
+            </a:r>
+            <a:r>
+              <a:rPr lang="zh-CN" altLang="en-US" sz="2400" dirty="0" smtClean="0"/>
+              <a:t> </a:t>
+            </a:r>
+            <a:r>
+              <a:rPr lang="en-US" altLang="zh-CN" sz="2400" dirty="0" smtClean="0"/>
+              <a:t>from</a:t>
+            </a:r>
+            <a:r>
+              <a:rPr lang="zh-CN" altLang="en-US" sz="2400" dirty="0" smtClean="0"/>
+              <a:t> </a:t>
+            </a:r>
+            <a:r>
+              <a:rPr lang="en-US" altLang="zh-CN" sz="2400" dirty="0" smtClean="0"/>
+              <a:t>Coordinator,</a:t>
+            </a:r>
+            <a:r>
+              <a:rPr lang="zh-CN" altLang="en-US" sz="2400" dirty="0" smtClean="0"/>
+              <a:t> </a:t>
+            </a:r>
+            <a:r>
+              <a:rPr lang="en-US" altLang="zh-CN" sz="2400" dirty="0" smtClean="0"/>
+              <a:t>because</a:t>
+            </a:r>
+            <a:r>
+              <a:rPr lang="zh-CN" altLang="en-US" sz="2400" dirty="0" smtClean="0"/>
+              <a:t> </a:t>
+            </a:r>
+            <a:r>
+              <a:rPr lang="en-US" altLang="zh-CN" sz="2400" dirty="0" smtClean="0">
+                <a:solidFill>
+                  <a:srgbClr val="FF0000"/>
+                </a:solidFill>
+              </a:rPr>
+              <a:t>they</a:t>
+            </a:r>
+            <a:r>
+              <a:rPr lang="zh-CN" altLang="en-US" sz="2400" dirty="0" smtClean="0">
+                <a:solidFill>
+                  <a:srgbClr val="FF0000"/>
+                </a:solidFill>
+              </a:rPr>
+              <a:t> </a:t>
+            </a:r>
+            <a:r>
+              <a:rPr lang="en-US" altLang="zh-CN" sz="2400" dirty="0" smtClean="0">
+                <a:solidFill>
+                  <a:srgbClr val="FF0000"/>
+                </a:solidFill>
+              </a:rPr>
+              <a:t>are</a:t>
+            </a:r>
+            <a:r>
+              <a:rPr lang="zh-CN" altLang="en-US" sz="2400" dirty="0" smtClean="0">
+                <a:solidFill>
+                  <a:srgbClr val="FF0000"/>
+                </a:solidFill>
+              </a:rPr>
+              <a:t> </a:t>
+            </a:r>
+            <a:r>
+              <a:rPr lang="en-US" altLang="zh-CN" sz="2400" dirty="0" smtClean="0">
+                <a:solidFill>
+                  <a:srgbClr val="FF0000"/>
+                </a:solidFill>
+              </a:rPr>
+              <a:t>not</a:t>
+            </a:r>
+            <a:r>
+              <a:rPr lang="zh-CN" altLang="en-US" sz="2400" dirty="0" smtClean="0">
+                <a:solidFill>
+                  <a:srgbClr val="FF0000"/>
+                </a:solidFill>
+              </a:rPr>
+              <a:t> </a:t>
+            </a:r>
+            <a:r>
+              <a:rPr lang="en-US" altLang="zh-CN" sz="2400" dirty="0" smtClean="0">
+                <a:solidFill>
+                  <a:srgbClr val="FF0000"/>
+                </a:solidFill>
+              </a:rPr>
+              <a:t>sure</a:t>
+            </a:r>
+            <a:r>
+              <a:rPr lang="zh-CN" altLang="en-US" sz="2400" dirty="0" smtClean="0">
+                <a:solidFill>
+                  <a:srgbClr val="FF0000"/>
+                </a:solidFill>
+              </a:rPr>
+              <a:t> </a:t>
+            </a:r>
+            <a:r>
+              <a:rPr lang="en-US" altLang="zh-CN" sz="2400" dirty="0" smtClean="0">
+                <a:solidFill>
+                  <a:srgbClr val="FF0000"/>
+                </a:solidFill>
+              </a:rPr>
+              <a:t>if</a:t>
+            </a:r>
+            <a:r>
+              <a:rPr lang="zh-CN" altLang="en-US" sz="2400" dirty="0" smtClean="0">
+                <a:solidFill>
+                  <a:srgbClr val="FF0000"/>
+                </a:solidFill>
+              </a:rPr>
+              <a:t> </a:t>
+            </a:r>
+            <a:r>
+              <a:rPr lang="en-US" altLang="zh-CN" sz="2400" dirty="0" smtClean="0">
+                <a:solidFill>
+                  <a:srgbClr val="FF0000"/>
+                </a:solidFill>
+              </a:rPr>
+              <a:t>other</a:t>
+            </a:r>
+            <a:r>
+              <a:rPr lang="zh-CN" altLang="en-US" sz="2400" dirty="0" smtClean="0">
+                <a:solidFill>
+                  <a:srgbClr val="FF0000"/>
+                </a:solidFill>
+              </a:rPr>
+              <a:t> </a:t>
+            </a:r>
+            <a:r>
+              <a:rPr lang="en-US" altLang="zh-CN" sz="2400" dirty="0" smtClean="0">
+                <a:solidFill>
+                  <a:srgbClr val="FF0000"/>
+                </a:solidFill>
+              </a:rPr>
+              <a:t>(failed)</a:t>
+            </a:r>
+            <a:r>
+              <a:rPr lang="zh-CN" altLang="en-US" sz="2400" dirty="0" smtClean="0">
+                <a:solidFill>
+                  <a:srgbClr val="FF0000"/>
+                </a:solidFill>
+              </a:rPr>
+              <a:t> </a:t>
+            </a:r>
+            <a:r>
+              <a:rPr lang="en-US" altLang="zh-CN" sz="2400" dirty="0" smtClean="0">
+                <a:solidFill>
+                  <a:srgbClr val="FF0000"/>
+                </a:solidFill>
+              </a:rPr>
+              <a:t>participants</a:t>
+            </a:r>
+            <a:r>
+              <a:rPr lang="zh-CN" altLang="en-US" sz="2400" dirty="0" smtClean="0">
+                <a:solidFill>
+                  <a:srgbClr val="FF0000"/>
+                </a:solidFill>
+              </a:rPr>
+              <a:t> </a:t>
+            </a:r>
+            <a:r>
+              <a:rPr lang="en-US" altLang="zh-CN" sz="2400" dirty="0" smtClean="0">
+                <a:solidFill>
+                  <a:srgbClr val="FF0000"/>
+                </a:solidFill>
+              </a:rPr>
+              <a:t>are</a:t>
+            </a:r>
+            <a:r>
+              <a:rPr lang="zh-CN" altLang="en-US" sz="2400" dirty="0" smtClean="0">
+                <a:solidFill>
+                  <a:srgbClr val="FF0000"/>
+                </a:solidFill>
+              </a:rPr>
+              <a:t> </a:t>
+            </a:r>
+            <a:r>
+              <a:rPr lang="en-US" altLang="zh-CN" sz="2400" dirty="0" smtClean="0">
+                <a:solidFill>
+                  <a:srgbClr val="FF0000"/>
+                </a:solidFill>
+              </a:rPr>
+              <a:t>synchronized.</a:t>
             </a:r>
           </a:p>
         </p:txBody>
@@ -7282,7 +7614,7 @@
             <a:pPr>
               <a:defRPr/>
             </a:pPr>
-            <a:fld id="{07A5CAEE-885A-5D41-93DF-9DC29A9FE4F0}" type="slidenum">
+            <a:fld id="{5F740FD0-8EE3-EB4C-9F5D-1265FFD62F83}" type="slidenum">
               <a:rPr lang="zh-CN" altLang="en-US" smtClean="0"/>
               <a:pPr>
                 <a:defRPr/>
@@ -7293,10 +7625,40 @@
           </a:p>
         </p:txBody>
       </p:sp>
+      <p:pic>
+        <p:nvPicPr>
+          <p:cNvPr id="9" name="Picture 8"/>
+          <p:cNvPicPr>
+            <a:picLocks noChangeAspect="1"/>
+          </p:cNvPicPr>
+          <p:nvPr/>
+        </p:nvPicPr>
+        <p:blipFill>
+          <a:blip r:embed="rId2">
+            <a:extLst>
+              <a:ext uri="{28A0092B-C50C-407E-A947-70E740481C1C}">
+                <a14:useLocalDpi xmlns:a14="http://schemas.microsoft.com/office/drawing/2010/main" val="0"/>
+              </a:ext>
+            </a:extLst>
+          </a:blip>
+          <a:stretch>
+            <a:fillRect/>
+          </a:stretch>
+        </p:blipFill>
+        <p:spPr>
+          <a:xfrm>
+            <a:off x="3218250" y="3212976"/>
+            <a:ext cx="4018046" cy="3384376"/>
+          </a:xfrm>
+          <a:prstGeom prst="rect">
+            <a:avLst/>
+          </a:prstGeom>
+        </p:spPr>
+      </p:pic>
     </p:spTree>
     <p:extLst>
       <p:ext uri="{BB962C8B-B14F-4D97-AF65-F5344CB8AC3E}">
-        <p14:creationId xmlns:p14="http://schemas.microsoft.com/office/powerpoint/2010/main" val="1028448964"/>
+        <p14:creationId xmlns:p14="http://schemas.microsoft.com/office/powerpoint/2010/main" val="1426803201"/>
       </p:ext>
     </p:extLst>
   </p:cSld>
@@ -7339,74 +7701,18 @@
           <a:lstStyle/>
           <a:p>
             <a:r>
-              <a:rPr lang="en-US" dirty="0"/>
-              <a:t>3PC Node Recovery</a:t>
-            </a:r>
-          </a:p>
-        </p:txBody>
-      </p:sp>
-      <p:sp>
-        <p:nvSpPr>
-          <p:cNvPr id="3" name="Content Placeholder 2"/>
-          <p:cNvSpPr>
-            <a:spLocks noGrp="1"/>
-          </p:cNvSpPr>
-          <p:nvPr>
-            <p:ph idx="1"/>
-          </p:nvPr>
-        </p:nvSpPr>
-        <p:spPr/>
-        <p:txBody>
-          <a:bodyPr/>
-          <a:lstStyle/>
-          <a:p>
-            <a:r>
-              <a:rPr lang="en-US" b="1" dirty="0"/>
-              <a:t>A. Wait for all nodes to </a:t>
-            </a:r>
-            <a:r>
-              <a:rPr lang="en-US" b="1" dirty="0" smtClean="0"/>
-              <a:t>recover</a:t>
-            </a:r>
-          </a:p>
-          <a:p>
+              <a:rPr lang="en-US" altLang="zh-CN" dirty="0" smtClean="0"/>
+              <a:t>Review:</a:t>
+            </a:r>
+            <a:r>
+              <a:rPr lang="zh-CN" altLang="en-US" dirty="0" smtClean="0"/>
+              <a:t> </a:t>
+            </a:r>
+            <a:r>
+              <a:rPr lang="en-US" altLang="zh-CN" dirty="0" smtClean="0"/>
+              <a:t>3PC</a:t>
+            </a:r>
             <a:endParaRPr lang="en-US" dirty="0"/>
-          </a:p>
-          <a:p>
-            <a:r>
-              <a:rPr lang="en-US" dirty="0"/>
-              <a:t>Recovering node waits for </a:t>
-            </a:r>
-            <a:r>
-              <a:rPr lang="en-US" dirty="0" smtClean="0"/>
-              <a:t>either</a:t>
-            </a:r>
-          </a:p>
-          <a:p>
-            <a:pPr lvl="1"/>
-            <a:r>
-              <a:rPr lang="en-US" dirty="0" smtClean="0"/>
-              <a:t>1</a:t>
-            </a:r>
-            <a:r>
-              <a:rPr lang="en-US" dirty="0"/>
-              <a:t>. Commit or abort decision from another node </a:t>
-            </a:r>
-            <a:r>
-              <a:rPr lang="en-US" dirty="0" smtClean="0"/>
-              <a:t>or</a:t>
-            </a:r>
-          </a:p>
-          <a:p>
-            <a:pPr lvl="1"/>
-            <a:r>
-              <a:rPr lang="en-US" dirty="0" smtClean="0"/>
-              <a:t>2</a:t>
-            </a:r>
-            <a:r>
-              <a:rPr lang="en-US" dirty="0"/>
-              <a:t>. If all other nodes are up and recovering then 3PC can continue</a:t>
-            </a:r>
           </a:p>
         </p:txBody>
       </p:sp>
@@ -7465,10 +7771,335 @@
           </a:p>
         </p:txBody>
       </p:sp>
+      <p:pic>
+        <p:nvPicPr>
+          <p:cNvPr id="6" name="Content Placeholder 5"/>
+          <p:cNvPicPr>
+            <a:picLocks noGrp="1" noChangeAspect="1"/>
+          </p:cNvPicPr>
+          <p:nvPr>
+            <p:ph idx="1"/>
+          </p:nvPr>
+        </p:nvPicPr>
+        <p:blipFill>
+          <a:blip r:embed="rId2">
+            <a:extLst>
+              <a:ext uri="{28A0092B-C50C-407E-A947-70E740481C1C}">
+                <a14:useLocalDpi xmlns:a14="http://schemas.microsoft.com/office/drawing/2010/main" val="0"/>
+              </a:ext>
+            </a:extLst>
+          </a:blip>
+          <a:stretch>
+            <a:fillRect/>
+          </a:stretch>
+        </p:blipFill>
+        <p:spPr>
+          <a:xfrm>
+            <a:off x="1691680" y="1709226"/>
+            <a:ext cx="6712717" cy="4591685"/>
+          </a:xfrm>
+        </p:spPr>
+      </p:pic>
+      <p:sp>
+        <p:nvSpPr>
+          <p:cNvPr id="7" name="TextBox 6"/>
+          <p:cNvSpPr txBox="1"/>
+          <p:nvPr/>
+        </p:nvSpPr>
+        <p:spPr>
+          <a:xfrm>
+            <a:off x="6156148" y="1309116"/>
+            <a:ext cx="2898550" cy="400110"/>
+          </a:xfrm>
+          <a:prstGeom prst="rect">
+            <a:avLst/>
+          </a:prstGeom>
+          <a:noFill/>
+          <a:ln>
+            <a:solidFill>
+              <a:schemeClr val="tx1"/>
+            </a:solidFill>
+          </a:ln>
+        </p:spPr>
+        <p:txBody>
+          <a:bodyPr wrap="none" rtlCol="0">
+            <a:spAutoFit/>
+          </a:bodyPr>
+          <a:lstStyle/>
+          <a:p>
+            <a:r>
+              <a:rPr lang="zh-CN" altLang="en-US" sz="2000" dirty="0" smtClean="0">
+                <a:solidFill>
+                  <a:srgbClr val="FF0000"/>
+                </a:solidFill>
+              </a:rPr>
+              <a:t>** </a:t>
+            </a:r>
+            <a:r>
+              <a:rPr lang="en-US" altLang="zh-CN" sz="2000" dirty="0" smtClean="0">
+                <a:solidFill>
+                  <a:srgbClr val="FF0000"/>
+                </a:solidFill>
+              </a:rPr>
+              <a:t>=</a:t>
+            </a:r>
+            <a:r>
+              <a:rPr lang="zh-CN" altLang="en-US" sz="2000" dirty="0" smtClean="0">
+                <a:solidFill>
+                  <a:srgbClr val="FF0000"/>
+                </a:solidFill>
+              </a:rPr>
+              <a:t> </a:t>
+            </a:r>
+            <a:r>
+              <a:rPr lang="en-US" altLang="zh-CN" sz="2000" dirty="0" smtClean="0">
+                <a:solidFill>
+                  <a:srgbClr val="FF0000"/>
+                </a:solidFill>
+              </a:rPr>
+              <a:t>all</a:t>
+            </a:r>
+            <a:r>
+              <a:rPr lang="zh-CN" altLang="en-US" sz="2000" dirty="0" smtClean="0">
+                <a:solidFill>
+                  <a:srgbClr val="FF0000"/>
+                </a:solidFill>
+              </a:rPr>
+              <a:t> </a:t>
+            </a:r>
+            <a:r>
+              <a:rPr lang="en-US" altLang="zh-CN" sz="2000" dirty="0" smtClean="0">
+                <a:solidFill>
+                  <a:srgbClr val="FF0000"/>
+                </a:solidFill>
+              </a:rPr>
+              <a:t>non-failed</a:t>
+            </a:r>
+            <a:r>
+              <a:rPr lang="zh-CN" altLang="en-US" sz="2000" dirty="0" smtClean="0">
+                <a:solidFill>
+                  <a:srgbClr val="FF0000"/>
+                </a:solidFill>
+              </a:rPr>
+              <a:t> </a:t>
+            </a:r>
+            <a:r>
+              <a:rPr lang="en-US" altLang="zh-CN" sz="2000" dirty="0" smtClean="0">
+                <a:solidFill>
+                  <a:srgbClr val="FF0000"/>
+                </a:solidFill>
+              </a:rPr>
+              <a:t>nodes</a:t>
+            </a:r>
+            <a:endParaRPr lang="en-US" sz="2000" dirty="0">
+              <a:solidFill>
+                <a:srgbClr val="FF0000"/>
+              </a:solidFill>
+            </a:endParaRPr>
+          </a:p>
+        </p:txBody>
+      </p:sp>
+      <p:sp>
+        <p:nvSpPr>
+          <p:cNvPr id="8" name="Rectangle 7"/>
+          <p:cNvSpPr/>
+          <p:nvPr/>
+        </p:nvSpPr>
+        <p:spPr>
+          <a:xfrm>
+            <a:off x="3336729" y="4437112"/>
+            <a:ext cx="2531415" cy="923330"/>
+          </a:xfrm>
+          <a:prstGeom prst="rect">
+            <a:avLst/>
+          </a:prstGeom>
+        </p:spPr>
+        <p:txBody>
+          <a:bodyPr wrap="square">
+            <a:spAutoFit/>
+          </a:bodyPr>
+          <a:lstStyle/>
+          <a:p>
+            <a:r>
+              <a:rPr lang="en-US" altLang="zh-CN" dirty="0" smtClean="0">
+                <a:solidFill>
+                  <a:srgbClr val="FF0000"/>
+                </a:solidFill>
+              </a:rPr>
+              <a:t>Add</a:t>
+            </a:r>
+            <a:r>
+              <a:rPr lang="zh-CN" altLang="en-US" dirty="0" smtClean="0">
+                <a:solidFill>
+                  <a:srgbClr val="FF0000"/>
+                </a:solidFill>
+              </a:rPr>
+              <a:t> </a:t>
+            </a:r>
+            <a:r>
+              <a:rPr lang="en-US" altLang="zh-CN" dirty="0" smtClean="0">
+                <a:solidFill>
+                  <a:srgbClr val="FF0000"/>
+                </a:solidFill>
+              </a:rPr>
+              <a:t>a</a:t>
+            </a:r>
+            <a:r>
+              <a:rPr lang="zh-CN" altLang="en-US" dirty="0" smtClean="0">
+                <a:solidFill>
+                  <a:srgbClr val="FF0000"/>
+                </a:solidFill>
+              </a:rPr>
+              <a:t> </a:t>
+            </a:r>
+            <a:r>
+              <a:rPr lang="en-US" altLang="zh-CN" dirty="0" smtClean="0">
+                <a:solidFill>
+                  <a:srgbClr val="FF0000"/>
+                </a:solidFill>
+              </a:rPr>
+              <a:t>new</a:t>
+            </a:r>
+            <a:r>
+              <a:rPr lang="zh-CN" altLang="en-US" dirty="0" smtClean="0">
+                <a:solidFill>
+                  <a:srgbClr val="FF0000"/>
+                </a:solidFill>
+              </a:rPr>
+              <a:t> </a:t>
+            </a:r>
+            <a:r>
+              <a:rPr lang="en-US" altLang="zh-CN" dirty="0" smtClean="0">
+                <a:solidFill>
+                  <a:srgbClr val="FF0000"/>
+                </a:solidFill>
+              </a:rPr>
+              <a:t>state</a:t>
+            </a:r>
+            <a:r>
+              <a:rPr lang="zh-CN" altLang="en-US" dirty="0" smtClean="0">
+                <a:solidFill>
+                  <a:srgbClr val="FF0000"/>
+                </a:solidFill>
+              </a:rPr>
+              <a:t> </a:t>
+            </a:r>
+            <a:r>
+              <a:rPr lang="en-US" altLang="zh-CN" dirty="0" smtClean="0">
+                <a:solidFill>
+                  <a:srgbClr val="FF0000"/>
+                </a:solidFill>
+              </a:rPr>
+              <a:t>P</a:t>
+            </a:r>
+            <a:r>
+              <a:rPr lang="zh-CN" altLang="en-US" dirty="0" smtClean="0">
+                <a:solidFill>
+                  <a:srgbClr val="FF0000"/>
+                </a:solidFill>
+              </a:rPr>
+              <a:t> </a:t>
+            </a:r>
+            <a:r>
+              <a:rPr lang="en-US" altLang="zh-CN" dirty="0" smtClean="0">
+                <a:solidFill>
+                  <a:srgbClr val="FF0000"/>
+                </a:solidFill>
+              </a:rPr>
+              <a:t>to</a:t>
+            </a:r>
+            <a:r>
+              <a:rPr lang="zh-CN" altLang="en-US" dirty="0" smtClean="0">
+                <a:solidFill>
+                  <a:srgbClr val="FF0000"/>
+                </a:solidFill>
+              </a:rPr>
+              <a:t> </a:t>
+            </a:r>
+            <a:r>
+              <a:rPr lang="en-US" altLang="zh-CN" dirty="0" smtClean="0">
+                <a:solidFill>
+                  <a:srgbClr val="FF0000"/>
+                </a:solidFill>
+              </a:rPr>
+              <a:t>synchronize</a:t>
+            </a:r>
+            <a:r>
+              <a:rPr lang="zh-CN" altLang="en-US" dirty="0" smtClean="0">
+                <a:solidFill>
+                  <a:srgbClr val="FF0000"/>
+                </a:solidFill>
+              </a:rPr>
+              <a:t> </a:t>
+            </a:r>
+            <a:r>
+              <a:rPr lang="en-US" altLang="zh-CN" dirty="0" smtClean="0">
+                <a:solidFill>
+                  <a:srgbClr val="FF0000"/>
+                </a:solidFill>
+              </a:rPr>
+              <a:t>ALL</a:t>
+            </a:r>
+            <a:r>
+              <a:rPr lang="zh-CN" altLang="en-US" dirty="0" smtClean="0">
+                <a:solidFill>
+                  <a:srgbClr val="FF0000"/>
+                </a:solidFill>
+              </a:rPr>
+              <a:t> </a:t>
+            </a:r>
+            <a:r>
+              <a:rPr lang="en-US" altLang="zh-CN" dirty="0" smtClean="0">
+                <a:solidFill>
+                  <a:srgbClr val="FF0000"/>
+                </a:solidFill>
+              </a:rPr>
+              <a:t>participants</a:t>
+            </a:r>
+            <a:r>
+              <a:rPr lang="zh-CN" altLang="en-US" dirty="0" smtClean="0">
+                <a:solidFill>
+                  <a:srgbClr val="FF0000"/>
+                </a:solidFill>
+              </a:rPr>
+              <a:t> </a:t>
+            </a:r>
+            <a:r>
+              <a:rPr lang="en-US" altLang="zh-CN" dirty="0" smtClean="0">
+                <a:solidFill>
+                  <a:srgbClr val="FF0000"/>
+                </a:solidFill>
+              </a:rPr>
+              <a:t>to</a:t>
+            </a:r>
+            <a:r>
+              <a:rPr lang="zh-CN" altLang="en-US" dirty="0" smtClean="0">
+                <a:solidFill>
+                  <a:srgbClr val="FF0000"/>
+                </a:solidFill>
+              </a:rPr>
+              <a:t> </a:t>
+            </a:r>
+            <a:r>
+              <a:rPr lang="en-US" altLang="zh-CN" dirty="0" smtClean="0">
+                <a:solidFill>
+                  <a:srgbClr val="FF0000"/>
+                </a:solidFill>
+              </a:rPr>
+              <a:t>commit</a:t>
+            </a:r>
+            <a:endParaRPr lang="en-US" dirty="0">
+              <a:solidFill>
+                <a:srgbClr val="FF0000"/>
+              </a:solidFill>
+            </a:endParaRPr>
+          </a:p>
+        </p:txBody>
+      </p:sp>
     </p:spTree>
     <p:extLst>
       <p:ext uri="{BB962C8B-B14F-4D97-AF65-F5344CB8AC3E}">
-        <p14:creationId xmlns:p14="http://schemas.microsoft.com/office/powerpoint/2010/main" val="2026343285"/>
+        <p14:creationId xmlns:p14="http://schemas.microsoft.com/office/powerpoint/2010/main" val="2021372123"/>
       </p:ext>
     </p:extLst>
   </p:cSld>
@@ -7511,8 +8142,20 @@
           <a:lstStyle/>
           <a:p>
             <a:r>
+              <a:rPr lang="en-US" altLang="zh-CN" dirty="0" smtClean="0"/>
+              <a:t>Review:</a:t>
+            </a:r>
+            <a:r>
+              <a:rPr lang="zh-CN" altLang="en-US" dirty="0" smtClean="0"/>
+              <a:t> </a:t>
+            </a:r>
+            <a:r>
+              <a:rPr lang="en-US" dirty="0" smtClean="0"/>
+              <a:t>3PC </a:t>
+            </a:r>
+            <a:r>
               <a:rPr lang="en-US" dirty="0"/>
-              <a:t>3PC Node Recovery</a:t>
+              <a:t>Recovery Rules</a:t>
             </a:r>
           </a:p>
         </p:txBody>
@@ -7529,8 +8172,8 @@
         </p:nvSpPr>
         <p:spPr>
           <a:xfrm>
-            <a:off x="1259632" y="1447800"/>
-            <a:ext cx="7674818" cy="4800600"/>
+            <a:off x="1115616" y="1447800"/>
+            <a:ext cx="7818834" cy="4800600"/>
           </a:xfrm>
         </p:spPr>
         <p:txBody>
@@ -7538,127 +8181,360 @@
           <a:lstStyle/>
           <a:p>
             <a:r>
-              <a:rPr lang="en-US" b="1" dirty="0"/>
-              <a:t>B. Perform majority </a:t>
-            </a:r>
-            <a:r>
-              <a:rPr lang="en-US" b="1" dirty="0" smtClean="0"/>
+              <a:rPr lang="en-US" sz="2800" dirty="0"/>
+              <a:t>Let { S1, S2, ..., Sn } be survivor nodes </a:t>
+            </a:r>
+          </a:p>
+          <a:p>
+            <a:r>
+              <a:rPr lang="en-US" sz="2800" dirty="0"/>
+              <a:t>If one or more Si = COMMIT ⟹ </a:t>
+            </a:r>
+            <a:r>
+              <a:rPr lang="en-US" sz="2800" dirty="0">
+                <a:solidFill>
+                  <a:srgbClr val="FF0000"/>
+                </a:solidFill>
+              </a:rPr>
+              <a:t>COMMIT T</a:t>
+            </a:r>
+            <a:r>
+              <a:rPr lang="en-US" sz="2800" dirty="0"/>
+              <a:t> </a:t>
+            </a:r>
+          </a:p>
+          <a:p>
+            <a:pPr lvl="1"/>
+            <a:r>
+              <a:rPr lang="en-US" altLang="zh-CN" sz="2400" dirty="0" smtClean="0"/>
+              <a:t>Every</a:t>
+            </a:r>
+            <a:r>
+              <a:rPr lang="zh-CN" altLang="en-US" sz="2400" dirty="0" smtClean="0"/>
+              <a:t> </a:t>
+            </a:r>
+            <a:r>
+              <a:rPr lang="en-US" altLang="zh-CN" sz="2400" dirty="0" smtClean="0"/>
+              <a:t>participant</a:t>
+            </a:r>
+            <a:r>
+              <a:rPr lang="zh-CN" altLang="en-US" sz="2400" dirty="0" smtClean="0"/>
+              <a:t> </a:t>
+            </a:r>
+            <a:r>
+              <a:rPr lang="en-US" altLang="zh-CN" sz="2400" dirty="0" smtClean="0"/>
+              <a:t>is</a:t>
+            </a:r>
+            <a:r>
+              <a:rPr lang="zh-CN" altLang="en-US" sz="2400" dirty="0" smtClean="0"/>
+              <a:t> </a:t>
+            </a:r>
+            <a:r>
+              <a:rPr lang="en-US" altLang="zh-CN" sz="2400" dirty="0" smtClean="0"/>
+              <a:t>ready</a:t>
+            </a:r>
+            <a:r>
+              <a:rPr lang="zh-CN" altLang="en-US" sz="2400" dirty="0" smtClean="0"/>
+              <a:t> </a:t>
+            </a:r>
+            <a:r>
+              <a:rPr lang="en-US" altLang="zh-CN" sz="2400" dirty="0" smtClean="0"/>
+              <a:t>to</a:t>
+            </a:r>
+            <a:r>
+              <a:rPr lang="zh-CN" altLang="en-US" sz="2400" dirty="0" smtClean="0"/>
+              <a:t> </a:t>
+            </a:r>
+            <a:r>
+              <a:rPr lang="en-US" altLang="zh-CN" sz="2400" dirty="0" smtClean="0"/>
               <a:t>commit</a:t>
             </a:r>
-          </a:p>
-          <a:p>
-            <a:r>
-              <a:rPr lang="en-US" altLang="zh-CN" dirty="0" smtClean="0"/>
-              <a:t>Basic</a:t>
-            </a:r>
-            <a:r>
-              <a:rPr lang="zh-CN" altLang="en-US" dirty="0" smtClean="0"/>
+            <a:endParaRPr lang="en-US" sz="2400" dirty="0" smtClean="0"/>
+          </a:p>
+          <a:p>
+            <a:r>
+              <a:rPr lang="en-US" sz="2800" dirty="0" smtClean="0"/>
+              <a:t>If </a:t>
+            </a:r>
+            <a:r>
+              <a:rPr lang="en-US" sz="2800" dirty="0"/>
+              <a:t>one or more Si = </a:t>
+            </a:r>
+            <a:r>
+              <a:rPr lang="en-US" sz="2800" dirty="0" smtClean="0"/>
+              <a:t>PRE</a:t>
+            </a:r>
+            <a:r>
+              <a:rPr lang="en-US" altLang="zh-CN" sz="2800" dirty="0" smtClean="0"/>
+              <a:t>-COMMIT</a:t>
+            </a:r>
+            <a:r>
+              <a:rPr lang="en-US" sz="2800" dirty="0" smtClean="0"/>
               <a:t> </a:t>
             </a:r>
             <a:r>
-              <a:rPr lang="en-US" altLang="zh-CN" dirty="0" smtClean="0"/>
-              <a:t>Idea</a:t>
-            </a:r>
+              <a:rPr lang="en-US" sz="2800" dirty="0"/>
+              <a:t>⟹ </a:t>
+            </a:r>
+            <a:r>
+              <a:rPr lang="en-US" sz="2800" dirty="0">
+                <a:solidFill>
+                  <a:srgbClr val="FF0000"/>
+                </a:solidFill>
+              </a:rPr>
+              <a:t>COMMIT T </a:t>
+            </a:r>
+            <a:endParaRPr lang="en-US" sz="2800" dirty="0" smtClean="0">
+              <a:solidFill>
+                <a:srgbClr val="FF0000"/>
+              </a:solidFill>
+            </a:endParaRPr>
           </a:p>
           <a:p>
             <a:pPr lvl="1"/>
             <a:r>
-              <a:rPr lang="en-US" dirty="0"/>
-              <a:t>Want a gang of </a:t>
-            </a:r>
-            <a:r>
-              <a:rPr lang="en-US" dirty="0">
+              <a:rPr lang="en-US" altLang="zh-CN" sz="2400" dirty="0"/>
+              <a:t>Every</a:t>
+            </a:r>
+            <a:r>
+              <a:rPr lang="zh-CN" altLang="en-US" sz="2400" dirty="0"/>
+              <a:t> </a:t>
+            </a:r>
+            <a:r>
+              <a:rPr lang="en-US" altLang="zh-CN" sz="2400" dirty="0"/>
+              <a:t>participant</a:t>
+            </a:r>
+            <a:r>
+              <a:rPr lang="zh-CN" altLang="en-US" sz="2400" dirty="0"/>
+              <a:t> </a:t>
+            </a:r>
+            <a:r>
+              <a:rPr lang="en-US" altLang="zh-CN" sz="2400" dirty="0"/>
+              <a:t>is</a:t>
+            </a:r>
+            <a:r>
+              <a:rPr lang="zh-CN" altLang="en-US" sz="2400" dirty="0"/>
+              <a:t> </a:t>
+            </a:r>
+            <a:r>
+              <a:rPr lang="en-US" altLang="zh-CN" sz="2400" dirty="0"/>
+              <a:t>ready</a:t>
+            </a:r>
+            <a:r>
+              <a:rPr lang="zh-CN" altLang="en-US" sz="2400" dirty="0"/>
+              <a:t> </a:t>
+            </a:r>
+            <a:r>
+              <a:rPr lang="en-US" altLang="zh-CN" sz="2400" dirty="0"/>
+              <a:t>to</a:t>
+            </a:r>
+            <a:r>
+              <a:rPr lang="zh-CN" altLang="en-US" sz="2400" dirty="0"/>
+              <a:t> </a:t>
+            </a:r>
+            <a:r>
+              <a:rPr lang="en-US" altLang="zh-CN" sz="2400" dirty="0" smtClean="0"/>
+              <a:t>commit</a:t>
+            </a:r>
+            <a:r>
+              <a:rPr lang="en-US" sz="2400" dirty="0" smtClean="0"/>
+              <a:t> </a:t>
+            </a:r>
+            <a:endParaRPr lang="en-US" sz="2400" dirty="0"/>
+          </a:p>
+          <a:p>
+            <a:r>
+              <a:rPr lang="en-US" sz="2800" dirty="0"/>
+              <a:t>If</a:t>
+            </a:r>
+            <a:r>
+              <a:rPr lang="zh-CN" altLang="en-US" sz="2800" dirty="0"/>
+              <a:t> </a:t>
+            </a:r>
+            <a:r>
+              <a:rPr lang="en-US" sz="2800" dirty="0"/>
+              <a:t>one or more Si = ABORT ⟹ </a:t>
+            </a:r>
+            <a:r>
+              <a:rPr lang="en-US" sz="2800" dirty="0">
                 <a:solidFill>
                   <a:srgbClr val="FF0000"/>
                 </a:solidFill>
               </a:rPr>
-              <a:t>failed but recovered nodes </a:t>
-            </a:r>
-            <a:r>
-              <a:rPr lang="en-US" dirty="0"/>
-              <a:t>to be able to terminate the transaction, even when the rest are still </a:t>
-            </a:r>
-            <a:r>
-              <a:rPr lang="en-US" dirty="0" smtClean="0"/>
-              <a:t>failing</a:t>
-            </a:r>
+              <a:t>ABORT T</a:t>
+            </a:r>
+            <a:r>
+              <a:rPr lang="en-US" sz="2800" dirty="0"/>
+              <a:t> </a:t>
+            </a:r>
+            <a:endParaRPr lang="en-US" sz="2800" dirty="0" smtClean="0"/>
           </a:p>
           <a:p>
             <a:pPr lvl="1"/>
             <a:r>
-              <a:rPr lang="en-US" dirty="0"/>
-              <a:t>Nodes are assigned votes, total is </a:t>
-            </a:r>
-            <a:r>
-              <a:rPr lang="en-US" dirty="0" smtClean="0"/>
-              <a:t>V</a:t>
-            </a:r>
-          </a:p>
-          <a:p>
-            <a:pPr lvl="2"/>
-            <a:r>
-              <a:rPr lang="en-US" altLang="zh-CN" dirty="0" smtClean="0"/>
-              <a:t>Majority</a:t>
-            </a:r>
-            <a:r>
-              <a:rPr lang="zh-CN" altLang="en-US" dirty="0" smtClean="0"/>
+              <a:rPr lang="en-US" altLang="zh-CN" sz="2400" dirty="0" smtClean="0"/>
+              <a:t>At</a:t>
+            </a:r>
+            <a:r>
+              <a:rPr lang="zh-CN" altLang="en-US" sz="2400" dirty="0" smtClean="0"/>
               <a:t> </a:t>
             </a:r>
             <a:r>
-              <a:rPr lang="en-US" altLang="zh-CN" dirty="0" smtClean="0"/>
+              <a:rPr lang="en-US" altLang="zh-CN" sz="2400" dirty="0" smtClean="0"/>
+              <a:t>least</a:t>
+            </a:r>
+            <a:r>
+              <a:rPr lang="zh-CN" altLang="en-US" sz="2400" dirty="0" smtClean="0"/>
+              <a:t> </a:t>
+            </a:r>
+            <a:r>
+              <a:rPr lang="en-US" altLang="zh-CN" sz="2400" dirty="0" smtClean="0"/>
+              <a:t>one</a:t>
+            </a:r>
+            <a:r>
+              <a:rPr lang="zh-CN" altLang="en-US" sz="2400" dirty="0" smtClean="0"/>
+              <a:t> </a:t>
+            </a:r>
+            <a:r>
+              <a:rPr lang="en-US" altLang="zh-CN" sz="2400" dirty="0" smtClean="0"/>
+              <a:t>participant</a:t>
+            </a:r>
+            <a:r>
+              <a:rPr lang="zh-CN" altLang="en-US" sz="2400" dirty="0" smtClean="0"/>
+              <a:t> </a:t>
+            </a:r>
+            <a:r>
+              <a:rPr lang="en-US" altLang="zh-CN" sz="2400" dirty="0" smtClean="0"/>
               <a:t>is</a:t>
             </a:r>
             <a:r>
-              <a:rPr lang="zh-CN" altLang="en-US" dirty="0" smtClean="0"/>
+              <a:rPr lang="zh-CN" altLang="en-US" sz="2400" dirty="0" smtClean="0"/>
               <a:t> </a:t>
             </a:r>
             <a:r>
-              <a:rPr lang="en-US" altLang="zh-CN" dirty="0"/>
-              <a:t>M ≥ round((V + 1) / 2</a:t>
-            </a:r>
-            <a:r>
-              <a:rPr lang="en-US" altLang="zh-CN" dirty="0" smtClean="0"/>
-              <a:t>)</a:t>
-            </a:r>
+              <a:rPr lang="en-US" altLang="zh-CN" sz="2400" dirty="0" smtClean="0"/>
+              <a:t>not</a:t>
+            </a:r>
+            <a:r>
+              <a:rPr lang="zh-CN" altLang="en-US" sz="2400" dirty="0" smtClean="0"/>
+              <a:t> </a:t>
+            </a:r>
+            <a:r>
+              <a:rPr lang="en-US" altLang="zh-CN" sz="2400" dirty="0" smtClean="0"/>
+              <a:t>ready</a:t>
+            </a:r>
+            <a:r>
+              <a:rPr lang="zh-CN" altLang="en-US" sz="2400" dirty="0" smtClean="0"/>
+              <a:t> </a:t>
+            </a:r>
+            <a:r>
+              <a:rPr lang="en-US" altLang="zh-CN" sz="2400" dirty="0" smtClean="0"/>
+              <a:t>to</a:t>
+            </a:r>
+            <a:r>
+              <a:rPr lang="zh-CN" altLang="en-US" sz="2400" dirty="0" smtClean="0"/>
+              <a:t> </a:t>
+            </a:r>
+            <a:r>
+              <a:rPr lang="en-US" altLang="zh-CN" sz="2400" dirty="0" smtClean="0"/>
+              <a:t>commit</a:t>
+            </a:r>
+            <a:endParaRPr lang="en-US" sz="2400" dirty="0" smtClean="0"/>
+          </a:p>
+          <a:p>
+            <a:r>
+              <a:rPr lang="en-US" sz="2800" dirty="0" smtClean="0"/>
+              <a:t>If </a:t>
+            </a:r>
+            <a:r>
+              <a:rPr lang="en-US" sz="2800" dirty="0"/>
+              <a:t>no Si = </a:t>
+            </a:r>
+            <a:r>
+              <a:rPr lang="en-US" sz="2800" dirty="0" smtClean="0"/>
+              <a:t>PRE</a:t>
+            </a:r>
+            <a:r>
+              <a:rPr lang="en-US" altLang="zh-CN" sz="2800" dirty="0" smtClean="0"/>
+              <a:t>-COMMIT</a:t>
+            </a:r>
+            <a:r>
+              <a:rPr lang="en-US" sz="2800" dirty="0" smtClean="0"/>
+              <a:t> </a:t>
+            </a:r>
+            <a:r>
+              <a:rPr lang="en-US" sz="2800" dirty="0"/>
+              <a:t>(or COMMIT) ⟹ </a:t>
+            </a:r>
+            <a:r>
+              <a:rPr lang="en-US" sz="2800" dirty="0">
+                <a:solidFill>
+                  <a:srgbClr val="FF0000"/>
+                </a:solidFill>
+              </a:rPr>
+              <a:t>ABORT T</a:t>
+            </a:r>
+            <a:r>
+              <a:rPr lang="en-US" sz="2800" dirty="0"/>
+              <a:t> </a:t>
+            </a:r>
+            <a:endParaRPr lang="en-US" sz="2800" dirty="0" smtClean="0"/>
           </a:p>
           <a:p>
             <a:pPr lvl="1"/>
             <a:r>
-              <a:rPr lang="en-US" dirty="0"/>
-              <a:t>To make state transitions, coordinator requires messages </a:t>
-            </a:r>
-            <a:r>
-              <a:rPr lang="en-US" dirty="0" smtClean="0"/>
-              <a:t>from</a:t>
-            </a:r>
-            <a:r>
-              <a:rPr lang="zh-CN" altLang="en-US" dirty="0" smtClean="0"/>
+              <a:rPr lang="en-US" altLang="zh-CN" sz="2400" dirty="0" smtClean="0"/>
+              <a:t>The</a:t>
+            </a:r>
+            <a:r>
+              <a:rPr lang="zh-CN" altLang="en-US" sz="2400" dirty="0" smtClean="0"/>
               <a:t> </a:t>
             </a:r>
             <a:r>
-              <a:rPr lang="en-US" altLang="zh-CN" dirty="0" smtClean="0">
-                <a:solidFill>
-                  <a:srgbClr val="FF0000"/>
-                </a:solidFill>
-              </a:rPr>
-              <a:t>nodes</a:t>
-            </a:r>
-            <a:r>
-              <a:rPr lang="en-US" dirty="0" smtClean="0">
-                <a:solidFill>
-                  <a:srgbClr val="FF0000"/>
-                </a:solidFill>
-              </a:rPr>
+              <a:rPr lang="en-US" altLang="zh-CN" sz="2400" dirty="0" smtClean="0"/>
+              <a:t>COMMIT</a:t>
+            </a:r>
+            <a:r>
+              <a:rPr lang="zh-CN" altLang="en-US" sz="2400" dirty="0" smtClean="0"/>
               <a:t> </a:t>
             </a:r>
             <a:r>
-              <a:rPr lang="en-US" dirty="0">
-                <a:solidFill>
-                  <a:srgbClr val="FF0000"/>
-                </a:solidFill>
-              </a:rPr>
-              <a:t>with a majority of votes</a:t>
-            </a:r>
+              <a:rPr lang="en-US" altLang="zh-CN" sz="2400" dirty="0" smtClean="0"/>
+              <a:t>is</a:t>
+            </a:r>
+            <a:r>
+              <a:rPr lang="zh-CN" altLang="en-US" sz="2400" dirty="0" smtClean="0"/>
+              <a:t> </a:t>
+            </a:r>
+            <a:r>
+              <a:rPr lang="en-US" altLang="zh-CN" sz="2400" dirty="0" smtClean="0"/>
+              <a:t>not</a:t>
+            </a:r>
+            <a:r>
+              <a:rPr lang="zh-CN" altLang="en-US" sz="2400" dirty="0" smtClean="0"/>
+              <a:t> </a:t>
+            </a:r>
+            <a:r>
+              <a:rPr lang="en-US" altLang="zh-CN" sz="2400" dirty="0" smtClean="0"/>
+              <a:t>synchronized</a:t>
+            </a:r>
+            <a:r>
+              <a:rPr lang="zh-CN" altLang="en-US" sz="2400" dirty="0"/>
+              <a:t> </a:t>
+            </a:r>
+            <a:r>
+              <a:rPr lang="en-US" altLang="zh-CN" sz="2400" dirty="0" smtClean="0"/>
+              <a:t>among</a:t>
+            </a:r>
+            <a:r>
+              <a:rPr lang="zh-CN" altLang="en-US" sz="2400" dirty="0" smtClean="0"/>
+              <a:t> </a:t>
+            </a:r>
+            <a:r>
+              <a:rPr lang="en-US" altLang="zh-CN" sz="2400" dirty="0" smtClean="0"/>
+              <a:t>participants</a:t>
+            </a:r>
+            <a:endParaRPr lang="en-US" sz="2400" dirty="0"/>
           </a:p>
         </p:txBody>
       </p:sp>
@@ -7720,13 +8596,20 @@
     </p:spTree>
     <p:extLst>
       <p:ext uri="{BB962C8B-B14F-4D97-AF65-F5344CB8AC3E}">
-        <p14:creationId xmlns:p14="http://schemas.microsoft.com/office/powerpoint/2010/main" val="55437065"/>
+        <p14:creationId xmlns:p14="http://schemas.microsoft.com/office/powerpoint/2010/main" val="1964618730"/>
       </p:ext>
     </p:extLst>
   </p:cSld>
   <p:clrMapOvr>
     <a:masterClrMapping/>
   </p:clrMapOvr>
+  <p:timing>
+    <p:tnLst>
+      <p:par>
+        <p:cTn id="1" dur="indefinite" restart="never" nodeType="tmRoot"/>
+      </p:par>
+    </p:tnLst>
+  </p:timing>
 </p:sld>
 </file>
 
@@ -7763,8 +8646,20 @@
           <a:lstStyle/>
           <a:p>
             <a:r>
+              <a:rPr lang="en-US" altLang="zh-CN" dirty="0" smtClean="0"/>
+              <a:t>Review:</a:t>
+            </a:r>
+            <a:r>
+              <a:rPr lang="zh-CN" altLang="en-US" dirty="0" smtClean="0"/>
+              <a:t> </a:t>
+            </a:r>
+            <a:r>
+              <a:rPr lang="en-US" dirty="0" smtClean="0"/>
+              <a:t>3PC </a:t>
+            </a:r>
+            <a:r>
               <a:rPr lang="en-US" dirty="0"/>
-              <a:t>3PC with Majority Votes</a:t>
+              <a:t>Recovery Rules</a:t>
             </a:r>
           </a:p>
         </p:txBody>
@@ -7779,48 +8674,26 @@
             <p:ph idx="1"/>
           </p:nvPr>
         </p:nvSpPr>
-        <p:spPr>
-          <a:xfrm>
-            <a:off x="1435100" y="3609875"/>
-            <a:ext cx="7499350" cy="2638525"/>
-          </a:xfrm>
-        </p:spPr>
+        <p:spPr/>
         <p:txBody>
           <a:bodyPr/>
           <a:lstStyle/>
           <a:p>
             <a:r>
-              <a:rPr lang="en-US" sz="2400" dirty="0"/>
-              <a:t>Nodes P2, P3, P4 enter W state and </a:t>
-            </a:r>
-            <a:r>
-              <a:rPr lang="en-US" sz="2400" dirty="0" smtClean="0"/>
-              <a:t>fail</a:t>
-            </a:r>
-          </a:p>
-          <a:p>
-            <a:r>
-              <a:rPr lang="en-US" sz="2400" dirty="0" smtClean="0"/>
-              <a:t>When </a:t>
-            </a:r>
-            <a:r>
-              <a:rPr lang="en-US" sz="2400" dirty="0"/>
-              <a:t>they recover, coordinator and P1 are down </a:t>
-            </a:r>
-            <a:endParaRPr lang="en-US" sz="2400" dirty="0" smtClean="0"/>
-          </a:p>
-          <a:p>
-            <a:r>
-              <a:rPr lang="en-US" sz="2400" dirty="0" smtClean="0"/>
-              <a:t>Each </a:t>
-            </a:r>
-            <a:r>
-              <a:rPr lang="en-US" sz="2400" dirty="0"/>
-              <a:t>node has one vote, V = 5, M ≥ </a:t>
-            </a:r>
-            <a:r>
-              <a:rPr lang="en-US" sz="2400" dirty="0" smtClean="0"/>
-              <a:t>3</a:t>
+              <a:rPr lang="en-US" dirty="0"/>
+              <a:t>Once survivors make decision, they must </a:t>
+            </a:r>
+            <a:r>
+              <a:rPr lang="en-US" dirty="0">
+                <a:solidFill>
+                  <a:srgbClr val="FF0000"/>
+                </a:solidFill>
+              </a:rPr>
+              <a:t>select new coordinator</a:t>
+            </a:r>
+            <a:r>
+              <a:rPr lang="en-US" dirty="0"/>
+              <a:t> to continue 3PC</a:t>
             </a:r>
           </a:p>
         </p:txBody>
@@ -7875,6 +8748,1454 @@
                 <a:defRPr/>
               </a:pPr>
               <a:t>17</a:t>
+            </a:fld>
+            <a:endParaRPr lang="zh-CN" altLang="en-US"/>
+          </a:p>
+        </p:txBody>
+      </p:sp>
+      <p:pic>
+        <p:nvPicPr>
+          <p:cNvPr id="6" name="Picture 5"/>
+          <p:cNvPicPr>
+            <a:picLocks noChangeAspect="1"/>
+          </p:cNvPicPr>
+          <p:nvPr/>
+        </p:nvPicPr>
+        <p:blipFill>
+          <a:blip r:embed="rId2">
+            <a:extLst>
+              <a:ext uri="{28A0092B-C50C-407E-A947-70E740481C1C}">
+                <a14:useLocalDpi xmlns:a14="http://schemas.microsoft.com/office/drawing/2010/main" val="0"/>
+              </a:ext>
+            </a:extLst>
+          </a:blip>
+          <a:stretch>
+            <a:fillRect/>
+          </a:stretch>
+        </p:blipFill>
+        <p:spPr>
+          <a:xfrm>
+            <a:off x="1547664" y="2780928"/>
+            <a:ext cx="7227391" cy="3182293"/>
+          </a:xfrm>
+          <a:prstGeom prst="rect">
+            <a:avLst/>
+          </a:prstGeom>
+        </p:spPr>
+      </p:pic>
+    </p:spTree>
+    <p:extLst>
+      <p:ext uri="{BB962C8B-B14F-4D97-AF65-F5344CB8AC3E}">
+        <p14:creationId xmlns:p14="http://schemas.microsoft.com/office/powerpoint/2010/main" val="874511411"/>
+      </p:ext>
+    </p:extLst>
+  </p:cSld>
+  <p:clrMapOvr>
+    <a:masterClrMapping/>
+  </p:clrMapOvr>
+  <p:timing>
+    <p:tnLst>
+      <p:par>
+        <p:cTn id="1" dur="indefinite" restart="never" nodeType="tmRoot"/>
+      </p:par>
+    </p:tnLst>
+  </p:timing>
+</p:sld>
+</file>
+
+<file path=ppt/slides/slide18.xml><?xml version="1.0" encoding="utf-8"?>
+<p:sld xmlns:a="http://schemas.openxmlformats.org/drawingml/2006/main" xmlns:r="http://schemas.openxmlformats.org/officeDocument/2006/relationships" xmlns:p="http://schemas.openxmlformats.org/presentationml/2006/main">
+  <p:cSld>
+    <p:spTree>
+      <p:nvGrpSpPr>
+        <p:cNvPr id="1" name=""/>
+        <p:cNvGrpSpPr/>
+        <p:nvPr/>
+      </p:nvGrpSpPr>
+      <p:grpSpPr>
+        <a:xfrm>
+          <a:off x="0" y="0"/>
+          <a:ext cx="0" cy="0"/>
+          <a:chOff x="0" y="0"/>
+          <a:chExt cx="0" cy="0"/>
+        </a:xfrm>
+      </p:grpSpPr>
+      <p:sp>
+        <p:nvSpPr>
+          <p:cNvPr id="2" name="Title 1"/>
+          <p:cNvSpPr>
+            <a:spLocks noGrp="1"/>
+          </p:cNvSpPr>
+          <p:nvPr>
+            <p:ph type="title"/>
+          </p:nvPr>
+        </p:nvSpPr>
+        <p:spPr>
+          <a:xfrm>
+            <a:off x="1403648" y="274638"/>
+            <a:ext cx="7499350" cy="1143000"/>
+          </a:xfrm>
+        </p:spPr>
+        <p:txBody>
+          <a:bodyPr/>
+          <a:lstStyle/>
+          <a:p>
+            <a:r>
+              <a:rPr lang="en-US" altLang="zh-CN" dirty="0" smtClean="0"/>
+              <a:t>Review:</a:t>
+            </a:r>
+            <a:r>
+              <a:rPr lang="zh-CN" altLang="en-US" dirty="0" smtClean="0"/>
+              <a:t> </a:t>
+            </a:r>
+            <a:r>
+              <a:rPr lang="en-US" dirty="0" smtClean="0"/>
+              <a:t>3PC </a:t>
+            </a:r>
+            <a:r>
+              <a:rPr lang="en-US" dirty="0"/>
+              <a:t>Node Recovery</a:t>
+            </a:r>
+          </a:p>
+        </p:txBody>
+      </p:sp>
+      <p:sp>
+        <p:nvSpPr>
+          <p:cNvPr id="3" name="Content Placeholder 2"/>
+          <p:cNvSpPr>
+            <a:spLocks noGrp="1"/>
+          </p:cNvSpPr>
+          <p:nvPr>
+            <p:ph idx="1"/>
+          </p:nvPr>
+        </p:nvSpPr>
+        <p:spPr/>
+        <p:txBody>
+          <a:bodyPr/>
+          <a:lstStyle/>
+          <a:p>
+            <a:r>
+              <a:rPr lang="en-US" dirty="0"/>
+              <a:t>After node recovers from </a:t>
+            </a:r>
+            <a:r>
+              <a:rPr lang="en-US" dirty="0" smtClean="0"/>
+              <a:t>failure</a:t>
+            </a:r>
+          </a:p>
+          <a:p>
+            <a:pPr lvl="1"/>
+            <a:r>
+              <a:rPr lang="en-US" dirty="0" smtClean="0"/>
+              <a:t>Waits </a:t>
+            </a:r>
+            <a:r>
+              <a:rPr lang="en-US" dirty="0"/>
+              <a:t>until receives commit or abort decision from another node</a:t>
+            </a:r>
+          </a:p>
+        </p:txBody>
+      </p:sp>
+      <p:sp>
+        <p:nvSpPr>
+          <p:cNvPr id="4" name="Footer Placeholder 3"/>
+          <p:cNvSpPr>
+            <a:spLocks noGrp="1"/>
+          </p:cNvSpPr>
+          <p:nvPr>
+            <p:ph type="ftr" sz="quarter" idx="11"/>
+          </p:nvPr>
+        </p:nvSpPr>
+        <p:spPr/>
+        <p:txBody>
+          <a:bodyPr/>
+          <a:lstStyle/>
+          <a:p>
+            <a:pPr>
+              <a:defRPr/>
+            </a:pPr>
+            <a:r>
+              <a:rPr lang="en-US" altLang="zh-CN" smtClean="0"/>
+              <a:t>Distributed Database Systems</a:t>
+            </a:r>
+            <a:endParaRPr lang="zh-CN" altLang="en-US"/>
+          </a:p>
+        </p:txBody>
+      </p:sp>
+      <p:sp>
+        <p:nvSpPr>
+          <p:cNvPr id="5" name="Slide Number Placeholder 4"/>
+          <p:cNvSpPr>
+            <a:spLocks noGrp="1"/>
+          </p:cNvSpPr>
+          <p:nvPr>
+            <p:ph type="sldNum" sz="quarter" idx="12"/>
+          </p:nvPr>
+        </p:nvSpPr>
+        <p:spPr/>
+        <p:txBody>
+          <a:bodyPr/>
+          <a:lstStyle/>
+          <a:p>
+            <a:pPr>
+              <a:defRPr/>
+            </a:pPr>
+            <a:fld id="{07A5CAEE-885A-5D41-93DF-9DC29A9FE4F0}" type="slidenum">
+              <a:rPr lang="zh-CN" altLang="en-US" smtClean="0"/>
+              <a:pPr>
+                <a:defRPr/>
+              </a:pPr>
+              <a:t>18</a:t>
+            </a:fld>
+            <a:endParaRPr lang="zh-CN" altLang="en-US"/>
+          </a:p>
+        </p:txBody>
+      </p:sp>
+      <p:pic>
+        <p:nvPicPr>
+          <p:cNvPr id="6" name="Picture 5"/>
+          <p:cNvPicPr>
+            <a:picLocks noChangeAspect="1"/>
+          </p:cNvPicPr>
+          <p:nvPr/>
+        </p:nvPicPr>
+        <p:blipFill>
+          <a:blip r:embed="rId2">
+            <a:extLst>
+              <a:ext uri="{28A0092B-C50C-407E-A947-70E740481C1C}">
+                <a14:useLocalDpi xmlns:a14="http://schemas.microsoft.com/office/drawing/2010/main" val="0"/>
+              </a:ext>
+            </a:extLst>
+          </a:blip>
+          <a:stretch>
+            <a:fillRect/>
+          </a:stretch>
+        </p:blipFill>
+        <p:spPr>
+          <a:xfrm>
+            <a:off x="1655520" y="3140968"/>
+            <a:ext cx="3529255" cy="3107432"/>
+          </a:xfrm>
+          <a:prstGeom prst="rect">
+            <a:avLst/>
+          </a:prstGeom>
+        </p:spPr>
+      </p:pic>
+      <p:sp>
+        <p:nvSpPr>
+          <p:cNvPr id="7" name="Rectangle 6"/>
+          <p:cNvSpPr/>
+          <p:nvPr/>
+        </p:nvSpPr>
+        <p:spPr>
+          <a:xfrm>
+            <a:off x="5236142" y="3786743"/>
+            <a:ext cx="3646940" cy="1815882"/>
+          </a:xfrm>
+          <a:prstGeom prst="rect">
+            <a:avLst/>
+          </a:prstGeom>
+        </p:spPr>
+        <p:txBody>
+          <a:bodyPr wrap="square">
+            <a:spAutoFit/>
+          </a:bodyPr>
+          <a:lstStyle/>
+          <a:p>
+            <a:r>
+              <a:rPr lang="en-US" sz="2800" dirty="0">
+                <a:latin typeface="Roboto" charset="0"/>
+              </a:rPr>
+              <a:t>Waiting for commit or abort decision from others is ok Unless </a:t>
+            </a:r>
+            <a:r>
+              <a:rPr lang="en-US" sz="2800" b="1" dirty="0">
+                <a:solidFill>
+                  <a:srgbClr val="FF0000"/>
+                </a:solidFill>
+                <a:latin typeface="Roboto" charset="0"/>
+              </a:rPr>
+              <a:t>all nodes fail </a:t>
+            </a:r>
+            <a:endParaRPr lang="en-US" sz="2800" dirty="0">
+              <a:solidFill>
+                <a:srgbClr val="FF0000"/>
+              </a:solidFill>
+              <a:effectLst/>
+            </a:endParaRPr>
+          </a:p>
+        </p:txBody>
+      </p:sp>
+    </p:spTree>
+    <p:extLst>
+      <p:ext uri="{BB962C8B-B14F-4D97-AF65-F5344CB8AC3E}">
+        <p14:creationId xmlns:p14="http://schemas.microsoft.com/office/powerpoint/2010/main" val="122861997"/>
+      </p:ext>
+    </p:extLst>
+  </p:cSld>
+  <p:clrMapOvr>
+    <a:masterClrMapping/>
+  </p:clrMapOvr>
+  <p:timing>
+    <p:tnLst>
+      <p:par>
+        <p:cTn id="1" dur="indefinite" restart="never" nodeType="tmRoot"/>
+      </p:par>
+    </p:tnLst>
+  </p:timing>
+</p:sld>
+</file>
+
+<file path=ppt/slides/slide19.xml><?xml version="1.0" encoding="utf-8"?>
+<p:sld xmlns:a="http://schemas.openxmlformats.org/drawingml/2006/main" xmlns:r="http://schemas.openxmlformats.org/officeDocument/2006/relationships" xmlns:p="http://schemas.openxmlformats.org/presentationml/2006/main">
+  <p:cSld>
+    <p:spTree>
+      <p:nvGrpSpPr>
+        <p:cNvPr id="1" name=""/>
+        <p:cNvGrpSpPr/>
+        <p:nvPr/>
+      </p:nvGrpSpPr>
+      <p:grpSpPr>
+        <a:xfrm>
+          <a:off x="0" y="0"/>
+          <a:ext cx="0" cy="0"/>
+          <a:chOff x="0" y="0"/>
+          <a:chExt cx="0" cy="0"/>
+        </a:xfrm>
+      </p:grpSpPr>
+      <p:sp>
+        <p:nvSpPr>
+          <p:cNvPr id="2" name="Title 1"/>
+          <p:cNvSpPr>
+            <a:spLocks noGrp="1"/>
+          </p:cNvSpPr>
+          <p:nvPr>
+            <p:ph type="title"/>
+          </p:nvPr>
+        </p:nvSpPr>
+        <p:spPr/>
+        <p:txBody>
+          <a:bodyPr/>
+          <a:lstStyle/>
+          <a:p>
+            <a:r>
+              <a:rPr lang="en-US" dirty="0"/>
+              <a:t>3PC Node Recovery</a:t>
+            </a:r>
+          </a:p>
+        </p:txBody>
+      </p:sp>
+      <p:sp>
+        <p:nvSpPr>
+          <p:cNvPr id="3" name="Content Placeholder 2"/>
+          <p:cNvSpPr>
+            <a:spLocks noGrp="1"/>
+          </p:cNvSpPr>
+          <p:nvPr>
+            <p:ph idx="1"/>
+          </p:nvPr>
+        </p:nvSpPr>
+        <p:spPr/>
+        <p:txBody>
+          <a:bodyPr/>
+          <a:lstStyle/>
+          <a:p>
+            <a:r>
+              <a:rPr lang="en-US" dirty="0"/>
+              <a:t>After node recovers from failure</a:t>
+            </a:r>
+          </a:p>
+          <a:p>
+            <a:pPr lvl="1"/>
+            <a:r>
+              <a:rPr lang="en-US" dirty="0"/>
+              <a:t>Waiting for commit or abort decision from others is ok Unless all nodes fail </a:t>
+            </a:r>
+          </a:p>
+          <a:p>
+            <a:endParaRPr lang="en-US" dirty="0" smtClean="0"/>
+          </a:p>
+          <a:p>
+            <a:r>
+              <a:rPr lang="en-US" altLang="zh-CN" dirty="0" smtClean="0"/>
+              <a:t>Two</a:t>
+            </a:r>
+            <a:r>
+              <a:rPr lang="zh-CN" altLang="en-US" dirty="0" smtClean="0"/>
+              <a:t> </a:t>
+            </a:r>
+            <a:r>
+              <a:rPr lang="en-US" altLang="zh-CN" dirty="0" smtClean="0"/>
+              <a:t>Solutions</a:t>
+            </a:r>
+          </a:p>
+          <a:p>
+            <a:pPr lvl="1"/>
+            <a:r>
+              <a:rPr lang="en-US" dirty="0"/>
+              <a:t>A. Wait for all nodes to </a:t>
+            </a:r>
+            <a:r>
+              <a:rPr lang="en-US" dirty="0">
+                <a:solidFill>
+                  <a:srgbClr val="FF0000"/>
+                </a:solidFill>
+              </a:rPr>
+              <a:t>recover </a:t>
+            </a:r>
+            <a:endParaRPr lang="en-US" altLang="zh-CN" dirty="0" smtClean="0">
+              <a:solidFill>
+                <a:srgbClr val="FF0000"/>
+              </a:solidFill>
+            </a:endParaRPr>
+          </a:p>
+          <a:p>
+            <a:pPr lvl="1"/>
+            <a:r>
+              <a:rPr lang="en-US" dirty="0" smtClean="0"/>
+              <a:t>B</a:t>
+            </a:r>
+            <a:r>
+              <a:rPr lang="en-US" dirty="0"/>
+              <a:t>. Perform </a:t>
+            </a:r>
+            <a:r>
+              <a:rPr lang="en-US" dirty="0">
+                <a:solidFill>
+                  <a:srgbClr val="FF0000"/>
+                </a:solidFill>
+              </a:rPr>
+              <a:t>majority commit</a:t>
+            </a:r>
+          </a:p>
+        </p:txBody>
+      </p:sp>
+      <p:sp>
+        <p:nvSpPr>
+          <p:cNvPr id="4" name="Footer Placeholder 3"/>
+          <p:cNvSpPr>
+            <a:spLocks noGrp="1"/>
+          </p:cNvSpPr>
+          <p:nvPr>
+            <p:ph type="ftr" sz="quarter" idx="11"/>
+          </p:nvPr>
+        </p:nvSpPr>
+        <p:spPr/>
+        <p:txBody>
+          <a:bodyPr/>
+          <a:lstStyle/>
+          <a:p>
+            <a:pPr>
+              <a:defRPr/>
+            </a:pPr>
+            <a:r>
+              <a:rPr lang="en-US" altLang="zh-CN" smtClean="0"/>
+              <a:t>Distributed Database Systems</a:t>
+            </a:r>
+            <a:endParaRPr lang="zh-CN" altLang="en-US"/>
+          </a:p>
+        </p:txBody>
+      </p:sp>
+      <p:sp>
+        <p:nvSpPr>
+          <p:cNvPr id="5" name="Slide Number Placeholder 4"/>
+          <p:cNvSpPr>
+            <a:spLocks noGrp="1"/>
+          </p:cNvSpPr>
+          <p:nvPr>
+            <p:ph type="sldNum" sz="quarter" idx="12"/>
+          </p:nvPr>
+        </p:nvSpPr>
+        <p:spPr/>
+        <p:txBody>
+          <a:bodyPr/>
+          <a:lstStyle/>
+          <a:p>
+            <a:pPr>
+              <a:defRPr/>
+            </a:pPr>
+            <a:fld id="{07A5CAEE-885A-5D41-93DF-9DC29A9FE4F0}" type="slidenum">
+              <a:rPr lang="zh-CN" altLang="en-US" smtClean="0"/>
+              <a:pPr>
+                <a:defRPr/>
+              </a:pPr>
+              <a:t>19</a:t>
+            </a:fld>
+            <a:endParaRPr lang="zh-CN" altLang="en-US"/>
+          </a:p>
+        </p:txBody>
+      </p:sp>
+    </p:spTree>
+    <p:extLst>
+      <p:ext uri="{BB962C8B-B14F-4D97-AF65-F5344CB8AC3E}">
+        <p14:creationId xmlns:p14="http://schemas.microsoft.com/office/powerpoint/2010/main" val="1028448964"/>
+      </p:ext>
+    </p:extLst>
+  </p:cSld>
+  <p:clrMapOvr>
+    <a:masterClrMapping/>
+  </p:clrMapOvr>
+  <p:timing>
+    <p:tnLst>
+      <p:par>
+        <p:cTn id="1" dur="indefinite" restart="never" nodeType="tmRoot"/>
+      </p:par>
+    </p:tnLst>
+  </p:timing>
+</p:sld>
+</file>
+
+<file path=ppt/slides/slide2.xml><?xml version="1.0" encoding="utf-8"?>
+<p:sld xmlns:a="http://schemas.openxmlformats.org/drawingml/2006/main" xmlns:r="http://schemas.openxmlformats.org/officeDocument/2006/relationships" xmlns:p="http://schemas.openxmlformats.org/presentationml/2006/main">
+  <p:cSld>
+    <p:spTree>
+      <p:nvGrpSpPr>
+        <p:cNvPr id="1" name=""/>
+        <p:cNvGrpSpPr/>
+        <p:nvPr/>
+      </p:nvGrpSpPr>
+      <p:grpSpPr>
+        <a:xfrm>
+          <a:off x="0" y="0"/>
+          <a:ext cx="0" cy="0"/>
+          <a:chOff x="0" y="0"/>
+          <a:chExt cx="0" cy="0"/>
+        </a:xfrm>
+      </p:grpSpPr>
+      <p:sp>
+        <p:nvSpPr>
+          <p:cNvPr id="6" name="Title 5"/>
+          <p:cNvSpPr>
+            <a:spLocks noGrp="1"/>
+          </p:cNvSpPr>
+          <p:nvPr>
+            <p:ph type="title"/>
+          </p:nvPr>
+        </p:nvSpPr>
+        <p:spPr>
+          <a:xfrm>
+            <a:off x="2578100" y="2600325"/>
+            <a:ext cx="6400800" cy="2286000"/>
+          </a:xfrm>
+        </p:spPr>
+        <p:txBody>
+          <a:bodyPr/>
+          <a:lstStyle/>
+          <a:p>
+            <a:pPr eaLnBrk="1" hangingPunct="1">
+              <a:defRPr/>
+            </a:pPr>
+            <a:r>
+              <a:rPr lang="en-US" altLang="zh-CN" sz="4400" b="0" cap="none" dirty="0" smtClean="0"/>
+              <a:t>Three-Phase</a:t>
+            </a:r>
+            <a:r>
+              <a:rPr lang="zh-CN" altLang="en-US" sz="4400" b="0" cap="none" dirty="0" smtClean="0"/>
+              <a:t> </a:t>
+            </a:r>
+            <a:r>
+              <a:rPr lang="en-US" altLang="zh-CN" sz="4400" b="0" cap="none" dirty="0" smtClean="0"/>
+              <a:t>Commit</a:t>
+            </a:r>
+            <a:endParaRPr lang="zh-CN" altLang="en-US" sz="4400" b="0" cap="none" dirty="0"/>
+          </a:p>
+        </p:txBody>
+      </p:sp>
+      <p:sp>
+        <p:nvSpPr>
+          <p:cNvPr id="7" name="Text Placeholder 6"/>
+          <p:cNvSpPr>
+            <a:spLocks noGrp="1"/>
+          </p:cNvSpPr>
+          <p:nvPr>
+            <p:ph type="body" idx="1"/>
+          </p:nvPr>
+        </p:nvSpPr>
+        <p:spPr>
+          <a:xfrm>
+            <a:off x="2578100" y="1066800"/>
+            <a:ext cx="6400800" cy="1509713"/>
+          </a:xfrm>
+        </p:spPr>
+        <p:txBody>
+          <a:bodyPr/>
+          <a:lstStyle/>
+          <a:p>
+            <a:pPr eaLnBrk="1" hangingPunct="1">
+              <a:buFont typeface="Wingdings 2" pitchFamily="18" charset="2"/>
+              <a:buNone/>
+              <a:defRPr/>
+            </a:pPr>
+            <a:endParaRPr lang="zh-CN" altLang="en-US" dirty="0"/>
+          </a:p>
+        </p:txBody>
+      </p:sp>
+      <p:sp>
+        <p:nvSpPr>
+          <p:cNvPr id="4" name="Footer Placeholder 3"/>
+          <p:cNvSpPr>
+            <a:spLocks noGrp="1"/>
+          </p:cNvSpPr>
+          <p:nvPr>
+            <p:ph type="ftr" sz="quarter" idx="11"/>
+          </p:nvPr>
+        </p:nvSpPr>
+        <p:spPr/>
+        <p:txBody>
+          <a:bodyPr/>
+          <a:lstStyle/>
+          <a:p>
+            <a:pPr>
+              <a:defRPr/>
+            </a:pPr>
+            <a:r>
+              <a:rPr lang="en-US" altLang="zh-CN" smtClean="0"/>
+              <a:t>Distributed Database Systems</a:t>
+            </a:r>
+            <a:endParaRPr lang="zh-CN" altLang="en-US"/>
+          </a:p>
+        </p:txBody>
+      </p:sp>
+      <p:sp>
+        <p:nvSpPr>
+          <p:cNvPr id="18436" name="Slide Number Placeholder 4"/>
+          <p:cNvSpPr>
+            <a:spLocks noGrp="1"/>
+          </p:cNvSpPr>
+          <p:nvPr>
+            <p:ph type="sldNum" sz="quarter" idx="12"/>
+          </p:nvPr>
+        </p:nvSpPr>
+        <p:spPr bwMode="auto">
+          <a:noFill/>
+          <a:extLst>
+            <a:ext uri="{909E8E84-426E-40DD-AFC4-6F175D3DCCD1}">
+              <a14:hiddenFill xmlns:a14="http://schemas.microsoft.com/office/drawing/2010/main">
+                <a:solidFill>
+                  <a:srgbClr val="FFFFFF"/>
+                </a:solidFill>
+              </a14:hiddenFill>
+            </a:ext>
+            <a:ext uri="{91240B29-F687-4F45-9708-019B960494DF}">
+              <a14:hiddenLine xmlns:a14="http://schemas.microsoft.com/office/drawing/2010/main" w="9525">
+                <a:solidFill>
+                  <a:srgbClr val="000000"/>
+                </a:solidFill>
+                <a:miter lim="800000"/>
+                <a:headEnd/>
+                <a:tailEnd/>
+              </a14:hiddenLine>
+            </a:ext>
+          </a:extLst>
+        </p:spPr>
+        <p:txBody>
+          <a:bodyPr/>
+          <a:lstStyle>
+            <a:lvl1pPr>
+              <a:spcBef>
+                <a:spcPts val="600"/>
+              </a:spcBef>
+              <a:buClr>
+                <a:schemeClr val="accent1"/>
+              </a:buClr>
+              <a:buSzPct val="80000"/>
+              <a:buFont typeface="Wingdings 2" charset="2"/>
+              <a:buChar char=""/>
+              <a:defRPr sz="3200">
+                <a:solidFill>
+                  <a:schemeClr val="tx1"/>
+                </a:solidFill>
+                <a:latin typeface="Gill Sans MT" charset="0"/>
+                <a:ea typeface="华文中宋" charset="-122"/>
+              </a:defRPr>
+            </a:lvl1pPr>
+            <a:lvl2pPr marL="742950" indent="-285750">
+              <a:spcBef>
+                <a:spcPts val="550"/>
+              </a:spcBef>
+              <a:buClr>
+                <a:schemeClr val="accent1"/>
+              </a:buClr>
+              <a:buFont typeface="Verdana" charset="0"/>
+              <a:buChar char="◦"/>
+              <a:defRPr sz="2800">
+                <a:solidFill>
+                  <a:schemeClr val="tx1"/>
+                </a:solidFill>
+                <a:latin typeface="Gill Sans MT" charset="0"/>
+                <a:ea typeface="华文中宋" charset="-122"/>
+              </a:defRPr>
+            </a:lvl2pPr>
+            <a:lvl3pPr marL="1143000" indent="-228600">
+              <a:spcBef>
+                <a:spcPct val="20000"/>
+              </a:spcBef>
+              <a:buClr>
+                <a:schemeClr val="accent2"/>
+              </a:buClr>
+              <a:buFont typeface="Wingdings 2" charset="2"/>
+              <a:buChar char=""/>
+              <a:defRPr sz="2400">
+                <a:solidFill>
+                  <a:schemeClr val="tx1"/>
+                </a:solidFill>
+                <a:latin typeface="Gill Sans MT" charset="0"/>
+                <a:ea typeface="华文中宋" charset="-122"/>
+              </a:defRPr>
+            </a:lvl3pPr>
+            <a:lvl4pPr marL="1600200" indent="-228600">
+              <a:spcBef>
+                <a:spcPct val="20000"/>
+              </a:spcBef>
+              <a:buClr>
+                <a:srgbClr val="9BBB59"/>
+              </a:buClr>
+              <a:buFont typeface="Wingdings 2" charset="2"/>
+              <a:buChar char=""/>
+              <a:defRPr sz="2000">
+                <a:solidFill>
+                  <a:schemeClr val="tx1"/>
+                </a:solidFill>
+                <a:latin typeface="Gill Sans MT" charset="0"/>
+                <a:ea typeface="华文中宋" charset="-122"/>
+              </a:defRPr>
+            </a:lvl4pPr>
+            <a:lvl5pPr marL="2057400" indent="-228600">
+              <a:spcBef>
+                <a:spcPct val="20000"/>
+              </a:spcBef>
+              <a:buClr>
+                <a:srgbClr val="8064A2"/>
+              </a:buClr>
+              <a:buFont typeface="Wingdings 2" charset="2"/>
+              <a:buChar char=""/>
+              <a:defRPr sz="2000">
+                <a:solidFill>
+                  <a:schemeClr val="tx1"/>
+                </a:solidFill>
+                <a:latin typeface="Gill Sans MT" charset="0"/>
+                <a:ea typeface="华文中宋" charset="-122"/>
+              </a:defRPr>
+            </a:lvl5pPr>
+            <a:lvl6pPr marL="2514600" indent="-228600" eaLnBrk="0" fontAlgn="base" hangingPunct="0">
+              <a:spcBef>
+                <a:spcPct val="20000"/>
+              </a:spcBef>
+              <a:spcAft>
+                <a:spcPct val="0"/>
+              </a:spcAft>
+              <a:buClr>
+                <a:srgbClr val="8064A2"/>
+              </a:buClr>
+              <a:buFont typeface="Wingdings 2" charset="2"/>
+              <a:buChar char=""/>
+              <a:defRPr sz="2000">
+                <a:solidFill>
+                  <a:schemeClr val="tx1"/>
+                </a:solidFill>
+                <a:latin typeface="Gill Sans MT" charset="0"/>
+                <a:ea typeface="华文中宋" charset="-122"/>
+              </a:defRPr>
+            </a:lvl6pPr>
+            <a:lvl7pPr marL="2971800" indent="-228600" eaLnBrk="0" fontAlgn="base" hangingPunct="0">
+              <a:spcBef>
+                <a:spcPct val="20000"/>
+              </a:spcBef>
+              <a:spcAft>
+                <a:spcPct val="0"/>
+              </a:spcAft>
+              <a:buClr>
+                <a:srgbClr val="8064A2"/>
+              </a:buClr>
+              <a:buFont typeface="Wingdings 2" charset="2"/>
+              <a:buChar char=""/>
+              <a:defRPr sz="2000">
+                <a:solidFill>
+                  <a:schemeClr val="tx1"/>
+                </a:solidFill>
+                <a:latin typeface="Gill Sans MT" charset="0"/>
+                <a:ea typeface="华文中宋" charset="-122"/>
+              </a:defRPr>
+            </a:lvl7pPr>
+            <a:lvl8pPr marL="3429000" indent="-228600" eaLnBrk="0" fontAlgn="base" hangingPunct="0">
+              <a:spcBef>
+                <a:spcPct val="20000"/>
+              </a:spcBef>
+              <a:spcAft>
+                <a:spcPct val="0"/>
+              </a:spcAft>
+              <a:buClr>
+                <a:srgbClr val="8064A2"/>
+              </a:buClr>
+              <a:buFont typeface="Wingdings 2" charset="2"/>
+              <a:buChar char=""/>
+              <a:defRPr sz="2000">
+                <a:solidFill>
+                  <a:schemeClr val="tx1"/>
+                </a:solidFill>
+                <a:latin typeface="Gill Sans MT" charset="0"/>
+                <a:ea typeface="华文中宋" charset="-122"/>
+              </a:defRPr>
+            </a:lvl8pPr>
+            <a:lvl9pPr marL="3886200" indent="-228600" eaLnBrk="0" fontAlgn="base" hangingPunct="0">
+              <a:spcBef>
+                <a:spcPct val="20000"/>
+              </a:spcBef>
+              <a:spcAft>
+                <a:spcPct val="0"/>
+              </a:spcAft>
+              <a:buClr>
+                <a:srgbClr val="8064A2"/>
+              </a:buClr>
+              <a:buFont typeface="Wingdings 2" charset="2"/>
+              <a:buChar char=""/>
+              <a:defRPr sz="2000">
+                <a:solidFill>
+                  <a:schemeClr val="tx1"/>
+                </a:solidFill>
+                <a:latin typeface="Gill Sans MT" charset="0"/>
+                <a:ea typeface="华文中宋" charset="-122"/>
+              </a:defRPr>
+            </a:lvl9pPr>
+          </a:lstStyle>
+          <a:p>
+            <a:pPr>
+              <a:spcBef>
+                <a:spcPct val="0"/>
+              </a:spcBef>
+              <a:buClrTx/>
+              <a:buSzTx/>
+              <a:buFontTx/>
+              <a:buNone/>
+            </a:pPr>
+            <a:fld id="{B57AD1C1-0645-954C-A194-F257F825431D}" type="slidenum">
+              <a:rPr lang="zh-CN" altLang="en-US" sz="1200">
+                <a:solidFill>
+                  <a:srgbClr val="B4B1A0"/>
+                </a:solidFill>
+              </a:rPr>
+              <a:pPr>
+                <a:spcBef>
+                  <a:spcPct val="0"/>
+                </a:spcBef>
+                <a:buClrTx/>
+                <a:buSzTx/>
+                <a:buFontTx/>
+                <a:buNone/>
+              </a:pPr>
+              <a:t>2</a:t>
+            </a:fld>
+            <a:endParaRPr lang="zh-CN" altLang="en-US" sz="1200">
+              <a:solidFill>
+                <a:srgbClr val="B4B1A0"/>
+              </a:solidFill>
+            </a:endParaRPr>
+          </a:p>
+        </p:txBody>
+      </p:sp>
+    </p:spTree>
+    <p:extLst>
+      <p:ext uri="{BB962C8B-B14F-4D97-AF65-F5344CB8AC3E}">
+        <p14:creationId xmlns:p14="http://schemas.microsoft.com/office/powerpoint/2010/main" val="128941959"/>
+      </p:ext>
+    </p:extLst>
+  </p:cSld>
+  <p:clrMapOvr>
+    <a:masterClrMapping/>
+  </p:clrMapOvr>
+  <p:timing>
+    <p:tnLst>
+      <p:par>
+        <p:cTn id="1" dur="indefinite" restart="never" nodeType="tmRoot"/>
+      </p:par>
+    </p:tnLst>
+  </p:timing>
+</p:sld>
+</file>
+
+<file path=ppt/slides/slide20.xml><?xml version="1.0" encoding="utf-8"?>
+<p:sld xmlns:a="http://schemas.openxmlformats.org/drawingml/2006/main" xmlns:r="http://schemas.openxmlformats.org/officeDocument/2006/relationships" xmlns:p="http://schemas.openxmlformats.org/presentationml/2006/main">
+  <p:cSld>
+    <p:spTree>
+      <p:nvGrpSpPr>
+        <p:cNvPr id="1" name=""/>
+        <p:cNvGrpSpPr/>
+        <p:nvPr/>
+      </p:nvGrpSpPr>
+      <p:grpSpPr>
+        <a:xfrm>
+          <a:off x="0" y="0"/>
+          <a:ext cx="0" cy="0"/>
+          <a:chOff x="0" y="0"/>
+          <a:chExt cx="0" cy="0"/>
+        </a:xfrm>
+      </p:grpSpPr>
+      <p:sp>
+        <p:nvSpPr>
+          <p:cNvPr id="2" name="Title 1"/>
+          <p:cNvSpPr>
+            <a:spLocks noGrp="1"/>
+          </p:cNvSpPr>
+          <p:nvPr>
+            <p:ph type="title"/>
+          </p:nvPr>
+        </p:nvSpPr>
+        <p:spPr/>
+        <p:txBody>
+          <a:bodyPr/>
+          <a:lstStyle/>
+          <a:p>
+            <a:r>
+              <a:rPr lang="en-US" dirty="0"/>
+              <a:t>3PC Node Recovery</a:t>
+            </a:r>
+          </a:p>
+        </p:txBody>
+      </p:sp>
+      <p:sp>
+        <p:nvSpPr>
+          <p:cNvPr id="3" name="Content Placeholder 2"/>
+          <p:cNvSpPr>
+            <a:spLocks noGrp="1"/>
+          </p:cNvSpPr>
+          <p:nvPr>
+            <p:ph idx="1"/>
+          </p:nvPr>
+        </p:nvSpPr>
+        <p:spPr/>
+        <p:txBody>
+          <a:bodyPr/>
+          <a:lstStyle/>
+          <a:p>
+            <a:r>
+              <a:rPr lang="en-US" b="1" dirty="0"/>
+              <a:t>A. Wait for all nodes to </a:t>
+            </a:r>
+            <a:r>
+              <a:rPr lang="en-US" b="1" dirty="0" smtClean="0"/>
+              <a:t>recover</a:t>
+            </a:r>
+          </a:p>
+          <a:p>
+            <a:endParaRPr lang="en-US" dirty="0"/>
+          </a:p>
+          <a:p>
+            <a:r>
+              <a:rPr lang="en-US" dirty="0"/>
+              <a:t>Recovering node waits for </a:t>
+            </a:r>
+            <a:r>
+              <a:rPr lang="en-US" dirty="0" smtClean="0"/>
+              <a:t>either</a:t>
+            </a:r>
+          </a:p>
+          <a:p>
+            <a:pPr lvl="1"/>
+            <a:r>
+              <a:rPr lang="en-US" dirty="0" smtClean="0"/>
+              <a:t>1</a:t>
+            </a:r>
+            <a:r>
+              <a:rPr lang="en-US" dirty="0"/>
+              <a:t>. Commit or abort decision from another node </a:t>
+            </a:r>
+            <a:r>
+              <a:rPr lang="en-US" dirty="0" smtClean="0"/>
+              <a:t>or</a:t>
+            </a:r>
+          </a:p>
+          <a:p>
+            <a:pPr lvl="1"/>
+            <a:r>
+              <a:rPr lang="en-US" dirty="0" smtClean="0"/>
+              <a:t>2</a:t>
+            </a:r>
+            <a:r>
+              <a:rPr lang="en-US" dirty="0"/>
+              <a:t>. If all other nodes are up and recovering then 3PC can continue</a:t>
+            </a:r>
+          </a:p>
+        </p:txBody>
+      </p:sp>
+      <p:sp>
+        <p:nvSpPr>
+          <p:cNvPr id="4" name="Footer Placeholder 3"/>
+          <p:cNvSpPr>
+            <a:spLocks noGrp="1"/>
+          </p:cNvSpPr>
+          <p:nvPr>
+            <p:ph type="ftr" sz="quarter" idx="11"/>
+          </p:nvPr>
+        </p:nvSpPr>
+        <p:spPr/>
+        <p:txBody>
+          <a:bodyPr/>
+          <a:lstStyle/>
+          <a:p>
+            <a:pPr>
+              <a:defRPr/>
+            </a:pPr>
+            <a:r>
+              <a:rPr lang="en-US" altLang="zh-CN" smtClean="0"/>
+              <a:t>Distributed Database Systems</a:t>
+            </a:r>
+            <a:endParaRPr lang="zh-CN" altLang="en-US"/>
+          </a:p>
+        </p:txBody>
+      </p:sp>
+      <p:sp>
+        <p:nvSpPr>
+          <p:cNvPr id="5" name="Slide Number Placeholder 4"/>
+          <p:cNvSpPr>
+            <a:spLocks noGrp="1"/>
+          </p:cNvSpPr>
+          <p:nvPr>
+            <p:ph type="sldNum" sz="quarter" idx="12"/>
+          </p:nvPr>
+        </p:nvSpPr>
+        <p:spPr/>
+        <p:txBody>
+          <a:bodyPr/>
+          <a:lstStyle/>
+          <a:p>
+            <a:pPr>
+              <a:defRPr/>
+            </a:pPr>
+            <a:fld id="{07A5CAEE-885A-5D41-93DF-9DC29A9FE4F0}" type="slidenum">
+              <a:rPr lang="zh-CN" altLang="en-US" smtClean="0"/>
+              <a:pPr>
+                <a:defRPr/>
+              </a:pPr>
+              <a:t>20</a:t>
+            </a:fld>
+            <a:endParaRPr lang="zh-CN" altLang="en-US"/>
+          </a:p>
+        </p:txBody>
+      </p:sp>
+    </p:spTree>
+    <p:extLst>
+      <p:ext uri="{BB962C8B-B14F-4D97-AF65-F5344CB8AC3E}">
+        <p14:creationId xmlns:p14="http://schemas.microsoft.com/office/powerpoint/2010/main" val="2026343285"/>
+      </p:ext>
+    </p:extLst>
+  </p:cSld>
+  <p:clrMapOvr>
+    <a:masterClrMapping/>
+  </p:clrMapOvr>
+  <p:timing>
+    <p:tnLst>
+      <p:par>
+        <p:cTn id="1" dur="indefinite" restart="never" nodeType="tmRoot"/>
+      </p:par>
+    </p:tnLst>
+  </p:timing>
+</p:sld>
+</file>
+
+<file path=ppt/slides/slide21.xml><?xml version="1.0" encoding="utf-8"?>
+<p:sld xmlns:a="http://schemas.openxmlformats.org/drawingml/2006/main" xmlns:r="http://schemas.openxmlformats.org/officeDocument/2006/relationships" xmlns:p="http://schemas.openxmlformats.org/presentationml/2006/main">
+  <p:cSld>
+    <p:spTree>
+      <p:nvGrpSpPr>
+        <p:cNvPr id="1" name=""/>
+        <p:cNvGrpSpPr/>
+        <p:nvPr/>
+      </p:nvGrpSpPr>
+      <p:grpSpPr>
+        <a:xfrm>
+          <a:off x="0" y="0"/>
+          <a:ext cx="0" cy="0"/>
+          <a:chOff x="0" y="0"/>
+          <a:chExt cx="0" cy="0"/>
+        </a:xfrm>
+      </p:grpSpPr>
+      <p:sp>
+        <p:nvSpPr>
+          <p:cNvPr id="2" name="Title 1"/>
+          <p:cNvSpPr>
+            <a:spLocks noGrp="1"/>
+          </p:cNvSpPr>
+          <p:nvPr>
+            <p:ph type="title"/>
+          </p:nvPr>
+        </p:nvSpPr>
+        <p:spPr/>
+        <p:txBody>
+          <a:bodyPr/>
+          <a:lstStyle/>
+          <a:p>
+            <a:r>
+              <a:rPr lang="en-US" dirty="0"/>
+              <a:t>3PC Node Recovery</a:t>
+            </a:r>
+          </a:p>
+        </p:txBody>
+      </p:sp>
+      <p:sp>
+        <p:nvSpPr>
+          <p:cNvPr id="3" name="Content Placeholder 2"/>
+          <p:cNvSpPr>
+            <a:spLocks noGrp="1"/>
+          </p:cNvSpPr>
+          <p:nvPr>
+            <p:ph idx="1"/>
+          </p:nvPr>
+        </p:nvSpPr>
+        <p:spPr>
+          <a:xfrm>
+            <a:off x="1259632" y="1447800"/>
+            <a:ext cx="7674818" cy="4800600"/>
+          </a:xfrm>
+        </p:spPr>
+        <p:txBody>
+          <a:bodyPr/>
+          <a:lstStyle/>
+          <a:p>
+            <a:r>
+              <a:rPr lang="en-US" b="1" dirty="0"/>
+              <a:t>B. Perform majority </a:t>
+            </a:r>
+            <a:r>
+              <a:rPr lang="en-US" b="1" dirty="0" smtClean="0"/>
+              <a:t>commit</a:t>
+            </a:r>
+          </a:p>
+          <a:p>
+            <a:r>
+              <a:rPr lang="en-US" altLang="zh-CN" dirty="0" smtClean="0"/>
+              <a:t>Basic</a:t>
+            </a:r>
+            <a:r>
+              <a:rPr lang="zh-CN" altLang="en-US" dirty="0" smtClean="0"/>
+              <a:t> </a:t>
+            </a:r>
+            <a:r>
+              <a:rPr lang="en-US" altLang="zh-CN" dirty="0" smtClean="0"/>
+              <a:t>Idea</a:t>
+            </a:r>
+          </a:p>
+          <a:p>
+            <a:pPr lvl="1"/>
+            <a:r>
+              <a:rPr lang="en-US" dirty="0"/>
+              <a:t>Want a gang of </a:t>
+            </a:r>
+            <a:r>
+              <a:rPr lang="en-US" dirty="0">
+                <a:solidFill>
+                  <a:srgbClr val="FF0000"/>
+                </a:solidFill>
+              </a:rPr>
+              <a:t>failed but recovered nodes </a:t>
+            </a:r>
+            <a:r>
+              <a:rPr lang="en-US" dirty="0"/>
+              <a:t>to be able to terminate the transaction, even when the rest are still </a:t>
+            </a:r>
+            <a:r>
+              <a:rPr lang="en-US" dirty="0" smtClean="0"/>
+              <a:t>failing</a:t>
+            </a:r>
+          </a:p>
+          <a:p>
+            <a:pPr lvl="1"/>
+            <a:r>
+              <a:rPr lang="en-US" dirty="0"/>
+              <a:t>Nodes are assigned votes, total is </a:t>
+            </a:r>
+            <a:r>
+              <a:rPr lang="en-US" dirty="0" smtClean="0"/>
+              <a:t>V</a:t>
+            </a:r>
+          </a:p>
+          <a:p>
+            <a:pPr lvl="2"/>
+            <a:r>
+              <a:rPr lang="en-US" altLang="zh-CN" dirty="0" smtClean="0"/>
+              <a:t>Majority</a:t>
+            </a:r>
+            <a:r>
+              <a:rPr lang="zh-CN" altLang="en-US" dirty="0" smtClean="0"/>
+              <a:t> </a:t>
+            </a:r>
+            <a:r>
+              <a:rPr lang="en-US" altLang="zh-CN" dirty="0" smtClean="0"/>
+              <a:t>is</a:t>
+            </a:r>
+            <a:r>
+              <a:rPr lang="zh-CN" altLang="en-US" dirty="0" smtClean="0"/>
+              <a:t> </a:t>
+            </a:r>
+            <a:r>
+              <a:rPr lang="en-US" altLang="zh-CN" dirty="0"/>
+              <a:t>M ≥ round((V + 1) / 2</a:t>
+            </a:r>
+            <a:r>
+              <a:rPr lang="en-US" altLang="zh-CN" dirty="0" smtClean="0"/>
+              <a:t>)</a:t>
+            </a:r>
+          </a:p>
+          <a:p>
+            <a:pPr lvl="1"/>
+            <a:r>
+              <a:rPr lang="en-US" dirty="0"/>
+              <a:t>To make state transitions, coordinator requires messages </a:t>
+            </a:r>
+            <a:r>
+              <a:rPr lang="en-US" dirty="0" smtClean="0"/>
+              <a:t>from</a:t>
+            </a:r>
+            <a:r>
+              <a:rPr lang="zh-CN" altLang="en-US" dirty="0" smtClean="0"/>
+              <a:t> </a:t>
+            </a:r>
+            <a:r>
+              <a:rPr lang="en-US" altLang="zh-CN" dirty="0" smtClean="0">
+                <a:solidFill>
+                  <a:srgbClr val="FF0000"/>
+                </a:solidFill>
+              </a:rPr>
+              <a:t>nodes</a:t>
+            </a:r>
+            <a:r>
+              <a:rPr lang="en-US" dirty="0" smtClean="0">
+                <a:solidFill>
+                  <a:srgbClr val="FF0000"/>
+                </a:solidFill>
+              </a:rPr>
+              <a:t> </a:t>
+            </a:r>
+            <a:r>
+              <a:rPr lang="en-US" dirty="0">
+                <a:solidFill>
+                  <a:srgbClr val="FF0000"/>
+                </a:solidFill>
+              </a:rPr>
+              <a:t>with a majority of votes</a:t>
+            </a:r>
+          </a:p>
+        </p:txBody>
+      </p:sp>
+      <p:sp>
+        <p:nvSpPr>
+          <p:cNvPr id="4" name="Footer Placeholder 3"/>
+          <p:cNvSpPr>
+            <a:spLocks noGrp="1"/>
+          </p:cNvSpPr>
+          <p:nvPr>
+            <p:ph type="ftr" sz="quarter" idx="11"/>
+          </p:nvPr>
+        </p:nvSpPr>
+        <p:spPr/>
+        <p:txBody>
+          <a:bodyPr/>
+          <a:lstStyle/>
+          <a:p>
+            <a:pPr>
+              <a:defRPr/>
+            </a:pPr>
+            <a:r>
+              <a:rPr lang="en-US" altLang="zh-CN" smtClean="0"/>
+              <a:t>Distributed Database Systems</a:t>
+            </a:r>
+            <a:endParaRPr lang="zh-CN" altLang="en-US"/>
+          </a:p>
+        </p:txBody>
+      </p:sp>
+      <p:sp>
+        <p:nvSpPr>
+          <p:cNvPr id="5" name="Slide Number Placeholder 4"/>
+          <p:cNvSpPr>
+            <a:spLocks noGrp="1"/>
+          </p:cNvSpPr>
+          <p:nvPr>
+            <p:ph type="sldNum" sz="quarter" idx="12"/>
+          </p:nvPr>
+        </p:nvSpPr>
+        <p:spPr/>
+        <p:txBody>
+          <a:bodyPr/>
+          <a:lstStyle/>
+          <a:p>
+            <a:pPr>
+              <a:defRPr/>
+            </a:pPr>
+            <a:fld id="{07A5CAEE-885A-5D41-93DF-9DC29A9FE4F0}" type="slidenum">
+              <a:rPr lang="zh-CN" altLang="en-US" smtClean="0"/>
+              <a:pPr>
+                <a:defRPr/>
+              </a:pPr>
+              <a:t>21</a:t>
+            </a:fld>
+            <a:endParaRPr lang="zh-CN" altLang="en-US"/>
+          </a:p>
+        </p:txBody>
+      </p:sp>
+    </p:spTree>
+    <p:extLst>
+      <p:ext uri="{BB962C8B-B14F-4D97-AF65-F5344CB8AC3E}">
+        <p14:creationId xmlns:p14="http://schemas.microsoft.com/office/powerpoint/2010/main" val="55437065"/>
+      </p:ext>
+    </p:extLst>
+  </p:cSld>
+  <p:clrMapOvr>
+    <a:masterClrMapping/>
+  </p:clrMapOvr>
+  <p:timing>
+    <p:tnLst>
+      <p:par>
+        <p:cTn id="1" dur="indefinite" restart="never" nodeType="tmRoot"/>
+      </p:par>
+    </p:tnLst>
+  </p:timing>
+</p:sld>
+</file>
+
+<file path=ppt/slides/slide22.xml><?xml version="1.0" encoding="utf-8"?>
+<p:sld xmlns:a="http://schemas.openxmlformats.org/drawingml/2006/main" xmlns:r="http://schemas.openxmlformats.org/officeDocument/2006/relationships" xmlns:p="http://schemas.openxmlformats.org/presentationml/2006/main">
+  <p:cSld>
+    <p:spTree>
+      <p:nvGrpSpPr>
+        <p:cNvPr id="1" name=""/>
+        <p:cNvGrpSpPr/>
+        <p:nvPr/>
+      </p:nvGrpSpPr>
+      <p:grpSpPr>
+        <a:xfrm>
+          <a:off x="0" y="0"/>
+          <a:ext cx="0" cy="0"/>
+          <a:chOff x="0" y="0"/>
+          <a:chExt cx="0" cy="0"/>
+        </a:xfrm>
+      </p:grpSpPr>
+      <p:sp>
+        <p:nvSpPr>
+          <p:cNvPr id="2" name="Title 1"/>
+          <p:cNvSpPr>
+            <a:spLocks noGrp="1"/>
+          </p:cNvSpPr>
+          <p:nvPr>
+            <p:ph type="title"/>
+          </p:nvPr>
+        </p:nvSpPr>
+        <p:spPr/>
+        <p:txBody>
+          <a:bodyPr/>
+          <a:lstStyle/>
+          <a:p>
+            <a:r>
+              <a:rPr lang="en-US" dirty="0"/>
+              <a:t>3PC with Majority Votes</a:t>
+            </a:r>
+          </a:p>
+        </p:txBody>
+      </p:sp>
+      <p:sp>
+        <p:nvSpPr>
+          <p:cNvPr id="3" name="Content Placeholder 2"/>
+          <p:cNvSpPr>
+            <a:spLocks noGrp="1"/>
+          </p:cNvSpPr>
+          <p:nvPr>
+            <p:ph idx="1"/>
+          </p:nvPr>
+        </p:nvSpPr>
+        <p:spPr>
+          <a:xfrm>
+            <a:off x="1435100" y="3609875"/>
+            <a:ext cx="7499350" cy="2638525"/>
+          </a:xfrm>
+        </p:spPr>
+        <p:txBody>
+          <a:bodyPr/>
+          <a:lstStyle/>
+          <a:p>
+            <a:r>
+              <a:rPr lang="en-US" sz="2400" dirty="0"/>
+              <a:t>Nodes P2, P3, P4 enter W state and </a:t>
+            </a:r>
+            <a:r>
+              <a:rPr lang="en-US" sz="2400" dirty="0" smtClean="0"/>
+              <a:t>fail</a:t>
+            </a:r>
+          </a:p>
+          <a:p>
+            <a:r>
+              <a:rPr lang="en-US" sz="2400" dirty="0" smtClean="0"/>
+              <a:t>When </a:t>
+            </a:r>
+            <a:r>
+              <a:rPr lang="en-US" sz="2400" dirty="0"/>
+              <a:t>they recover, coordinator and P1 are down </a:t>
+            </a:r>
+            <a:endParaRPr lang="en-US" sz="2400" dirty="0" smtClean="0"/>
+          </a:p>
+          <a:p>
+            <a:r>
+              <a:rPr lang="en-US" sz="2400" dirty="0" smtClean="0"/>
+              <a:t>Each </a:t>
+            </a:r>
+            <a:r>
+              <a:rPr lang="en-US" sz="2400" dirty="0"/>
+              <a:t>node has one vote, V = 5, M ≥ </a:t>
+            </a:r>
+            <a:r>
+              <a:rPr lang="en-US" sz="2400" dirty="0" smtClean="0"/>
+              <a:t>3</a:t>
+            </a:r>
+          </a:p>
+        </p:txBody>
+      </p:sp>
+      <p:sp>
+        <p:nvSpPr>
+          <p:cNvPr id="4" name="Footer Placeholder 3"/>
+          <p:cNvSpPr>
+            <a:spLocks noGrp="1"/>
+          </p:cNvSpPr>
+          <p:nvPr>
+            <p:ph type="ftr" sz="quarter" idx="11"/>
+          </p:nvPr>
+        </p:nvSpPr>
+        <p:spPr/>
+        <p:txBody>
+          <a:bodyPr/>
+          <a:lstStyle/>
+          <a:p>
+            <a:pPr>
+              <a:defRPr/>
+            </a:pPr>
+            <a:r>
+              <a:rPr lang="en-US" altLang="zh-CN" smtClean="0"/>
+              <a:t>Distributed Database Systems</a:t>
+            </a:r>
+            <a:endParaRPr lang="zh-CN" altLang="en-US"/>
+          </a:p>
+        </p:txBody>
+      </p:sp>
+      <p:sp>
+        <p:nvSpPr>
+          <p:cNvPr id="5" name="Slide Number Placeholder 4"/>
+          <p:cNvSpPr>
+            <a:spLocks noGrp="1"/>
+          </p:cNvSpPr>
+          <p:nvPr>
+            <p:ph type="sldNum" sz="quarter" idx="12"/>
+          </p:nvPr>
+        </p:nvSpPr>
+        <p:spPr/>
+        <p:txBody>
+          <a:bodyPr/>
+          <a:lstStyle/>
+          <a:p>
+            <a:pPr>
+              <a:defRPr/>
+            </a:pPr>
+            <a:fld id="{07A5CAEE-885A-5D41-93DF-9DC29A9FE4F0}" type="slidenum">
+              <a:rPr lang="zh-CN" altLang="en-US" smtClean="0"/>
+              <a:pPr>
+                <a:defRPr/>
+              </a:pPr>
+              <a:t>22</a:t>
             </a:fld>
             <a:endParaRPr lang="zh-CN" altLang="en-US"/>
           </a:p>
@@ -7957,10 +10278,17 @@
   <p:clrMapOvr>
     <a:masterClrMapping/>
   </p:clrMapOvr>
+  <p:timing>
+    <p:tnLst>
+      <p:par>
+        <p:cTn id="1" dur="indefinite" restart="never" nodeType="tmRoot"/>
+      </p:par>
+    </p:tnLst>
+  </p:timing>
 </p:sld>
 </file>
 
-<file path=ppt/slides/slide18.xml><?xml version="1.0" encoding="utf-8"?>
+<file path=ppt/slides/slide23.xml><?xml version="1.0" encoding="utf-8"?>
 <p:sld xmlns:a="http://schemas.openxmlformats.org/drawingml/2006/main" xmlns:r="http://schemas.openxmlformats.org/officeDocument/2006/relationships" xmlns:p="http://schemas.openxmlformats.org/presentationml/2006/main">
   <p:cSld>
     <p:spTree>
@@ -8062,11 +10390,6 @@
               </a:rPr>
               <a:t>Since P2, P3, P4 have majority, they know coordinator could not have gone to P without at least one of their votes ⟹ T can be aborted </a:t>
             </a:r>
-            <a:endParaRPr lang="en-US" sz="2400" dirty="0">
-              <a:solidFill>
-                <a:srgbClr val="FF0000"/>
-              </a:solidFill>
-            </a:endParaRPr>
           </a:p>
         </p:txBody>
       </p:sp>
@@ -8119,7 +10442,7 @@
               <a:pPr>
                 <a:defRPr/>
               </a:pPr>
-              <a:t>18</a:t>
+              <a:t>23</a:t>
             </a:fld>
             <a:endParaRPr lang="zh-CN" altLang="en-US"/>
           </a:p>
@@ -8202,10 +10525,17 @@
   <p:clrMapOvr>
     <a:masterClrMapping/>
   </p:clrMapOvr>
+  <p:timing>
+    <p:tnLst>
+      <p:par>
+        <p:cTn id="1" dur="indefinite" restart="never" nodeType="tmRoot"/>
+      </p:par>
+    </p:tnLst>
+  </p:timing>
 </p:sld>
 </file>
 
-<file path=ppt/slides/slide19.xml><?xml version="1.0" encoding="utf-8"?>
+<file path=ppt/slides/slide24.xml><?xml version="1.0" encoding="utf-8"?>
 <p:sld xmlns:a="http://schemas.openxmlformats.org/drawingml/2006/main" xmlns:r="http://schemas.openxmlformats.org/officeDocument/2006/relationships" xmlns:p="http://schemas.openxmlformats.org/presentationml/2006/main">
   <p:cSld>
     <p:spTree>
@@ -8342,7 +10672,7 @@
               <a:pPr>
                 <a:defRPr/>
               </a:pPr>
-              <a:t>19</a:t>
+              <a:t>24</a:t>
             </a:fld>
             <a:endParaRPr lang="zh-CN" altLang="en-US"/>
           </a:p>
@@ -8425,10 +10755,17 @@
   <p:clrMapOvr>
     <a:masterClrMapping/>
   </p:clrMapOvr>
+  <p:timing>
+    <p:tnLst>
+      <p:par>
+        <p:cTn id="1" dur="indefinite" restart="never" nodeType="tmRoot"/>
+      </p:par>
+    </p:tnLst>
+  </p:timing>
 </p:sld>
 </file>
 
-<file path=ppt/slides/slide2.xml><?xml version="1.0" encoding="utf-8"?>
+<file path=ppt/slides/slide25.xml><?xml version="1.0" encoding="utf-8"?>
 <p:sld xmlns:a="http://schemas.openxmlformats.org/drawingml/2006/main" xmlns:r="http://schemas.openxmlformats.org/officeDocument/2006/relationships" xmlns:p="http://schemas.openxmlformats.org/presentationml/2006/main">
   <p:cSld>
     <p:spTree>
@@ -8447,378 +10784,6 @@
       </p:grpSpPr>
       <p:sp>
         <p:nvSpPr>
-          <p:cNvPr id="6" name="Title 5"/>
-          <p:cNvSpPr>
-            <a:spLocks noGrp="1"/>
-          </p:cNvSpPr>
-          <p:nvPr>
-            <p:ph type="title"/>
-          </p:nvPr>
-        </p:nvSpPr>
-        <p:spPr>
-          <a:xfrm>
-            <a:off x="2578100" y="2600325"/>
-            <a:ext cx="6400800" cy="2286000"/>
-          </a:xfrm>
-        </p:spPr>
-        <p:txBody>
-          <a:bodyPr/>
-          <a:lstStyle/>
-          <a:p>
-            <a:pPr eaLnBrk="1" hangingPunct="1">
-              <a:defRPr/>
-            </a:pPr>
-            <a:r>
-              <a:rPr lang="en-US" altLang="zh-CN" sz="4400" b="0" cap="none" dirty="0" smtClean="0"/>
-              <a:t>Three</a:t>
-            </a:r>
-            <a:r>
-              <a:rPr lang="en-US" altLang="zh-CN" sz="4400" b="0" cap="none" dirty="0" smtClean="0"/>
-              <a:t>-Phase</a:t>
-            </a:r>
-            <a:r>
-              <a:rPr lang="zh-CN" altLang="en-US" sz="4400" b="0" cap="none" dirty="0" smtClean="0"/>
-              <a:t> </a:t>
-            </a:r>
-            <a:r>
-              <a:rPr lang="en-US" altLang="zh-CN" sz="4400" b="0" cap="none" dirty="0" smtClean="0"/>
-              <a:t>Commit</a:t>
-            </a:r>
-            <a:endParaRPr lang="zh-CN" altLang="en-US" sz="4400" b="0" cap="none" dirty="0"/>
-          </a:p>
-        </p:txBody>
-      </p:sp>
-      <p:sp>
-        <p:nvSpPr>
-          <p:cNvPr id="7" name="Text Placeholder 6"/>
-          <p:cNvSpPr>
-            <a:spLocks noGrp="1"/>
-          </p:cNvSpPr>
-          <p:nvPr>
-            <p:ph type="body" idx="1"/>
-          </p:nvPr>
-        </p:nvSpPr>
-        <p:spPr>
-          <a:xfrm>
-            <a:off x="2578100" y="1066800"/>
-            <a:ext cx="6400800" cy="1509713"/>
-          </a:xfrm>
-        </p:spPr>
-        <p:txBody>
-          <a:bodyPr/>
-          <a:lstStyle/>
-          <a:p>
-            <a:pPr eaLnBrk="1" hangingPunct="1">
-              <a:buFont typeface="Wingdings 2" pitchFamily="18" charset="2"/>
-              <a:buNone/>
-              <a:defRPr/>
-            </a:pPr>
-            <a:endParaRPr lang="zh-CN" altLang="en-US" dirty="0"/>
-          </a:p>
-        </p:txBody>
-      </p:sp>
-      <p:sp>
-        <p:nvSpPr>
-          <p:cNvPr id="4" name="Footer Placeholder 3"/>
-          <p:cNvSpPr>
-            <a:spLocks noGrp="1"/>
-          </p:cNvSpPr>
-          <p:nvPr>
-            <p:ph type="ftr" sz="quarter" idx="11"/>
-          </p:nvPr>
-        </p:nvSpPr>
-        <p:spPr/>
-        <p:txBody>
-          <a:bodyPr/>
-          <a:lstStyle/>
-          <a:p>
-            <a:pPr>
-              <a:defRPr/>
-            </a:pPr>
-            <a:r>
-              <a:rPr lang="en-US" altLang="zh-CN" smtClean="0"/>
-              <a:t>Distributed Database Systems</a:t>
-            </a:r>
-            <a:endParaRPr lang="zh-CN" altLang="en-US"/>
-          </a:p>
-        </p:txBody>
-      </p:sp>
-      <p:sp>
-        <p:nvSpPr>
-          <p:cNvPr id="18436" name="Slide Number Placeholder 4"/>
-          <p:cNvSpPr>
-            <a:spLocks noGrp="1"/>
-          </p:cNvSpPr>
-          <p:nvPr>
-            <p:ph type="sldNum" sz="quarter" idx="12"/>
-          </p:nvPr>
-        </p:nvSpPr>
-        <p:spPr bwMode="auto">
-          <a:noFill/>
-          <a:extLst>
-            <a:ext uri="{909E8E84-426E-40DD-AFC4-6F175D3DCCD1}">
-              <a14:hiddenFill xmlns:a14="http://schemas.microsoft.com/office/drawing/2010/main">
-                <a:solidFill>
-                  <a:srgbClr val="FFFFFF"/>
-                </a:solidFill>
-              </a14:hiddenFill>
-            </a:ext>
-            <a:ext uri="{91240B29-F687-4F45-9708-019B960494DF}">
-              <a14:hiddenLine xmlns:a14="http://schemas.microsoft.com/office/drawing/2010/main" w="9525">
-                <a:solidFill>
-                  <a:srgbClr val="000000"/>
-                </a:solidFill>
-                <a:miter lim="800000"/>
-                <a:headEnd/>
-                <a:tailEnd/>
-              </a14:hiddenLine>
-            </a:ext>
-          </a:extLst>
-        </p:spPr>
-        <p:txBody>
-          <a:bodyPr/>
-          <a:lstStyle>
-            <a:lvl1pPr>
-              <a:spcBef>
-                <a:spcPts val="600"/>
-              </a:spcBef>
-              <a:buClr>
-                <a:schemeClr val="accent1"/>
-              </a:buClr>
-              <a:buSzPct val="80000"/>
-              <a:buFont typeface="Wingdings 2" charset="2"/>
-              <a:buChar char=""/>
-              <a:defRPr sz="3200">
-                <a:solidFill>
-                  <a:schemeClr val="tx1"/>
-                </a:solidFill>
-                <a:latin typeface="Gill Sans MT" charset="0"/>
-                <a:ea typeface="华文中宋" charset="-122"/>
-              </a:defRPr>
-            </a:lvl1pPr>
-            <a:lvl2pPr marL="742950" indent="-285750">
-              <a:spcBef>
-                <a:spcPts val="550"/>
-              </a:spcBef>
-              <a:buClr>
-                <a:schemeClr val="accent1"/>
-              </a:buClr>
-              <a:buFont typeface="Verdana" charset="0"/>
-              <a:buChar char="◦"/>
-              <a:defRPr sz="2800">
-                <a:solidFill>
-                  <a:schemeClr val="tx1"/>
-                </a:solidFill>
-                <a:latin typeface="Gill Sans MT" charset="0"/>
-                <a:ea typeface="华文中宋" charset="-122"/>
-              </a:defRPr>
-            </a:lvl2pPr>
-            <a:lvl3pPr marL="1143000" indent="-228600">
-              <a:spcBef>
-                <a:spcPct val="20000"/>
-              </a:spcBef>
-              <a:buClr>
-                <a:schemeClr val="accent2"/>
-              </a:buClr>
-              <a:buFont typeface="Wingdings 2" charset="2"/>
-              <a:buChar char=""/>
-              <a:defRPr sz="2400">
-                <a:solidFill>
-                  <a:schemeClr val="tx1"/>
-                </a:solidFill>
-                <a:latin typeface="Gill Sans MT" charset="0"/>
-                <a:ea typeface="华文中宋" charset="-122"/>
-              </a:defRPr>
-            </a:lvl3pPr>
-            <a:lvl4pPr marL="1600200" indent="-228600">
-              <a:spcBef>
-                <a:spcPct val="20000"/>
-              </a:spcBef>
-              <a:buClr>
-                <a:srgbClr val="9BBB59"/>
-              </a:buClr>
-              <a:buFont typeface="Wingdings 2" charset="2"/>
-              <a:buChar char=""/>
-              <a:defRPr sz="2000">
-                <a:solidFill>
-                  <a:schemeClr val="tx1"/>
-                </a:solidFill>
-                <a:latin typeface="Gill Sans MT" charset="0"/>
-                <a:ea typeface="华文中宋" charset="-122"/>
-              </a:defRPr>
-            </a:lvl4pPr>
-            <a:lvl5pPr marL="2057400" indent="-228600">
-              <a:spcBef>
-                <a:spcPct val="20000"/>
-              </a:spcBef>
-              <a:buClr>
-                <a:srgbClr val="8064A2"/>
-              </a:buClr>
-              <a:buFont typeface="Wingdings 2" charset="2"/>
-              <a:buChar char=""/>
-              <a:defRPr sz="2000">
-                <a:solidFill>
-                  <a:schemeClr val="tx1"/>
-                </a:solidFill>
-                <a:latin typeface="Gill Sans MT" charset="0"/>
-                <a:ea typeface="华文中宋" charset="-122"/>
-              </a:defRPr>
-            </a:lvl5pPr>
-            <a:lvl6pPr marL="2514600" indent="-228600" eaLnBrk="0" fontAlgn="base" hangingPunct="0">
-              <a:spcBef>
-                <a:spcPct val="20000"/>
-              </a:spcBef>
-              <a:spcAft>
-                <a:spcPct val="0"/>
-              </a:spcAft>
-              <a:buClr>
-                <a:srgbClr val="8064A2"/>
-              </a:buClr>
-              <a:buFont typeface="Wingdings 2" charset="2"/>
-              <a:buChar char=""/>
-              <a:defRPr sz="2000">
-                <a:solidFill>
-                  <a:schemeClr val="tx1"/>
-                </a:solidFill>
-                <a:latin typeface="Gill Sans MT" charset="0"/>
-                <a:ea typeface="华文中宋" charset="-122"/>
-              </a:defRPr>
-            </a:lvl6pPr>
-            <a:lvl7pPr marL="2971800" indent="-228600" eaLnBrk="0" fontAlgn="base" hangingPunct="0">
-              <a:spcBef>
-                <a:spcPct val="20000"/>
-              </a:spcBef>
-              <a:spcAft>
-                <a:spcPct val="0"/>
-              </a:spcAft>
-              <a:buClr>
-                <a:srgbClr val="8064A2"/>
-              </a:buClr>
-              <a:buFont typeface="Wingdings 2" charset="2"/>
-              <a:buChar char=""/>
-              <a:defRPr sz="2000">
-                <a:solidFill>
-                  <a:schemeClr val="tx1"/>
-                </a:solidFill>
-                <a:latin typeface="Gill Sans MT" charset="0"/>
-                <a:ea typeface="华文中宋" charset="-122"/>
-              </a:defRPr>
-            </a:lvl7pPr>
-            <a:lvl8pPr marL="3429000" indent="-228600" eaLnBrk="0" fontAlgn="base" hangingPunct="0">
-              <a:spcBef>
-                <a:spcPct val="20000"/>
-              </a:spcBef>
-              <a:spcAft>
-                <a:spcPct val="0"/>
-              </a:spcAft>
-              <a:buClr>
-                <a:srgbClr val="8064A2"/>
-              </a:buClr>
-              <a:buFont typeface="Wingdings 2" charset="2"/>
-              <a:buChar char=""/>
-              <a:defRPr sz="2000">
-                <a:solidFill>
-                  <a:schemeClr val="tx1"/>
-                </a:solidFill>
-                <a:latin typeface="Gill Sans MT" charset="0"/>
-                <a:ea typeface="华文中宋" charset="-122"/>
-              </a:defRPr>
-            </a:lvl8pPr>
-            <a:lvl9pPr marL="3886200" indent="-228600" eaLnBrk="0" fontAlgn="base" hangingPunct="0">
-              <a:spcBef>
-                <a:spcPct val="20000"/>
-              </a:spcBef>
-              <a:spcAft>
-                <a:spcPct val="0"/>
-              </a:spcAft>
-              <a:buClr>
-                <a:srgbClr val="8064A2"/>
-              </a:buClr>
-              <a:buFont typeface="Wingdings 2" charset="2"/>
-              <a:buChar char=""/>
-              <a:defRPr sz="2000">
-                <a:solidFill>
-                  <a:schemeClr val="tx1"/>
-                </a:solidFill>
-                <a:latin typeface="Gill Sans MT" charset="0"/>
-                <a:ea typeface="华文中宋" charset="-122"/>
-              </a:defRPr>
-            </a:lvl9pPr>
-          </a:lstStyle>
-          <a:p>
-            <a:pPr>
-              <a:spcBef>
-                <a:spcPct val="0"/>
-              </a:spcBef>
-              <a:buClrTx/>
-              <a:buSzTx/>
-              <a:buFontTx/>
-              <a:buNone/>
-            </a:pPr>
-            <a:fld id="{B57AD1C1-0645-954C-A194-F257F825431D}" type="slidenum">
-              <a:rPr lang="zh-CN" altLang="en-US" sz="1200">
-                <a:solidFill>
-                  <a:srgbClr val="B4B1A0"/>
-                </a:solidFill>
-              </a:rPr>
-              <a:pPr>
-                <a:spcBef>
-                  <a:spcPct val="0"/>
-                </a:spcBef>
-                <a:buClrTx/>
-                <a:buSzTx/>
-                <a:buFontTx/>
-                <a:buNone/>
-              </a:pPr>
-              <a:t>2</a:t>
-            </a:fld>
-            <a:endParaRPr lang="zh-CN" altLang="en-US" sz="1200">
-              <a:solidFill>
-                <a:srgbClr val="B4B1A0"/>
-              </a:solidFill>
-            </a:endParaRPr>
-          </a:p>
-        </p:txBody>
-      </p:sp>
-    </p:spTree>
-    <p:extLst>
-      <p:ext uri="{BB962C8B-B14F-4D97-AF65-F5344CB8AC3E}">
-        <p14:creationId xmlns:p14="http://schemas.microsoft.com/office/powerpoint/2010/main" val="128941959"/>
-      </p:ext>
-    </p:extLst>
-  </p:cSld>
-  <p:clrMapOvr>
-    <a:masterClrMapping/>
-  </p:clrMapOvr>
-  <p:timing>
-    <p:tnLst>
-      <p:par>
-        <p:cTn id="1" dur="indefinite" restart="never" nodeType="tmRoot"/>
-      </p:par>
-    </p:tnLst>
-  </p:timing>
-</p:sld>
-</file>
-
-<file path=ppt/slides/slide20.xml><?xml version="1.0" encoding="utf-8"?>
-<p:sld xmlns:a="http://schemas.openxmlformats.org/drawingml/2006/main" xmlns:r="http://schemas.openxmlformats.org/officeDocument/2006/relationships" xmlns:p="http://schemas.openxmlformats.org/presentationml/2006/main">
-  <p:cSld>
-    <p:spTree>
-      <p:nvGrpSpPr>
-        <p:cNvPr id="1" name=""/>
-        <p:cNvGrpSpPr/>
-        <p:nvPr/>
-      </p:nvGrpSpPr>
-      <p:grpSpPr>
-        <a:xfrm>
-          <a:off x="0" y="0"/>
-          <a:ext cx="0" cy="0"/>
-          <a:chOff x="0" y="0"/>
-          <a:chExt cx="0" cy="0"/>
-        </a:xfrm>
-      </p:grpSpPr>
-      <p:sp>
-        <p:nvSpPr>
           <p:cNvPr id="2" name="Title 1"/>
           <p:cNvSpPr>
             <a:spLocks noGrp="1"/>
@@ -8967,7 +10932,7 @@
               <a:pPr>
                 <a:defRPr/>
               </a:pPr>
-              <a:t>20</a:t>
+              <a:t>25</a:t>
             </a:fld>
             <a:endParaRPr lang="zh-CN" altLang="en-US"/>
           </a:p>
@@ -9050,10 +11015,17 @@
   <p:clrMapOvr>
     <a:masterClrMapping/>
   </p:clrMapOvr>
+  <p:timing>
+    <p:tnLst>
+      <p:par>
+        <p:cTn id="1" dur="indefinite" restart="never" nodeType="tmRoot"/>
+      </p:par>
+    </p:tnLst>
+  </p:timing>
 </p:sld>
 </file>
 
-<file path=ppt/slides/slide21.xml><?xml version="1.0" encoding="utf-8"?>
+<file path=ppt/slides/slide26.xml><?xml version="1.0" encoding="utf-8"?>
 <p:sld xmlns:a="http://schemas.openxmlformats.org/drawingml/2006/main" xmlns:r="http://schemas.openxmlformats.org/officeDocument/2006/relationships" xmlns:p="http://schemas.openxmlformats.org/presentationml/2006/main">
   <p:cSld>
     <p:spTree>
@@ -9169,7 +11141,7 @@
               <a:pPr>
                 <a:defRPr/>
               </a:pPr>
-              <a:t>21</a:t>
+              <a:t>26</a:t>
             </a:fld>
             <a:endParaRPr lang="zh-CN" altLang="en-US"/>
           </a:p>
@@ -9185,10 +11157,17 @@
   <p:clrMapOvr>
     <a:masterClrMapping/>
   </p:clrMapOvr>
+  <p:timing>
+    <p:tnLst>
+      <p:par>
+        <p:cTn id="1" dur="indefinite" restart="never" nodeType="tmRoot"/>
+      </p:par>
+    </p:tnLst>
+  </p:timing>
 </p:sld>
 </file>
 
-<file path=ppt/slides/slide22.xml><?xml version="1.0" encoding="utf-8"?>
+<file path=ppt/slides/slide27.xml><?xml version="1.0" encoding="utf-8"?>
 <p:sld xmlns:a="http://schemas.openxmlformats.org/drawingml/2006/main" xmlns:r="http://schemas.openxmlformats.org/officeDocument/2006/relationships" xmlns:p="http://schemas.openxmlformats.org/presentationml/2006/main">
   <p:cSld>
     <p:spTree>
@@ -9323,7 +11302,7 @@
               <a:pPr>
                 <a:defRPr/>
               </a:pPr>
-              <a:t>22</a:t>
+              <a:t>27</a:t>
             </a:fld>
             <a:endParaRPr lang="zh-CN" altLang="en-US"/>
           </a:p>
@@ -9369,10 +11348,17 @@
   <p:clrMapOvr>
     <a:masterClrMapping/>
   </p:clrMapOvr>
+  <p:timing>
+    <p:tnLst>
+      <p:par>
+        <p:cTn id="1" dur="indefinite" restart="never" nodeType="tmRoot"/>
+      </p:par>
+    </p:tnLst>
+  </p:timing>
 </p:sld>
 </file>
 
-<file path=ppt/slides/slide23.xml><?xml version="1.0" encoding="utf-8"?>
+<file path=ppt/slides/slide28.xml><?xml version="1.0" encoding="utf-8"?>
 <p:sld xmlns:a="http://schemas.openxmlformats.org/drawingml/2006/main" xmlns:r="http://schemas.openxmlformats.org/officeDocument/2006/relationships" xmlns:p="http://schemas.openxmlformats.org/presentationml/2006/main">
   <p:cSld>
     <p:spTree>
@@ -9528,7 +11514,7 @@
               <a:pPr>
                 <a:defRPr/>
               </a:pPr>
-              <a:t>23</a:t>
+              <a:t>28</a:t>
             </a:fld>
             <a:endParaRPr lang="zh-CN" altLang="en-US"/>
           </a:p>
@@ -9622,10 +11608,17 @@
   <p:clrMapOvr>
     <a:masterClrMapping/>
   </p:clrMapOvr>
+  <p:timing>
+    <p:tnLst>
+      <p:par>
+        <p:cTn id="1" dur="indefinite" restart="never" nodeType="tmRoot"/>
+      </p:par>
+    </p:tnLst>
+  </p:timing>
 </p:sld>
 </file>
 
-<file path=ppt/slides/slide24.xml><?xml version="1.0" encoding="utf-8"?>
+<file path=ppt/slides/slide29.xml><?xml version="1.0" encoding="utf-8"?>
 <p:sld xmlns:a="http://schemas.openxmlformats.org/drawingml/2006/main" xmlns:r="http://schemas.openxmlformats.org/officeDocument/2006/relationships" xmlns:p="http://schemas.openxmlformats.org/presentationml/2006/main">
   <p:cSld>
     <p:spTree>
@@ -9765,7 +11758,6 @@
               <a:rPr lang="en-US" dirty="0"/>
               <a:t>PA </a:t>
             </a:r>
-            <a:endParaRPr lang="en-US" dirty="0"/>
           </a:p>
           <a:p>
             <a:pPr lvl="2"/>
@@ -9838,7 +11830,7 @@
               <a:pPr>
                 <a:defRPr/>
               </a:pPr>
-              <a:t>24</a:t>
+              <a:t>29</a:t>
             </a:fld>
             <a:endParaRPr lang="zh-CN" altLang="en-US"/>
           </a:p>
@@ -9932,10 +11924,17 @@
   <p:clrMapOvr>
     <a:masterClrMapping/>
   </p:clrMapOvr>
+  <p:timing>
+    <p:tnLst>
+      <p:par>
+        <p:cTn id="1" dur="indefinite" restart="never" nodeType="tmRoot"/>
+      </p:par>
+    </p:tnLst>
+  </p:timing>
 </p:sld>
 </file>
 
-<file path=ppt/slides/slide25.xml><?xml version="1.0" encoding="utf-8"?>
+<file path=ppt/slides/slide3.xml><?xml version="1.0" encoding="utf-8"?>
 <p:sld xmlns:a="http://schemas.openxmlformats.org/drawingml/2006/main" xmlns:r="http://schemas.openxmlformats.org/officeDocument/2006/relationships" xmlns:p="http://schemas.openxmlformats.org/presentationml/2006/main">
   <p:cSld>
     <p:spTree>
@@ -9969,7 +11968,7 @@
           <a:p>
             <a:r>
               <a:rPr lang="en-US" dirty="0"/>
-              <a:t>3PC with Majority Votes</a:t>
+              <a:t>Three-Phase Commit</a:t>
             </a:r>
           </a:p>
         </p:txBody>
@@ -9990,61 +11989,74 @@
           <a:lstStyle/>
           <a:p>
             <a:r>
-              <a:rPr lang="en-US" altLang="zh-CN" dirty="0" smtClean="0"/>
-              <a:t>Scenario</a:t>
-            </a:r>
-            <a:r>
-              <a:rPr lang="zh-CN" altLang="en-US" dirty="0" smtClean="0"/>
-              <a:t> </a:t>
-            </a:r>
-            <a:r>
-              <a:rPr lang="en-US" altLang="zh-CN" dirty="0" smtClean="0"/>
-              <a:t>3</a:t>
-            </a:r>
-          </a:p>
-          <a:p>
-            <a:endParaRPr lang="en-US" altLang="zh-CN" dirty="0"/>
-          </a:p>
-          <a:p>
-            <a:endParaRPr lang="en-US" altLang="zh-CN" dirty="0" smtClean="0"/>
-          </a:p>
-          <a:p>
-            <a:endParaRPr lang="en-US" altLang="zh-CN" dirty="0"/>
-          </a:p>
-          <a:p>
-            <a:endParaRPr lang="en-US" altLang="zh-CN" dirty="0" smtClean="0"/>
-          </a:p>
-          <a:p>
-            <a:endParaRPr lang="en-US" altLang="zh-CN" dirty="0"/>
+              <a:rPr lang="en-US" dirty="0"/>
+              <a:t>Non-blocking commit </a:t>
+            </a:r>
+            <a:r>
+              <a:rPr lang="en-US" dirty="0" smtClean="0"/>
+              <a:t>protocol</a:t>
+            </a:r>
+          </a:p>
+          <a:p>
+            <a:r>
+              <a:rPr lang="en-US" dirty="0" smtClean="0"/>
+              <a:t>Assumes </a:t>
+            </a:r>
+            <a:r>
+              <a:rPr lang="en-US" dirty="0"/>
+              <a:t>that a failed node </a:t>
+            </a:r>
+            <a:r>
+              <a:rPr lang="en-US" dirty="0">
+                <a:solidFill>
+                  <a:srgbClr val="FF0000"/>
+                </a:solidFill>
+              </a:rPr>
+              <a:t>stays down </a:t>
+            </a:r>
+            <a:r>
+              <a:rPr lang="en-US" dirty="0" smtClean="0">
+                <a:solidFill>
+                  <a:srgbClr val="FF0000"/>
+                </a:solidFill>
+              </a:rPr>
+              <a:t>forever</a:t>
+            </a:r>
+          </a:p>
+          <a:p>
+            <a:endParaRPr lang="en-US" dirty="0">
+              <a:solidFill>
+                <a:srgbClr val="FF0000"/>
+              </a:solidFill>
+            </a:endParaRPr>
+          </a:p>
+          <a:p>
+            <a:r>
+              <a:rPr lang="en-US" dirty="0"/>
+              <a:t>Key </a:t>
+            </a:r>
+            <a:r>
+              <a:rPr lang="en-US" dirty="0" smtClean="0"/>
+              <a:t>idea</a:t>
+            </a:r>
           </a:p>
           <a:p>
             <a:pPr lvl="1"/>
             <a:r>
-              <a:rPr lang="en-US" altLang="zh-CN" dirty="0" smtClean="0"/>
-              <a:t>What is the outcome?</a:t>
-            </a:r>
-            <a:endParaRPr lang="en-US" dirty="0" smtClean="0"/>
-          </a:p>
-          <a:p>
-            <a:pPr lvl="2"/>
+              <a:rPr lang="en-US" dirty="0" smtClean="0"/>
+              <a:t>Before </a:t>
+            </a:r>
             <a:r>
               <a:rPr lang="en-US" dirty="0"/>
-              <a:t>Remaining nodes initiated </a:t>
-            </a:r>
-            <a:r>
-              <a:rPr lang="en-US" dirty="0" smtClean="0"/>
-              <a:t>abort</a:t>
-            </a:r>
-          </a:p>
-          <a:p>
-            <a:pPr lvl="2"/>
-            <a:r>
-              <a:rPr lang="en-US" dirty="0" smtClean="0"/>
-              <a:t>some </a:t>
-            </a:r>
-            <a:r>
-              <a:rPr lang="en-US" dirty="0"/>
-              <a:t>entered PA state</a:t>
+              <a:t>committing the coordinator tells participants that </a:t>
+            </a:r>
+            <a:r>
+              <a:rPr lang="en-US" dirty="0">
+                <a:solidFill>
+                  <a:srgbClr val="FF0000"/>
+                </a:solidFill>
+              </a:rPr>
+              <a:t>everyone is OK</a:t>
             </a:r>
           </a:p>
         </p:txBody>
@@ -10098,7 +12110,196 @@
               <a:pPr>
                 <a:defRPr/>
               </a:pPr>
-              <a:t>25</a:t>
+              <a:t>3</a:t>
+            </a:fld>
+            <a:endParaRPr lang="zh-CN" altLang="en-US"/>
+          </a:p>
+        </p:txBody>
+      </p:sp>
+    </p:spTree>
+    <p:extLst>
+      <p:ext uri="{BB962C8B-B14F-4D97-AF65-F5344CB8AC3E}">
+        <p14:creationId xmlns:p14="http://schemas.microsoft.com/office/powerpoint/2010/main" val="1313433313"/>
+      </p:ext>
+    </p:extLst>
+  </p:cSld>
+  <p:clrMapOvr>
+    <a:masterClrMapping/>
+  </p:clrMapOvr>
+  <p:timing>
+    <p:tnLst>
+      <p:par>
+        <p:cTn id="1" dur="indefinite" restart="never" nodeType="tmRoot"/>
+      </p:par>
+    </p:tnLst>
+  </p:timing>
+</p:sld>
+</file>
+
+<file path=ppt/slides/slide30.xml><?xml version="1.0" encoding="utf-8"?>
+<p:sld xmlns:a="http://schemas.openxmlformats.org/drawingml/2006/main" xmlns:r="http://schemas.openxmlformats.org/officeDocument/2006/relationships" xmlns:p="http://schemas.openxmlformats.org/presentationml/2006/main">
+  <p:cSld>
+    <p:spTree>
+      <p:nvGrpSpPr>
+        <p:cNvPr id="1" name=""/>
+        <p:cNvGrpSpPr/>
+        <p:nvPr/>
+      </p:nvGrpSpPr>
+      <p:grpSpPr>
+        <a:xfrm>
+          <a:off x="0" y="0"/>
+          <a:ext cx="0" cy="0"/>
+          <a:chOff x="0" y="0"/>
+          <a:chExt cx="0" cy="0"/>
+        </a:xfrm>
+      </p:grpSpPr>
+      <p:sp>
+        <p:nvSpPr>
+          <p:cNvPr id="2" name="Title 1"/>
+          <p:cNvSpPr>
+            <a:spLocks noGrp="1"/>
+          </p:cNvSpPr>
+          <p:nvPr>
+            <p:ph type="title"/>
+          </p:nvPr>
+        </p:nvSpPr>
+        <p:spPr/>
+        <p:txBody>
+          <a:bodyPr/>
+          <a:lstStyle/>
+          <a:p>
+            <a:r>
+              <a:rPr lang="en-US" dirty="0"/>
+              <a:t>3PC with Majority Votes</a:t>
+            </a:r>
+          </a:p>
+        </p:txBody>
+      </p:sp>
+      <p:sp>
+        <p:nvSpPr>
+          <p:cNvPr id="3" name="Content Placeholder 2"/>
+          <p:cNvSpPr>
+            <a:spLocks noGrp="1"/>
+          </p:cNvSpPr>
+          <p:nvPr>
+            <p:ph idx="1"/>
+          </p:nvPr>
+        </p:nvSpPr>
+        <p:spPr/>
+        <p:txBody>
+          <a:bodyPr/>
+          <a:lstStyle/>
+          <a:p>
+            <a:r>
+              <a:rPr lang="en-US" altLang="zh-CN" dirty="0" smtClean="0"/>
+              <a:t>Scenario</a:t>
+            </a:r>
+            <a:r>
+              <a:rPr lang="zh-CN" altLang="en-US" dirty="0" smtClean="0"/>
+              <a:t> </a:t>
+            </a:r>
+            <a:r>
+              <a:rPr lang="en-US" altLang="zh-CN" dirty="0" smtClean="0"/>
+              <a:t>3</a:t>
+            </a:r>
+          </a:p>
+          <a:p>
+            <a:endParaRPr lang="en-US" altLang="zh-CN" dirty="0"/>
+          </a:p>
+          <a:p>
+            <a:endParaRPr lang="en-US" altLang="zh-CN" dirty="0" smtClean="0"/>
+          </a:p>
+          <a:p>
+            <a:endParaRPr lang="en-US" altLang="zh-CN" dirty="0"/>
+          </a:p>
+          <a:p>
+            <a:endParaRPr lang="en-US" altLang="zh-CN" dirty="0" smtClean="0"/>
+          </a:p>
+          <a:p>
+            <a:endParaRPr lang="en-US" altLang="zh-CN" dirty="0"/>
+          </a:p>
+          <a:p>
+            <a:pPr lvl="1"/>
+            <a:r>
+              <a:rPr lang="en-US" altLang="zh-CN" dirty="0" smtClean="0"/>
+              <a:t>What is the outcome?</a:t>
+            </a:r>
+            <a:endParaRPr lang="en-US" dirty="0" smtClean="0"/>
+          </a:p>
+          <a:p>
+            <a:pPr lvl="2"/>
+            <a:r>
+              <a:rPr lang="en-US" dirty="0"/>
+              <a:t>Remaining nodes initiated </a:t>
+            </a:r>
+            <a:r>
+              <a:rPr lang="en-US" dirty="0" smtClean="0"/>
+              <a:t>abort</a:t>
+            </a:r>
+          </a:p>
+          <a:p>
+            <a:pPr lvl="2"/>
+            <a:r>
+              <a:rPr lang="en-US" dirty="0" smtClean="0"/>
+              <a:t>some </a:t>
+            </a:r>
+            <a:r>
+              <a:rPr lang="en-US" dirty="0"/>
+              <a:t>entered PA state</a:t>
+            </a:r>
+          </a:p>
+        </p:txBody>
+      </p:sp>
+      <p:sp>
+        <p:nvSpPr>
+          <p:cNvPr id="4" name="Footer Placeholder 3"/>
+          <p:cNvSpPr>
+            <a:spLocks noGrp="1"/>
+          </p:cNvSpPr>
+          <p:nvPr>
+            <p:ph type="ftr" sz="quarter" idx="11"/>
+          </p:nvPr>
+        </p:nvSpPr>
+        <p:spPr/>
+        <p:txBody>
+          <a:bodyPr/>
+          <a:lstStyle/>
+          <a:p>
+            <a:pPr>
+              <a:defRPr/>
+            </a:pPr>
+            <a:r>
+              <a:rPr lang="en-US" altLang="zh-CN" smtClean="0"/>
+              <a:t>Distributed Database Systems</a:t>
+            </a:r>
+            <a:endParaRPr lang="zh-CN" altLang="en-US"/>
+          </a:p>
+        </p:txBody>
+      </p:sp>
+      <p:sp>
+        <p:nvSpPr>
+          <p:cNvPr id="5" name="Slide Number Placeholder 4"/>
+          <p:cNvSpPr>
+            <a:spLocks noGrp="1"/>
+          </p:cNvSpPr>
+          <p:nvPr>
+            <p:ph type="sldNum" sz="quarter" idx="12"/>
+          </p:nvPr>
+        </p:nvSpPr>
+        <p:spPr/>
+        <p:txBody>
+          <a:bodyPr/>
+          <a:lstStyle/>
+          <a:p>
+            <a:pPr>
+              <a:defRPr/>
+            </a:pPr>
+            <a:fld id="{07A5CAEE-885A-5D41-93DF-9DC29A9FE4F0}" type="slidenum">
+              <a:rPr lang="zh-CN" altLang="en-US" smtClean="0"/>
+              <a:pPr>
+                <a:defRPr/>
+              </a:pPr>
+              <a:t>30</a:t>
             </a:fld>
             <a:endParaRPr lang="zh-CN" altLang="en-US"/>
           </a:p>
@@ -10192,10 +12393,17 @@
   <p:clrMapOvr>
     <a:masterClrMapping/>
   </p:clrMapOvr>
+  <p:timing>
+    <p:tnLst>
+      <p:par>
+        <p:cTn id="1" dur="indefinite" restart="never" nodeType="tmRoot"/>
+      </p:par>
+    </p:tnLst>
+  </p:timing>
 </p:sld>
 </file>
 
-<file path=ppt/slides/slide26.xml><?xml version="1.0" encoding="utf-8"?>
+<file path=ppt/slides/slide31.xml><?xml version="1.0" encoding="utf-8"?>
 <p:sld xmlns:a="http://schemas.openxmlformats.org/drawingml/2006/main" xmlns:r="http://schemas.openxmlformats.org/officeDocument/2006/relationships" xmlns:p="http://schemas.openxmlformats.org/presentationml/2006/main">
   <p:cSld>
     <p:spTree>
@@ -10347,7 +12555,7 @@
               <a:pPr>
                 <a:defRPr/>
               </a:pPr>
-              <a:t>26</a:t>
+              <a:t>31</a:t>
             </a:fld>
             <a:endParaRPr lang="zh-CN" altLang="en-US"/>
           </a:p>
@@ -10439,10 +12647,17 @@
   <p:clrMapOvr>
     <a:masterClrMapping/>
   </p:clrMapOvr>
+  <p:timing>
+    <p:tnLst>
+      <p:par>
+        <p:cTn id="1" dur="indefinite" restart="never" nodeType="tmRoot"/>
+      </p:par>
+    </p:tnLst>
+  </p:timing>
 </p:sld>
 </file>
 
-<file path=ppt/slides/slide27.xml><?xml version="1.0" encoding="utf-8"?>
+<file path=ppt/slides/slide32.xml><?xml version="1.0" encoding="utf-8"?>
 <p:sld xmlns:a="http://schemas.openxmlformats.org/drawingml/2006/main" xmlns:r="http://schemas.openxmlformats.org/officeDocument/2006/relationships" xmlns:p="http://schemas.openxmlformats.org/presentationml/2006/main">
   <p:cSld>
     <p:spTree>
@@ -10657,7 +12872,7 @@
               <a:pPr>
                 <a:defRPr/>
               </a:pPr>
-              <a:t>27</a:t>
+              <a:t>32</a:t>
             </a:fld>
             <a:endParaRPr lang="zh-CN" altLang="en-US"/>
           </a:p>
@@ -10749,10 +12964,17 @@
   <p:clrMapOvr>
     <a:masterClrMapping/>
   </p:clrMapOvr>
+  <p:timing>
+    <p:tnLst>
+      <p:par>
+        <p:cTn id="1" dur="indefinite" restart="never" nodeType="tmRoot"/>
+      </p:par>
+    </p:tnLst>
+  </p:timing>
 </p:sld>
 </file>
 
-<file path=ppt/slides/slide28.xml><?xml version="1.0" encoding="utf-8"?>
+<file path=ppt/slides/slide33.xml><?xml version="1.0" encoding="utf-8"?>
 <p:sld xmlns:a="http://schemas.openxmlformats.org/drawingml/2006/main" xmlns:r="http://schemas.openxmlformats.org/officeDocument/2006/relationships" xmlns:p="http://schemas.openxmlformats.org/presentationml/2006/main">
   <p:cSld>
     <p:spTree>
@@ -10945,7 +13167,7 @@
               <a:pPr>
                 <a:defRPr/>
               </a:pPr>
-              <a:t>28</a:t>
+              <a:t>33</a:t>
             </a:fld>
             <a:endParaRPr lang="zh-CN" altLang="en-US"/>
           </a:p>
@@ -10961,10 +13183,17 @@
   <p:clrMapOvr>
     <a:masterClrMapping/>
   </p:clrMapOvr>
+  <p:timing>
+    <p:tnLst>
+      <p:par>
+        <p:cTn id="1" dur="indefinite" restart="never" nodeType="tmRoot"/>
+      </p:par>
+    </p:tnLst>
+  </p:timing>
 </p:sld>
 </file>
 
-<file path=ppt/slides/slide29.xml><?xml version="1.0" encoding="utf-8"?>
+<file path=ppt/slides/slide34.xml><?xml version="1.0" encoding="utf-8"?>
 <p:sld xmlns:a="http://schemas.openxmlformats.org/drawingml/2006/main" xmlns:r="http://schemas.openxmlformats.org/officeDocument/2006/relationships" xmlns:p="http://schemas.openxmlformats.org/presentationml/2006/main">
   <p:cSld>
     <p:spTree>
@@ -11062,7 +13291,6 @@
               <a:rPr lang="en-US" dirty="0"/>
               <a:t>to recover </a:t>
             </a:r>
-            <a:endParaRPr lang="en-US" dirty="0"/>
           </a:p>
           <a:p>
             <a:endParaRPr lang="en-US" dirty="0"/>
@@ -11118,7 +13346,7 @@
               <a:pPr>
                 <a:defRPr/>
               </a:pPr>
-              <a:t>29</a:t>
+              <a:t>34</a:t>
             </a:fld>
             <a:endParaRPr lang="zh-CN" altLang="en-US"/>
           </a:p>
@@ -11134,10 +13362,17 @@
   <p:clrMapOvr>
     <a:masterClrMapping/>
   </p:clrMapOvr>
+  <p:timing>
+    <p:tnLst>
+      <p:par>
+        <p:cTn id="1" dur="indefinite" restart="never" nodeType="tmRoot"/>
+      </p:par>
+    </p:tnLst>
+  </p:timing>
 </p:sld>
 </file>
 
-<file path=ppt/slides/slide3.xml><?xml version="1.0" encoding="utf-8"?>
+<file path=ppt/slides/slide35.xml><?xml version="1.0" encoding="utf-8"?>
 <p:sld xmlns:a="http://schemas.openxmlformats.org/drawingml/2006/main" xmlns:r="http://schemas.openxmlformats.org/officeDocument/2006/relationships" xmlns:p="http://schemas.openxmlformats.org/presentationml/2006/main">
   <p:cSld>
     <p:spTree>
@@ -11171,7 +13406,7 @@
           <a:p>
             <a:r>
               <a:rPr lang="en-US" dirty="0"/>
-              <a:t>Three-Phase Commit</a:t>
+              <a:t>3PC Comparison</a:t>
             </a:r>
           </a:p>
         </p:txBody>
@@ -11192,75 +13427,47 @@
           <a:lstStyle/>
           <a:p>
             <a:r>
+              <a:rPr lang="en-US" b="1" dirty="0"/>
+              <a:t>3PC with majority votes </a:t>
+            </a:r>
+            <a:endParaRPr lang="en-US" dirty="0"/>
+          </a:p>
+          <a:p>
+            <a:pPr lvl="1"/>
+            <a:r>
               <a:rPr lang="en-US" dirty="0"/>
-              <a:t>Non-blocking commit </a:t>
-            </a:r>
+              <a:t>A group of failed but recovering nodes can terminate transaction </a:t>
+            </a:r>
+            <a:endParaRPr lang="en-US" dirty="0" smtClean="0"/>
+          </a:p>
+          <a:p>
+            <a:pPr lvl="1"/>
             <a:r>
               <a:rPr lang="en-US" dirty="0" smtClean="0"/>
-              <a:t>protocol</a:t>
-            </a:r>
-          </a:p>
-          <a:p>
-            <a:r>
-              <a:rPr lang="en-US" dirty="0" smtClean="0"/>
-              <a:t>Assumes </a:t>
+              <a:t>Need </a:t>
             </a:r>
             <a:r>
               <a:rPr lang="en-US" dirty="0"/>
-              <a:t>that a failed node </a:t>
-            </a:r>
-            <a:r>
-              <a:rPr lang="en-US" dirty="0">
-                <a:solidFill>
-                  <a:srgbClr val="FF0000"/>
-                </a:solidFill>
-              </a:rPr>
-              <a:t>stays down </a:t>
-            </a:r>
-            <a:r>
-              <a:rPr lang="en-US" dirty="0" smtClean="0">
-                <a:solidFill>
-                  <a:srgbClr val="FF0000"/>
-                </a:solidFill>
-              </a:rPr>
-              <a:t>forever</a:t>
-            </a:r>
-          </a:p>
-          <a:p>
-            <a:endParaRPr lang="en-US" dirty="0">
-              <a:solidFill>
-                <a:srgbClr val="FF0000"/>
-              </a:solidFill>
-            </a:endParaRPr>
-          </a:p>
-          <a:p>
-            <a:r>
+              <a:t>majority to commit</a:t>
+            </a:r>
+            <a:br>
               <a:rPr lang="en-US" dirty="0"/>
-              <a:t>Key </a:t>
-            </a:r>
-            <a:r>
-              <a:rPr lang="en-US" dirty="0" smtClean="0"/>
-              <a:t>idea</a:t>
-            </a:r>
+            </a:br>
+            <a:endParaRPr lang="en-US" dirty="0" smtClean="0"/>
           </a:p>
           <a:p>
             <a:pPr lvl="1"/>
             <a:r>
-              <a:rPr lang="en-US" dirty="0" smtClean="0"/>
-              <a:t>Before </a:t>
+              <a:rPr lang="en-US" b="1" dirty="0" smtClean="0"/>
+              <a:t>Blocking </a:t>
             </a:r>
             <a:r>
               <a:rPr lang="en-US" dirty="0"/>
-              <a:t>committing the coordinator tells participants that </a:t>
-            </a:r>
-            <a:r>
-              <a:rPr lang="en-US" dirty="0">
-                <a:solidFill>
-                  <a:srgbClr val="FF0000"/>
-                </a:solidFill>
-              </a:rPr>
-              <a:t>everyone is OK</a:t>
-            </a:r>
+              <a:t>protocol </a:t>
+            </a:r>
+          </a:p>
+          <a:p>
+            <a:endParaRPr lang="en-US" dirty="0"/>
           </a:p>
         </p:txBody>
       </p:sp>
@@ -11313,7 +13520,7 @@
               <a:pPr>
                 <a:defRPr/>
               </a:pPr>
-              <a:t>3</a:t>
+              <a:t>35</a:t>
             </a:fld>
             <a:endParaRPr lang="zh-CN" altLang="en-US"/>
           </a:p>
@@ -11322,7 +13529,7 @@
     </p:spTree>
     <p:extLst>
       <p:ext uri="{BB962C8B-B14F-4D97-AF65-F5344CB8AC3E}">
-        <p14:creationId xmlns:p14="http://schemas.microsoft.com/office/powerpoint/2010/main" val="1313433313"/>
+        <p14:creationId xmlns:p14="http://schemas.microsoft.com/office/powerpoint/2010/main" val="1735274803"/>
       </p:ext>
     </p:extLst>
   </p:cSld>
@@ -11332,7 +13539,7 @@
 </p:sld>
 </file>
 
-<file path=ppt/slides/slide30.xml><?xml version="1.0" encoding="utf-8"?>
+<file path=ppt/slides/slide36.xml><?xml version="1.0" encoding="utf-8"?>
 <p:sld xmlns:a="http://schemas.openxmlformats.org/drawingml/2006/main" xmlns:r="http://schemas.openxmlformats.org/officeDocument/2006/relationships" xmlns:p="http://schemas.openxmlformats.org/presentationml/2006/main">
   <p:cSld>
     <p:spTree>
@@ -11366,7 +13573,7 @@
           <a:p>
             <a:r>
               <a:rPr lang="en-US" dirty="0"/>
-              <a:t>3PC Comparison</a:t>
+              <a:t>3PC Logging</a:t>
             </a:r>
           </a:p>
         </p:txBody>
@@ -11387,48 +13594,58 @@
           <a:lstStyle/>
           <a:p>
             <a:r>
-              <a:rPr lang="en-US" b="1" dirty="0"/>
-              <a:t>3PC with majority votes </a:t>
-            </a:r>
-            <a:endParaRPr lang="en-US" dirty="0"/>
+              <a:rPr lang="en-US" sz="2800" dirty="0"/>
+              <a:t>When a node recovers, it uses its log as usual to determine the status of each transaction </a:t>
+            </a:r>
           </a:p>
           <a:p>
             <a:pPr lvl="1"/>
             <a:r>
-              <a:rPr lang="en-US" dirty="0"/>
-              <a:t>A group of failed but recovering nodes can terminate transaction </a:t>
-            </a:r>
-            <a:endParaRPr lang="en-US" dirty="0" smtClean="0"/>
+              <a:rPr lang="en-US" sz="2400" dirty="0"/>
+              <a:t>If commit logged ⟹ redo if </a:t>
+            </a:r>
+            <a:r>
+              <a:rPr lang="en-US" sz="2400" dirty="0" smtClean="0"/>
+              <a:t>necessary</a:t>
+            </a:r>
+            <a:endParaRPr lang="en-US" sz="2400" dirty="0"/>
           </a:p>
           <a:p>
             <a:pPr lvl="1"/>
             <a:r>
-              <a:rPr lang="en-US" dirty="0" smtClean="0"/>
-              <a:t>Need </a:t>
-            </a:r>
-            <a:r>
-              <a:rPr lang="en-US" dirty="0"/>
-              <a:t>majority to commit</a:t>
-            </a:r>
-            <a:br>
-              <a:rPr lang="en-US" dirty="0"/>
-            </a:br>
-            <a:endParaRPr lang="en-US" dirty="0" smtClean="0"/>
+              <a:rPr lang="en-US" sz="2400" dirty="0" smtClean="0"/>
+              <a:t>If </a:t>
+            </a:r>
+            <a:r>
+              <a:rPr lang="en-US" sz="2400" dirty="0"/>
+              <a:t>abort logged (or wait is missing) ⟹ rollback if necessary </a:t>
+            </a:r>
+            <a:endParaRPr lang="en-US" sz="2400" dirty="0" smtClean="0"/>
           </a:p>
           <a:p>
             <a:pPr lvl="1"/>
             <a:r>
-              <a:rPr lang="en-US" b="1" dirty="0" smtClean="0"/>
-              <a:t>Blocking </a:t>
-            </a:r>
-            <a:r>
-              <a:rPr lang="en-US" dirty="0"/>
-              <a:t>protocol </a:t>
-            </a:r>
-            <a:endParaRPr lang="en-US" dirty="0"/>
-          </a:p>
-          <a:p>
-            <a:endParaRPr lang="en-US" dirty="0"/>
+              <a:rPr lang="en-US" sz="2400" dirty="0"/>
+              <a:t>If wait logged (or pre state ) ⟹Reclaim locks held by T before </a:t>
+            </a:r>
+            <a:r>
+              <a:rPr lang="en-US" sz="2400" dirty="0" smtClean="0"/>
+              <a:t>crash</a:t>
+            </a:r>
+          </a:p>
+          <a:p>
+            <a:pPr lvl="1"/>
+            <a:r>
+              <a:rPr lang="en-US" sz="2400" dirty="0" smtClean="0"/>
+              <a:t>Try </a:t>
+            </a:r>
+            <a:r>
+              <a:rPr lang="en-US" sz="2400" dirty="0"/>
+              <a:t>to terminate T (with other nodes)</a:t>
+            </a:r>
+          </a:p>
+          <a:p>
+            <a:endParaRPr lang="en-US" sz="2800" dirty="0"/>
           </a:p>
         </p:txBody>
       </p:sp>
@@ -11481,7 +13698,7 @@
               <a:pPr>
                 <a:defRPr/>
               </a:pPr>
-              <a:t>30</a:t>
+              <a:t>36</a:t>
             </a:fld>
             <a:endParaRPr lang="zh-CN" altLang="en-US"/>
           </a:p>
@@ -11490,7 +13707,7 @@
     </p:spTree>
     <p:extLst>
       <p:ext uri="{BB962C8B-B14F-4D97-AF65-F5344CB8AC3E}">
-        <p14:creationId xmlns:p14="http://schemas.microsoft.com/office/powerpoint/2010/main" val="1735274803"/>
+        <p14:creationId xmlns:p14="http://schemas.microsoft.com/office/powerpoint/2010/main" val="539822837"/>
       </p:ext>
     </p:extLst>
   </p:cSld>
@@ -11500,7 +13717,7 @@
 </p:sld>
 </file>
 
-<file path=ppt/slides/slide31.xml><?xml version="1.0" encoding="utf-8"?>
+<file path=ppt/slides/slide37.xml><?xml version="1.0" encoding="utf-8"?>
 <p:sld xmlns:a="http://schemas.openxmlformats.org/drawingml/2006/main" xmlns:r="http://schemas.openxmlformats.org/officeDocument/2006/relationships" xmlns:p="http://schemas.openxmlformats.org/presentationml/2006/main">
   <p:cSld>
     <p:spTree>
@@ -11533,81 +13750,120 @@
           <a:lstStyle/>
           <a:p>
             <a:r>
+              <a:rPr lang="en-US" altLang="zh-CN" dirty="0" err="1" smtClean="0"/>
+              <a:t>Reliablity</a:t>
+            </a:r>
+            <a:r>
+              <a:rPr lang="en-US" altLang="zh-CN" dirty="0" smtClean="0"/>
+              <a:t> Summary</a:t>
+            </a:r>
+            <a:endParaRPr lang="en-US" dirty="0"/>
+          </a:p>
+        </p:txBody>
+      </p:sp>
+      <p:sp>
+        <p:nvSpPr>
+          <p:cNvPr id="3" name="Content Placeholder 2"/>
+          <p:cNvSpPr>
+            <a:spLocks noGrp="1"/>
+          </p:cNvSpPr>
+          <p:nvPr>
+            <p:ph idx="1"/>
+          </p:nvPr>
+        </p:nvSpPr>
+        <p:spPr/>
+        <p:txBody>
+          <a:bodyPr/>
+          <a:lstStyle/>
+          <a:p>
+            <a:r>
               <a:rPr lang="en-US" dirty="0"/>
-              <a:t>3PC Logging</a:t>
-            </a:r>
-          </a:p>
-        </p:txBody>
-      </p:sp>
-      <p:sp>
-        <p:nvSpPr>
-          <p:cNvPr id="3" name="Content Placeholder 2"/>
-          <p:cNvSpPr>
-            <a:spLocks noGrp="1"/>
-          </p:cNvSpPr>
-          <p:nvPr>
-            <p:ph idx="1"/>
-          </p:nvPr>
-        </p:nvSpPr>
-        <p:spPr/>
-        <p:txBody>
-          <a:bodyPr/>
-          <a:lstStyle/>
-          <a:p>
-            <a:r>
-              <a:rPr lang="en-US" sz="2800" dirty="0"/>
-              <a:t>When a node recovers, it uses its log as usual to determine the status of each transaction </a:t>
-            </a:r>
-            <a:endParaRPr lang="en-US" sz="2800" dirty="0"/>
+              <a:t>Failure models </a:t>
+            </a:r>
           </a:p>
           <a:p>
             <a:pPr lvl="1"/>
             <a:r>
-              <a:rPr lang="en-US" sz="2400" dirty="0"/>
-              <a:t>If commit logged ⟹ redo if </a:t>
-            </a:r>
-            <a:r>
-              <a:rPr lang="en-US" sz="2400" dirty="0" smtClean="0"/>
-              <a:t>necessary</a:t>
-            </a:r>
-            <a:endParaRPr lang="en-US" sz="2400" dirty="0"/>
+              <a:rPr lang="en-US" dirty="0" smtClean="0"/>
+              <a:t>Nodes </a:t>
+            </a:r>
+            <a:endParaRPr lang="en-US" dirty="0"/>
           </a:p>
           <a:p>
             <a:pPr lvl="1"/>
             <a:r>
-              <a:rPr lang="en-US" sz="2400" dirty="0" smtClean="0"/>
-              <a:t>If </a:t>
-            </a:r>
-            <a:r>
-              <a:rPr lang="en-US" sz="2400" dirty="0"/>
-              <a:t>abort logged (or wait is missing) ⟹ rollback if necessary </a:t>
-            </a:r>
-            <a:endParaRPr lang="en-US" sz="2400" dirty="0" smtClean="0"/>
+              <a:rPr lang="en-US" dirty="0"/>
+              <a:t>Networks </a:t>
+            </a:r>
+          </a:p>
+          <a:p>
+            <a:r>
+              <a:rPr lang="en-US" dirty="0"/>
+              <a:t>Reliable network, fail-stop nodes, no </a:t>
+            </a:r>
+            <a:r>
+              <a:rPr lang="en-US" dirty="0" smtClean="0"/>
+              <a:t>replication</a:t>
+            </a:r>
           </a:p>
           <a:p>
             <a:pPr lvl="1"/>
             <a:r>
-              <a:rPr lang="en-US" sz="2400" dirty="0"/>
-              <a:t>If wait logged (or pre state ) ⟹Reclaim locks held by T before </a:t>
-            </a:r>
-            <a:r>
-              <a:rPr lang="en-US" sz="2400" dirty="0" smtClean="0"/>
-              <a:t>crash</a:t>
-            </a:r>
+              <a:rPr lang="en-US" dirty="0" smtClean="0"/>
+              <a:t>Two-phase </a:t>
+            </a:r>
+            <a:r>
+              <a:rPr lang="en-US" dirty="0"/>
+              <a:t>commit (</a:t>
+            </a:r>
+            <a:r>
+              <a:rPr lang="en-US" dirty="0" smtClean="0"/>
+              <a:t>blocking)</a:t>
+            </a:r>
+            <a:endParaRPr lang="en-US" dirty="0"/>
           </a:p>
           <a:p>
             <a:pPr lvl="1"/>
             <a:r>
-              <a:rPr lang="en-US" sz="2400" dirty="0" smtClean="0"/>
-              <a:t>Try </a:t>
-            </a:r>
-            <a:r>
-              <a:rPr lang="en-US" sz="2400" dirty="0"/>
-              <a:t>to terminate T (with other nodes)</a:t>
-            </a:r>
-          </a:p>
-          <a:p>
-            <a:endParaRPr lang="en-US" sz="2800" dirty="0"/>
+              <a:rPr lang="en-US" dirty="0" smtClean="0"/>
+              <a:t>Three-phase </a:t>
+            </a:r>
+            <a:r>
+              <a:rPr lang="en-US" dirty="0"/>
+              <a:t>commit </a:t>
+            </a:r>
+            <a:endParaRPr lang="en-US" dirty="0" smtClean="0"/>
+          </a:p>
+          <a:p>
+            <a:pPr lvl="2"/>
+            <a:r>
+              <a:rPr lang="en-US" dirty="0" smtClean="0"/>
+              <a:t>Basic </a:t>
+            </a:r>
+            <a:r>
+              <a:rPr lang="en-US" dirty="0"/>
+              <a:t>(non-blocking) </a:t>
+            </a:r>
+            <a:endParaRPr lang="en-US" dirty="0" smtClean="0"/>
+          </a:p>
+          <a:p>
+            <a:pPr lvl="2"/>
+            <a:r>
+              <a:rPr lang="en-US" dirty="0" smtClean="0"/>
+              <a:t>With </a:t>
+            </a:r>
+            <a:r>
+              <a:rPr lang="en-US" dirty="0"/>
+              <a:t>majority votes </a:t>
+            </a:r>
+            <a:r>
+              <a:rPr lang="en-US" altLang="zh-CN" dirty="0" smtClean="0"/>
+              <a:t>(blocking)</a:t>
+            </a:r>
+            <a:endParaRPr lang="en-US" dirty="0"/>
+          </a:p>
+          <a:p>
+            <a:endParaRPr lang="en-US" dirty="0"/>
           </a:p>
         </p:txBody>
       </p:sp>
@@ -11660,7 +13916,7 @@
               <a:pPr>
                 <a:defRPr/>
               </a:pPr>
-              <a:t>31</a:t>
+              <a:t>37</a:t>
             </a:fld>
             <a:endParaRPr lang="zh-CN" altLang="en-US"/>
           </a:p>
@@ -11669,7 +13925,7 @@
     </p:spTree>
     <p:extLst>
       <p:ext uri="{BB962C8B-B14F-4D97-AF65-F5344CB8AC3E}">
-        <p14:creationId xmlns:p14="http://schemas.microsoft.com/office/powerpoint/2010/main" val="539822837"/>
+        <p14:creationId xmlns:p14="http://schemas.microsoft.com/office/powerpoint/2010/main" val="132492703"/>
       </p:ext>
     </p:extLst>
   </p:cSld>
@@ -11679,7 +13935,7 @@
 </p:sld>
 </file>
 
-<file path=ppt/slides/slide32.xml><?xml version="1.0" encoding="utf-8"?>
+<file path=ppt/slides/slide38.xml><?xml version="1.0" encoding="utf-8"?>
 <p:sld xmlns:a="http://schemas.openxmlformats.org/drawingml/2006/main" xmlns:r="http://schemas.openxmlformats.org/officeDocument/2006/relationships" xmlns:p="http://schemas.openxmlformats.org/presentationml/2006/main">
   <p:cSld>
     <p:spTree>
@@ -11708,14 +13964,19 @@
         </p:nvSpPr>
         <p:spPr/>
         <p:txBody>
-          <a:bodyPr/>
+          <a:bodyPr>
+            <a:normAutofit/>
+          </a:bodyPr>
           <a:lstStyle/>
           <a:p>
-            <a:r>
-              <a:rPr lang="en-US" altLang="zh-CN" dirty="0" smtClean="0"/>
-              <a:t>Summary</a:t>
-            </a:r>
-            <a:endParaRPr lang="en-US" dirty="0"/>
+            <a:pPr>
+              <a:defRPr/>
+            </a:pPr>
+            <a:r>
+              <a:rPr lang="en-US" sz="3600" dirty="0" smtClean="0"/>
+              <a:t>Summary of Fundamental DDB Issues</a:t>
+            </a:r>
+            <a:endParaRPr lang="zh-CN" altLang="en-US" sz="3600" dirty="0"/>
           </a:p>
         </p:txBody>
       </p:sp>
@@ -11734,96 +13995,115 @@
           <a:bodyPr/>
           <a:lstStyle/>
           <a:p>
-            <a:r>
-              <a:rPr lang="en-US" dirty="0"/>
-              <a:t>Failure models </a:t>
-            </a:r>
-            <a:endParaRPr lang="en-US" dirty="0"/>
-          </a:p>
-          <a:p>
-            <a:pPr lvl="1"/>
+            <a:pPr marL="0" indent="0">
+              <a:buFont typeface="Wingdings 2" pitchFamily="18" charset="2"/>
+              <a:buNone/>
+              <a:defRPr/>
+            </a:pPr>
             <a:r>
               <a:rPr lang="en-US" dirty="0" smtClean="0"/>
-              <a:t>Nodes </a:t>
-            </a:r>
-            <a:endParaRPr lang="en-US" dirty="0"/>
-          </a:p>
-          <a:p>
-            <a:pPr lvl="1"/>
-            <a:r>
-              <a:rPr lang="en-US" dirty="0"/>
-              <a:t>Networks </a:t>
-            </a:r>
-            <a:endParaRPr lang="en-US" dirty="0"/>
-          </a:p>
-          <a:p>
-            <a:r>
-              <a:rPr lang="en-US" dirty="0"/>
-              <a:t>Reliable network, fail-stop nodes, no </a:t>
-            </a:r>
-            <a:r>
-              <a:rPr lang="en-US" dirty="0" smtClean="0"/>
-              <a:t>replication</a:t>
-            </a:r>
-          </a:p>
-          <a:p>
-            <a:pPr lvl="1"/>
-            <a:r>
-              <a:rPr lang="en-US" dirty="0" smtClean="0"/>
-              <a:t>Two-phase </a:t>
-            </a:r>
-            <a:r>
-              <a:rPr lang="en-US" dirty="0"/>
-              <a:t>commit (</a:t>
-            </a:r>
-            <a:r>
-              <a:rPr lang="en-US" dirty="0" smtClean="0"/>
-              <a:t>blocking)</a:t>
-            </a:r>
-            <a:endParaRPr lang="en-US" dirty="0"/>
-          </a:p>
-          <a:p>
-            <a:pPr lvl="1"/>
-            <a:r>
-              <a:rPr lang="en-US" dirty="0" smtClean="0"/>
-              <a:t>Three-phase </a:t>
-            </a:r>
-            <a:r>
-              <a:rPr lang="en-US" dirty="0"/>
-              <a:t>commit </a:t>
-            </a:r>
-            <a:endParaRPr lang="en-US" dirty="0" smtClean="0"/>
-          </a:p>
-          <a:p>
-            <a:pPr lvl="2"/>
-            <a:r>
-              <a:rPr lang="en-US" dirty="0" smtClean="0"/>
-              <a:t>Basic </a:t>
-            </a:r>
-            <a:r>
-              <a:rPr lang="en-US" dirty="0"/>
-              <a:t>(non-blocking) </a:t>
-            </a:r>
-            <a:endParaRPr lang="en-US" dirty="0" smtClean="0"/>
-          </a:p>
-          <a:p>
-            <a:pPr lvl="2"/>
-            <a:r>
-              <a:rPr lang="en-US" dirty="0" smtClean="0"/>
-              <a:t>With </a:t>
-            </a:r>
-            <a:r>
-              <a:rPr lang="en-US" dirty="0"/>
-              <a:t>majority votes </a:t>
-            </a:r>
-            <a:r>
-              <a:rPr lang="en-US" altLang="zh-CN" dirty="0" smtClean="0"/>
-              <a:t>(blocking)</a:t>
-            </a:r>
-            <a:endParaRPr lang="en-US" dirty="0"/>
-          </a:p>
-          <a:p>
-            <a:endParaRPr lang="en-US" dirty="0"/>
+              <a:t>    Course objectives: study the fundamental issues of DDB.  Topics covered</a:t>
+            </a:r>
+          </a:p>
+          <a:p>
+            <a:pPr>
+              <a:buFont typeface="Wingdings 2" pitchFamily="18" charset="2"/>
+              <a:buChar char=""/>
+              <a:defRPr/>
+            </a:pPr>
+            <a:r>
+              <a:rPr lang="en-US" sz="2400" dirty="0" smtClean="0"/>
+              <a:t>Chapter 1 Introduction</a:t>
+            </a:r>
+            <a:endParaRPr lang="zh-CN" altLang="en-US" sz="2400" dirty="0" smtClean="0"/>
+          </a:p>
+          <a:p>
+            <a:pPr>
+              <a:buFont typeface="Wingdings 2" pitchFamily="18" charset="2"/>
+              <a:buChar char=""/>
+              <a:defRPr/>
+            </a:pPr>
+            <a:r>
+              <a:rPr lang="en-US" sz="2400" dirty="0" smtClean="0"/>
+              <a:t>Chapter 4 Distributed DBMS Architecture</a:t>
+            </a:r>
+            <a:endParaRPr lang="zh-CN" altLang="en-US" sz="2400" dirty="0" smtClean="0"/>
+          </a:p>
+          <a:p>
+            <a:pPr lvl="1">
+              <a:buFont typeface="Verdana" pitchFamily="34" charset="0"/>
+              <a:buChar char="◦"/>
+              <a:defRPr/>
+            </a:pPr>
+            <a:r>
+              <a:rPr lang="en-US" sz="2000" dirty="0" smtClean="0"/>
+              <a:t>Transparency and data independence, the major goals of DBMS</a:t>
+            </a:r>
+            <a:endParaRPr lang="zh-CN" altLang="en-US" sz="2000" dirty="0" smtClean="0"/>
+          </a:p>
+          <a:p>
+            <a:pPr lvl="1">
+              <a:buFont typeface="Verdana" pitchFamily="34" charset="0"/>
+              <a:buChar char="◦"/>
+              <a:defRPr/>
+            </a:pPr>
+            <a:r>
+              <a:rPr lang="en-US" sz="2000" dirty="0" smtClean="0"/>
+              <a:t>ANSI/SPARC 3-level architecture</a:t>
+            </a:r>
+            <a:endParaRPr lang="zh-CN" altLang="en-US" sz="2000" dirty="0" smtClean="0"/>
+          </a:p>
+          <a:p>
+            <a:pPr lvl="1">
+              <a:buFont typeface="Verdana" pitchFamily="34" charset="0"/>
+              <a:buChar char="◦"/>
+              <a:defRPr/>
+            </a:pPr>
+            <a:r>
+              <a:rPr lang="en-US" sz="2000" dirty="0" smtClean="0"/>
+              <a:t>Components of DDBMS</a:t>
+            </a:r>
+            <a:endParaRPr lang="zh-CN" altLang="en-US" sz="2000" dirty="0" smtClean="0"/>
+          </a:p>
+          <a:p>
+            <a:pPr lvl="1">
+              <a:buFont typeface="Verdana" pitchFamily="34" charset="0"/>
+              <a:buChar char="◦"/>
+              <a:defRPr/>
+            </a:pPr>
+            <a:r>
+              <a:rPr lang="en-US" sz="2000" dirty="0" smtClean="0"/>
+              <a:t>User Processor at local site, plus Data Processor at remote site</a:t>
+            </a:r>
+            <a:endParaRPr lang="zh-CN" altLang="en-US" sz="2000" dirty="0" smtClean="0"/>
+          </a:p>
+          <a:p>
+            <a:pPr lvl="1">
+              <a:buFont typeface="Verdana" pitchFamily="34" charset="0"/>
+              <a:buChar char="◦"/>
+              <a:defRPr/>
+            </a:pPr>
+            <a:r>
+              <a:rPr lang="en-US" sz="2000" dirty="0" smtClean="0"/>
+              <a:t>Global directory</a:t>
+            </a:r>
+            <a:endParaRPr lang="zh-CN" altLang="en-US" sz="2000" dirty="0" smtClean="0"/>
+          </a:p>
+          <a:p>
+            <a:pPr marL="0" indent="0">
+              <a:buFont typeface="Wingdings 2" pitchFamily="18" charset="2"/>
+              <a:buNone/>
+              <a:defRPr/>
+            </a:pPr>
+            <a:endParaRPr lang="zh-CN" altLang="en-US" dirty="0" smtClean="0"/>
+          </a:p>
+          <a:p>
+            <a:pPr>
+              <a:buFont typeface="Wingdings 2" pitchFamily="18" charset="2"/>
+              <a:buChar char=""/>
+              <a:defRPr/>
+            </a:pPr>
+            <a:endParaRPr lang="zh-CN" altLang="en-US" dirty="0"/>
           </a:p>
         </p:txBody>
       </p:sp>
@@ -11855,7 +14135,7 @@
       </p:sp>
       <p:sp>
         <p:nvSpPr>
-          <p:cNvPr id="5" name="Slide Number Placeholder 4"/>
+          <p:cNvPr id="57348" name="Slide Number Placeholder 4"/>
           <p:cNvSpPr>
             <a:spLocks noGrp="1"/>
           </p:cNvSpPr>
@@ -11863,35 +14143,668 @@
             <p:ph type="sldNum" sz="quarter" idx="12"/>
           </p:nvPr>
         </p:nvSpPr>
-        <p:spPr/>
-        <p:txBody>
-          <a:bodyPr/>
-          <a:lstStyle/>
+        <p:spPr bwMode="auto">
+          <a:noFill/>
+          <a:extLst>
+            <a:ext uri="{909E8E84-426E-40DD-AFC4-6F175D3DCCD1}">
+              <a14:hiddenFill xmlns:a14="http://schemas.microsoft.com/office/drawing/2010/main">
+                <a:solidFill>
+                  <a:srgbClr val="FFFFFF"/>
+                </a:solidFill>
+              </a14:hiddenFill>
+            </a:ext>
+            <a:ext uri="{91240B29-F687-4F45-9708-019B960494DF}">
+              <a14:hiddenLine xmlns:a14="http://schemas.microsoft.com/office/drawing/2010/main" w="9525">
+                <a:solidFill>
+                  <a:srgbClr val="000000"/>
+                </a:solidFill>
+                <a:miter lim="800000"/>
+                <a:headEnd/>
+                <a:tailEnd/>
+              </a14:hiddenLine>
+            </a:ext>
+          </a:extLst>
+        </p:spPr>
+        <p:txBody>
+          <a:bodyPr/>
+          <a:lstStyle>
+            <a:lvl1pPr>
+              <a:spcBef>
+                <a:spcPts val="600"/>
+              </a:spcBef>
+              <a:buClr>
+                <a:schemeClr val="accent1"/>
+              </a:buClr>
+              <a:buSzPct val="80000"/>
+              <a:buFont typeface="Wingdings 2" charset="2"/>
+              <a:buChar char=""/>
+              <a:defRPr sz="3200">
+                <a:solidFill>
+                  <a:schemeClr val="tx1"/>
+                </a:solidFill>
+                <a:latin typeface="Gill Sans MT" charset="0"/>
+                <a:ea typeface="华文中宋" charset="-122"/>
+              </a:defRPr>
+            </a:lvl1pPr>
+            <a:lvl2pPr marL="742950" indent="-285750">
+              <a:spcBef>
+                <a:spcPts val="550"/>
+              </a:spcBef>
+              <a:buClr>
+                <a:schemeClr val="accent1"/>
+              </a:buClr>
+              <a:buFont typeface="Verdana" charset="0"/>
+              <a:buChar char="◦"/>
+              <a:defRPr sz="2800">
+                <a:solidFill>
+                  <a:schemeClr val="tx1"/>
+                </a:solidFill>
+                <a:latin typeface="Gill Sans MT" charset="0"/>
+                <a:ea typeface="华文中宋" charset="-122"/>
+              </a:defRPr>
+            </a:lvl2pPr>
+            <a:lvl3pPr marL="1143000" indent="-228600">
+              <a:spcBef>
+                <a:spcPct val="20000"/>
+              </a:spcBef>
+              <a:buClr>
+                <a:schemeClr val="accent2"/>
+              </a:buClr>
+              <a:buFont typeface="Wingdings 2" charset="2"/>
+              <a:buChar char=""/>
+              <a:defRPr sz="2400">
+                <a:solidFill>
+                  <a:schemeClr val="tx1"/>
+                </a:solidFill>
+                <a:latin typeface="Gill Sans MT" charset="0"/>
+                <a:ea typeface="华文中宋" charset="-122"/>
+              </a:defRPr>
+            </a:lvl3pPr>
+            <a:lvl4pPr marL="1600200" indent="-228600">
+              <a:spcBef>
+                <a:spcPct val="20000"/>
+              </a:spcBef>
+              <a:buClr>
+                <a:srgbClr val="9BBB59"/>
+              </a:buClr>
+              <a:buFont typeface="Wingdings 2" charset="2"/>
+              <a:buChar char=""/>
+              <a:defRPr sz="2000">
+                <a:solidFill>
+                  <a:schemeClr val="tx1"/>
+                </a:solidFill>
+                <a:latin typeface="Gill Sans MT" charset="0"/>
+                <a:ea typeface="华文中宋" charset="-122"/>
+              </a:defRPr>
+            </a:lvl4pPr>
+            <a:lvl5pPr marL="2057400" indent="-228600">
+              <a:spcBef>
+                <a:spcPct val="20000"/>
+              </a:spcBef>
+              <a:buClr>
+                <a:srgbClr val="8064A2"/>
+              </a:buClr>
+              <a:buFont typeface="Wingdings 2" charset="2"/>
+              <a:buChar char=""/>
+              <a:defRPr sz="2000">
+                <a:solidFill>
+                  <a:schemeClr val="tx1"/>
+                </a:solidFill>
+                <a:latin typeface="Gill Sans MT" charset="0"/>
+                <a:ea typeface="华文中宋" charset="-122"/>
+              </a:defRPr>
+            </a:lvl5pPr>
+            <a:lvl6pPr marL="2514600" indent="-228600" eaLnBrk="0" fontAlgn="base" hangingPunct="0">
+              <a:spcBef>
+                <a:spcPct val="20000"/>
+              </a:spcBef>
+              <a:spcAft>
+                <a:spcPct val="0"/>
+              </a:spcAft>
+              <a:buClr>
+                <a:srgbClr val="8064A2"/>
+              </a:buClr>
+              <a:buFont typeface="Wingdings 2" charset="2"/>
+              <a:buChar char=""/>
+              <a:defRPr sz="2000">
+                <a:solidFill>
+                  <a:schemeClr val="tx1"/>
+                </a:solidFill>
+                <a:latin typeface="Gill Sans MT" charset="0"/>
+                <a:ea typeface="华文中宋" charset="-122"/>
+              </a:defRPr>
+            </a:lvl6pPr>
+            <a:lvl7pPr marL="2971800" indent="-228600" eaLnBrk="0" fontAlgn="base" hangingPunct="0">
+              <a:spcBef>
+                <a:spcPct val="20000"/>
+              </a:spcBef>
+              <a:spcAft>
+                <a:spcPct val="0"/>
+              </a:spcAft>
+              <a:buClr>
+                <a:srgbClr val="8064A2"/>
+              </a:buClr>
+              <a:buFont typeface="Wingdings 2" charset="2"/>
+              <a:buChar char=""/>
+              <a:defRPr sz="2000">
+                <a:solidFill>
+                  <a:schemeClr val="tx1"/>
+                </a:solidFill>
+                <a:latin typeface="Gill Sans MT" charset="0"/>
+                <a:ea typeface="华文中宋" charset="-122"/>
+              </a:defRPr>
+            </a:lvl7pPr>
+            <a:lvl8pPr marL="3429000" indent="-228600" eaLnBrk="0" fontAlgn="base" hangingPunct="0">
+              <a:spcBef>
+                <a:spcPct val="20000"/>
+              </a:spcBef>
+              <a:spcAft>
+                <a:spcPct val="0"/>
+              </a:spcAft>
+              <a:buClr>
+                <a:srgbClr val="8064A2"/>
+              </a:buClr>
+              <a:buFont typeface="Wingdings 2" charset="2"/>
+              <a:buChar char=""/>
+              <a:defRPr sz="2000">
+                <a:solidFill>
+                  <a:schemeClr val="tx1"/>
+                </a:solidFill>
+                <a:latin typeface="Gill Sans MT" charset="0"/>
+                <a:ea typeface="华文中宋" charset="-122"/>
+              </a:defRPr>
+            </a:lvl8pPr>
+            <a:lvl9pPr marL="3886200" indent="-228600" eaLnBrk="0" fontAlgn="base" hangingPunct="0">
+              <a:spcBef>
+                <a:spcPct val="20000"/>
+              </a:spcBef>
+              <a:spcAft>
+                <a:spcPct val="0"/>
+              </a:spcAft>
+              <a:buClr>
+                <a:srgbClr val="8064A2"/>
+              </a:buClr>
+              <a:buFont typeface="Wingdings 2" charset="2"/>
+              <a:buChar char=""/>
+              <a:defRPr sz="2000">
+                <a:solidFill>
+                  <a:schemeClr val="tx1"/>
+                </a:solidFill>
+                <a:latin typeface="Gill Sans MT" charset="0"/>
+                <a:ea typeface="华文中宋" charset="-122"/>
+              </a:defRPr>
+            </a:lvl9pPr>
+          </a:lstStyle>
           <a:p>
             <a:pPr>
-              <a:defRPr/>
+              <a:spcBef>
+                <a:spcPct val="0"/>
+              </a:spcBef>
+              <a:buClrTx/>
+              <a:buSzTx/>
+              <a:buFontTx/>
+              <a:buNone/>
             </a:pPr>
-            <a:fld id="{07A5CAEE-885A-5D41-93DF-9DC29A9FE4F0}" type="slidenum">
-              <a:rPr lang="zh-CN" altLang="en-US" smtClean="0"/>
+            <a:fld id="{F22C9641-2B2B-5644-A978-90413B97570D}" type="slidenum">
+              <a:rPr lang="zh-CN" altLang="en-US" sz="1200">
+                <a:solidFill>
+                  <a:srgbClr val="B4B1A0"/>
+                </a:solidFill>
+              </a:rPr>
               <a:pPr>
-                <a:defRPr/>
+                <a:spcBef>
+                  <a:spcPct val="0"/>
+                </a:spcBef>
+                <a:buClrTx/>
+                <a:buSzTx/>
+                <a:buFontTx/>
+                <a:buNone/>
               </a:pPr>
-              <a:t>32</a:t>
+              <a:t>38</a:t>
             </a:fld>
-            <a:endParaRPr lang="zh-CN" altLang="en-US"/>
+            <a:endParaRPr lang="zh-CN" altLang="en-US" sz="1200">
+              <a:solidFill>
+                <a:srgbClr val="B4B1A0"/>
+              </a:solidFill>
+            </a:endParaRPr>
           </a:p>
         </p:txBody>
       </p:sp>
     </p:spTree>
     <p:extLst>
       <p:ext uri="{BB962C8B-B14F-4D97-AF65-F5344CB8AC3E}">
-        <p14:creationId xmlns:p14="http://schemas.microsoft.com/office/powerpoint/2010/main" val="132492703"/>
+        <p14:creationId xmlns:p14="http://schemas.microsoft.com/office/powerpoint/2010/main" val="1251669930"/>
       </p:ext>
     </p:extLst>
   </p:cSld>
   <p:clrMapOvr>
     <a:masterClrMapping/>
   </p:clrMapOvr>
+  <p:timing>
+    <p:tnLst>
+      <p:par>
+        <p:cTn id="1" dur="indefinite" restart="never" nodeType="tmRoot"/>
+      </p:par>
+    </p:tnLst>
+  </p:timing>
+</p:sld>
+</file>
+
+<file path=ppt/slides/slide39.xml><?xml version="1.0" encoding="utf-8"?>
+<p:sld xmlns:a="http://schemas.openxmlformats.org/drawingml/2006/main" xmlns:r="http://schemas.openxmlformats.org/officeDocument/2006/relationships" xmlns:p="http://schemas.openxmlformats.org/presentationml/2006/main">
+  <p:cSld>
+    <p:spTree>
+      <p:nvGrpSpPr>
+        <p:cNvPr id="1" name=""/>
+        <p:cNvGrpSpPr/>
+        <p:nvPr/>
+      </p:nvGrpSpPr>
+      <p:grpSpPr>
+        <a:xfrm>
+          <a:off x="0" y="0"/>
+          <a:ext cx="0" cy="0"/>
+          <a:chOff x="0" y="0"/>
+          <a:chExt cx="0" cy="0"/>
+        </a:xfrm>
+      </p:grpSpPr>
+      <p:sp>
+        <p:nvSpPr>
+          <p:cNvPr id="2" name="Title 1"/>
+          <p:cNvSpPr>
+            <a:spLocks noGrp="1"/>
+          </p:cNvSpPr>
+          <p:nvPr>
+            <p:ph type="title"/>
+          </p:nvPr>
+        </p:nvSpPr>
+        <p:spPr/>
+        <p:txBody>
+          <a:bodyPr/>
+          <a:lstStyle/>
+          <a:p>
+            <a:pPr>
+              <a:defRPr/>
+            </a:pPr>
+            <a:endParaRPr lang="zh-CN" altLang="en-US"/>
+          </a:p>
+        </p:txBody>
+      </p:sp>
+      <p:sp>
+        <p:nvSpPr>
+          <p:cNvPr id="58370" name="Content Placeholder 2"/>
+          <p:cNvSpPr>
+            <a:spLocks noGrp="1"/>
+          </p:cNvSpPr>
+          <p:nvPr>
+            <p:ph idx="1"/>
+          </p:nvPr>
+        </p:nvSpPr>
+        <p:spPr/>
+        <p:txBody>
+          <a:bodyPr/>
+          <a:lstStyle/>
+          <a:p>
+            <a:r>
+              <a:rPr lang="en-US" altLang="zh-CN" sz="2400"/>
+              <a:t>Chapter 5 Distributed DB Design</a:t>
+            </a:r>
+          </a:p>
+          <a:p>
+            <a:pPr lvl="1"/>
+            <a:r>
+              <a:rPr lang="en-US" altLang="zh-CN" sz="2000"/>
+              <a:t>DDB design = Data fragmentation</a:t>
+            </a:r>
+            <a:endParaRPr lang="zh-CN" altLang="en-US" sz="2000"/>
+          </a:p>
+          <a:p>
+            <a:pPr lvl="1"/>
+            <a:r>
+              <a:rPr lang="en-US" altLang="zh-CN" sz="2000"/>
+              <a:t>Why</a:t>
+            </a:r>
+            <a:endParaRPr lang="zh-CN" altLang="en-US" sz="2000"/>
+          </a:p>
+          <a:p>
+            <a:pPr lvl="1"/>
+            <a:r>
+              <a:rPr lang="en-US" altLang="zh-CN" sz="2000"/>
+              <a:t>How</a:t>
+            </a:r>
+            <a:endParaRPr lang="zh-CN" altLang="en-US" sz="2000"/>
+          </a:p>
+          <a:p>
+            <a:pPr lvl="1"/>
+            <a:r>
+              <a:rPr lang="en-US" altLang="zh-CN" sz="2000"/>
+              <a:t>Correctness of fragmentation</a:t>
+            </a:r>
+            <a:endParaRPr lang="zh-CN" altLang="en-US" sz="2000"/>
+          </a:p>
+          <a:p>
+            <a:r>
+              <a:rPr lang="en-US" altLang="zh-CN" sz="2400"/>
+              <a:t>Chapter 7 Overview of Query Processing</a:t>
+            </a:r>
+            <a:endParaRPr lang="zh-CN" altLang="en-US" sz="2400"/>
+          </a:p>
+          <a:p>
+            <a:pPr lvl="1"/>
+            <a:r>
+              <a:rPr lang="en-US" altLang="zh-CN" sz="2000"/>
+              <a:t>Problem</a:t>
+            </a:r>
+            <a:endParaRPr lang="zh-CN" altLang="en-US" sz="2000"/>
+          </a:p>
+          <a:p>
+            <a:pPr lvl="1"/>
+            <a:r>
+              <a:rPr lang="en-US" altLang="zh-CN" sz="2000"/>
+              <a:t>Objective</a:t>
+            </a:r>
+            <a:endParaRPr lang="zh-CN" altLang="en-US" sz="2000"/>
+          </a:p>
+          <a:p>
+            <a:pPr lvl="1"/>
+            <a:r>
+              <a:rPr lang="en-US" altLang="zh-CN" sz="2000"/>
+              <a:t>Complexity, characterization</a:t>
+            </a:r>
+            <a:endParaRPr lang="zh-CN" altLang="en-US" sz="2000"/>
+          </a:p>
+          <a:p>
+            <a:pPr lvl="1"/>
+            <a:r>
+              <a:rPr lang="en-US" altLang="zh-CN" sz="2000"/>
+              <a:t>Layers of query processing</a:t>
+            </a:r>
+            <a:endParaRPr lang="zh-CN" altLang="en-US" sz="2000"/>
+          </a:p>
+          <a:p>
+            <a:endParaRPr lang="zh-CN" altLang="en-US"/>
+          </a:p>
+        </p:txBody>
+      </p:sp>
+      <p:sp>
+        <p:nvSpPr>
+          <p:cNvPr id="4" name="Footer Placeholder 3"/>
+          <p:cNvSpPr>
+            <a:spLocks noGrp="1"/>
+          </p:cNvSpPr>
+          <p:nvPr>
+            <p:ph type="ftr" sz="quarter" idx="11"/>
+          </p:nvPr>
+        </p:nvSpPr>
+        <p:spPr/>
+        <p:txBody>
+          <a:bodyPr/>
+          <a:lstStyle/>
+          <a:p>
+            <a:pPr>
+              <a:defRPr/>
+            </a:pPr>
+            <a:r>
+              <a:rPr lang="en-US" altLang="zh-CN" smtClean="0"/>
+              <a:t>Distributed Database Systems</a:t>
+            </a:r>
+            <a:endParaRPr lang="zh-CN" altLang="en-US"/>
+          </a:p>
+        </p:txBody>
+      </p:sp>
+      <p:sp>
+        <p:nvSpPr>
+          <p:cNvPr id="58372" name="Slide Number Placeholder 4"/>
+          <p:cNvSpPr>
+            <a:spLocks noGrp="1"/>
+          </p:cNvSpPr>
+          <p:nvPr>
+            <p:ph type="sldNum" sz="quarter" idx="12"/>
+          </p:nvPr>
+        </p:nvSpPr>
+        <p:spPr bwMode="auto">
+          <a:noFill/>
+          <a:extLst>
+            <a:ext uri="{909E8E84-426E-40DD-AFC4-6F175D3DCCD1}">
+              <a14:hiddenFill xmlns:a14="http://schemas.microsoft.com/office/drawing/2010/main">
+                <a:solidFill>
+                  <a:srgbClr val="FFFFFF"/>
+                </a:solidFill>
+              </a14:hiddenFill>
+            </a:ext>
+            <a:ext uri="{91240B29-F687-4F45-9708-019B960494DF}">
+              <a14:hiddenLine xmlns:a14="http://schemas.microsoft.com/office/drawing/2010/main" w="9525">
+                <a:solidFill>
+                  <a:srgbClr val="000000"/>
+                </a:solidFill>
+                <a:miter lim="800000"/>
+                <a:headEnd/>
+                <a:tailEnd/>
+              </a14:hiddenLine>
+            </a:ext>
+          </a:extLst>
+        </p:spPr>
+        <p:txBody>
+          <a:bodyPr/>
+          <a:lstStyle>
+            <a:lvl1pPr>
+              <a:spcBef>
+                <a:spcPts val="600"/>
+              </a:spcBef>
+              <a:buClr>
+                <a:schemeClr val="accent1"/>
+              </a:buClr>
+              <a:buSzPct val="80000"/>
+              <a:buFont typeface="Wingdings 2" charset="2"/>
+              <a:buChar char=""/>
+              <a:defRPr sz="3200">
+                <a:solidFill>
+                  <a:schemeClr val="tx1"/>
+                </a:solidFill>
+                <a:latin typeface="Gill Sans MT" charset="0"/>
+                <a:ea typeface="华文中宋" charset="-122"/>
+              </a:defRPr>
+            </a:lvl1pPr>
+            <a:lvl2pPr marL="742950" indent="-285750">
+              <a:spcBef>
+                <a:spcPts val="550"/>
+              </a:spcBef>
+              <a:buClr>
+                <a:schemeClr val="accent1"/>
+              </a:buClr>
+              <a:buFont typeface="Verdana" charset="0"/>
+              <a:buChar char="◦"/>
+              <a:defRPr sz="2800">
+                <a:solidFill>
+                  <a:schemeClr val="tx1"/>
+                </a:solidFill>
+                <a:latin typeface="Gill Sans MT" charset="0"/>
+                <a:ea typeface="华文中宋" charset="-122"/>
+              </a:defRPr>
+            </a:lvl2pPr>
+            <a:lvl3pPr marL="1143000" indent="-228600">
+              <a:spcBef>
+                <a:spcPct val="20000"/>
+              </a:spcBef>
+              <a:buClr>
+                <a:schemeClr val="accent2"/>
+              </a:buClr>
+              <a:buFont typeface="Wingdings 2" charset="2"/>
+              <a:buChar char=""/>
+              <a:defRPr sz="2400">
+                <a:solidFill>
+                  <a:schemeClr val="tx1"/>
+                </a:solidFill>
+                <a:latin typeface="Gill Sans MT" charset="0"/>
+                <a:ea typeface="华文中宋" charset="-122"/>
+              </a:defRPr>
+            </a:lvl3pPr>
+            <a:lvl4pPr marL="1600200" indent="-228600">
+              <a:spcBef>
+                <a:spcPct val="20000"/>
+              </a:spcBef>
+              <a:buClr>
+                <a:srgbClr val="9BBB59"/>
+              </a:buClr>
+              <a:buFont typeface="Wingdings 2" charset="2"/>
+              <a:buChar char=""/>
+              <a:defRPr sz="2000">
+                <a:solidFill>
+                  <a:schemeClr val="tx1"/>
+                </a:solidFill>
+                <a:latin typeface="Gill Sans MT" charset="0"/>
+                <a:ea typeface="华文中宋" charset="-122"/>
+              </a:defRPr>
+            </a:lvl4pPr>
+            <a:lvl5pPr marL="2057400" indent="-228600">
+              <a:spcBef>
+                <a:spcPct val="20000"/>
+              </a:spcBef>
+              <a:buClr>
+                <a:srgbClr val="8064A2"/>
+              </a:buClr>
+              <a:buFont typeface="Wingdings 2" charset="2"/>
+              <a:buChar char=""/>
+              <a:defRPr sz="2000">
+                <a:solidFill>
+                  <a:schemeClr val="tx1"/>
+                </a:solidFill>
+                <a:latin typeface="Gill Sans MT" charset="0"/>
+                <a:ea typeface="华文中宋" charset="-122"/>
+              </a:defRPr>
+            </a:lvl5pPr>
+            <a:lvl6pPr marL="2514600" indent="-228600" eaLnBrk="0" fontAlgn="base" hangingPunct="0">
+              <a:spcBef>
+                <a:spcPct val="20000"/>
+              </a:spcBef>
+              <a:spcAft>
+                <a:spcPct val="0"/>
+              </a:spcAft>
+              <a:buClr>
+                <a:srgbClr val="8064A2"/>
+              </a:buClr>
+              <a:buFont typeface="Wingdings 2" charset="2"/>
+              <a:buChar char=""/>
+              <a:defRPr sz="2000">
+                <a:solidFill>
+                  <a:schemeClr val="tx1"/>
+                </a:solidFill>
+                <a:latin typeface="Gill Sans MT" charset="0"/>
+                <a:ea typeface="华文中宋" charset="-122"/>
+              </a:defRPr>
+            </a:lvl6pPr>
+            <a:lvl7pPr marL="2971800" indent="-228600" eaLnBrk="0" fontAlgn="base" hangingPunct="0">
+              <a:spcBef>
+                <a:spcPct val="20000"/>
+              </a:spcBef>
+              <a:spcAft>
+                <a:spcPct val="0"/>
+              </a:spcAft>
+              <a:buClr>
+                <a:srgbClr val="8064A2"/>
+              </a:buClr>
+              <a:buFont typeface="Wingdings 2" charset="2"/>
+              <a:buChar char=""/>
+              <a:defRPr sz="2000">
+                <a:solidFill>
+                  <a:schemeClr val="tx1"/>
+                </a:solidFill>
+                <a:latin typeface="Gill Sans MT" charset="0"/>
+                <a:ea typeface="华文中宋" charset="-122"/>
+              </a:defRPr>
+            </a:lvl7pPr>
+            <a:lvl8pPr marL="3429000" indent="-228600" eaLnBrk="0" fontAlgn="base" hangingPunct="0">
+              <a:spcBef>
+                <a:spcPct val="20000"/>
+              </a:spcBef>
+              <a:spcAft>
+                <a:spcPct val="0"/>
+              </a:spcAft>
+              <a:buClr>
+                <a:srgbClr val="8064A2"/>
+              </a:buClr>
+              <a:buFont typeface="Wingdings 2" charset="2"/>
+              <a:buChar char=""/>
+              <a:defRPr sz="2000">
+                <a:solidFill>
+                  <a:schemeClr val="tx1"/>
+                </a:solidFill>
+                <a:latin typeface="Gill Sans MT" charset="0"/>
+                <a:ea typeface="华文中宋" charset="-122"/>
+              </a:defRPr>
+            </a:lvl8pPr>
+            <a:lvl9pPr marL="3886200" indent="-228600" eaLnBrk="0" fontAlgn="base" hangingPunct="0">
+              <a:spcBef>
+                <a:spcPct val="20000"/>
+              </a:spcBef>
+              <a:spcAft>
+                <a:spcPct val="0"/>
+              </a:spcAft>
+              <a:buClr>
+                <a:srgbClr val="8064A2"/>
+              </a:buClr>
+              <a:buFont typeface="Wingdings 2" charset="2"/>
+              <a:buChar char=""/>
+              <a:defRPr sz="2000">
+                <a:solidFill>
+                  <a:schemeClr val="tx1"/>
+                </a:solidFill>
+                <a:latin typeface="Gill Sans MT" charset="0"/>
+                <a:ea typeface="华文中宋" charset="-122"/>
+              </a:defRPr>
+            </a:lvl9pPr>
+          </a:lstStyle>
+          <a:p>
+            <a:pPr>
+              <a:spcBef>
+                <a:spcPct val="0"/>
+              </a:spcBef>
+              <a:buClrTx/>
+              <a:buSzTx/>
+              <a:buFontTx/>
+              <a:buNone/>
+            </a:pPr>
+            <a:fld id="{F1EDC8BF-630E-7649-9FA1-0E2859FFEE69}" type="slidenum">
+              <a:rPr lang="zh-CN" altLang="en-US" sz="1200">
+                <a:solidFill>
+                  <a:srgbClr val="B4B1A0"/>
+                </a:solidFill>
+              </a:rPr>
+              <a:pPr>
+                <a:spcBef>
+                  <a:spcPct val="0"/>
+                </a:spcBef>
+                <a:buClrTx/>
+                <a:buSzTx/>
+                <a:buFontTx/>
+                <a:buNone/>
+              </a:pPr>
+              <a:t>39</a:t>
+            </a:fld>
+            <a:endParaRPr lang="zh-CN" altLang="en-US" sz="1200">
+              <a:solidFill>
+                <a:srgbClr val="B4B1A0"/>
+              </a:solidFill>
+            </a:endParaRPr>
+          </a:p>
+        </p:txBody>
+      </p:sp>
+    </p:spTree>
+    <p:extLst>
+      <p:ext uri="{BB962C8B-B14F-4D97-AF65-F5344CB8AC3E}">
+        <p14:creationId xmlns:p14="http://schemas.microsoft.com/office/powerpoint/2010/main" val="66707498"/>
+      </p:ext>
+    </p:extLst>
+  </p:cSld>
+  <p:clrMapOvr>
+    <a:masterClrMapping/>
+  </p:clrMapOvr>
+  <p:timing>
+    <p:tnLst>
+      <p:par>
+        <p:cTn id="1" dur="indefinite" restart="never" nodeType="tmRoot"/>
+      </p:par>
+    </p:tnLst>
+  </p:timing>
 </p:sld>
 </file>
 
@@ -12130,6 +15043,2009 @@
     <p:extLst>
       <p:ext uri="{BB962C8B-B14F-4D97-AF65-F5344CB8AC3E}">
         <p14:creationId xmlns:p14="http://schemas.microsoft.com/office/powerpoint/2010/main" val="1520439712"/>
+      </p:ext>
+    </p:extLst>
+  </p:cSld>
+  <p:clrMapOvr>
+    <a:masterClrMapping/>
+  </p:clrMapOvr>
+  <p:timing>
+    <p:tnLst>
+      <p:par>
+        <p:cTn id="1" dur="indefinite" restart="never" nodeType="tmRoot"/>
+      </p:par>
+    </p:tnLst>
+  </p:timing>
+</p:sld>
+</file>
+
+<file path=ppt/slides/slide40.xml><?xml version="1.0" encoding="utf-8"?>
+<p:sld xmlns:a="http://schemas.openxmlformats.org/drawingml/2006/main" xmlns:r="http://schemas.openxmlformats.org/officeDocument/2006/relationships" xmlns:p="http://schemas.openxmlformats.org/presentationml/2006/main">
+  <p:cSld>
+    <p:spTree>
+      <p:nvGrpSpPr>
+        <p:cNvPr id="1" name=""/>
+        <p:cNvGrpSpPr/>
+        <p:nvPr/>
+      </p:nvGrpSpPr>
+      <p:grpSpPr>
+        <a:xfrm>
+          <a:off x="0" y="0"/>
+          <a:ext cx="0" cy="0"/>
+          <a:chOff x="0" y="0"/>
+          <a:chExt cx="0" cy="0"/>
+        </a:xfrm>
+      </p:grpSpPr>
+      <p:sp>
+        <p:nvSpPr>
+          <p:cNvPr id="2" name="Title 1"/>
+          <p:cNvSpPr>
+            <a:spLocks noGrp="1"/>
+          </p:cNvSpPr>
+          <p:nvPr>
+            <p:ph type="title"/>
+          </p:nvPr>
+        </p:nvSpPr>
+        <p:spPr/>
+        <p:txBody>
+          <a:bodyPr/>
+          <a:lstStyle/>
+          <a:p>
+            <a:pPr>
+              <a:defRPr/>
+            </a:pPr>
+            <a:endParaRPr lang="zh-CN" altLang="en-US"/>
+          </a:p>
+        </p:txBody>
+      </p:sp>
+      <p:sp>
+        <p:nvSpPr>
+          <p:cNvPr id="59394" name="Content Placeholder 2"/>
+          <p:cNvSpPr>
+            <a:spLocks noGrp="1"/>
+          </p:cNvSpPr>
+          <p:nvPr>
+            <p:ph idx="1"/>
+          </p:nvPr>
+        </p:nvSpPr>
+        <p:spPr/>
+        <p:txBody>
+          <a:bodyPr/>
+          <a:lstStyle/>
+          <a:p>
+            <a:r>
+              <a:rPr lang="en-US" altLang="zh-CN" sz="2400"/>
+              <a:t>Chapter 8 Optimization of Distributed Queries</a:t>
+            </a:r>
+            <a:endParaRPr lang="zh-CN" altLang="en-US" sz="2400"/>
+          </a:p>
+          <a:p>
+            <a:pPr lvl="1"/>
+            <a:r>
+              <a:rPr lang="en-US" altLang="zh-CN" sz="2000"/>
+              <a:t>Cost model </a:t>
+            </a:r>
+            <a:endParaRPr lang="zh-CN" altLang="en-US" sz="2000"/>
+          </a:p>
+          <a:p>
+            <a:pPr lvl="1"/>
+            <a:r>
+              <a:rPr lang="en-US" altLang="zh-CN" sz="2000"/>
+              <a:t>Centralized query optimization</a:t>
+            </a:r>
+            <a:endParaRPr lang="zh-CN" altLang="en-US" sz="2000"/>
+          </a:p>
+          <a:p>
+            <a:pPr lvl="2"/>
+            <a:r>
+              <a:rPr lang="en-US" altLang="zh-CN" sz="1600"/>
+              <a:t>INGRES</a:t>
+            </a:r>
+            <a:endParaRPr lang="zh-CN" altLang="en-US" sz="1600"/>
+          </a:p>
+          <a:p>
+            <a:pPr lvl="2"/>
+            <a:r>
+              <a:rPr lang="en-US" altLang="zh-CN" sz="1600"/>
+              <a:t>System R</a:t>
+            </a:r>
+            <a:endParaRPr lang="zh-CN" altLang="en-US" sz="1600"/>
+          </a:p>
+          <a:p>
+            <a:pPr lvl="1"/>
+            <a:r>
+              <a:rPr lang="en-US" altLang="zh-CN" sz="2000"/>
+              <a:t>Distributed query optimization</a:t>
+            </a:r>
+            <a:endParaRPr lang="zh-CN" altLang="en-US" sz="2000"/>
+          </a:p>
+          <a:p>
+            <a:pPr lvl="2"/>
+            <a:r>
+              <a:rPr lang="en-US" altLang="zh-CN" sz="1600"/>
+              <a:t>INGRES</a:t>
+            </a:r>
+            <a:endParaRPr lang="zh-CN" altLang="en-US" sz="1600"/>
+          </a:p>
+          <a:p>
+            <a:pPr lvl="2"/>
+            <a:r>
+              <a:rPr lang="en-US" altLang="zh-CN" sz="1600"/>
+              <a:t>System R*</a:t>
+            </a:r>
+            <a:endParaRPr lang="zh-CN" altLang="en-US" sz="1600"/>
+          </a:p>
+          <a:p>
+            <a:r>
+              <a:rPr lang="en-US" altLang="zh-CN" sz="2400"/>
+              <a:t>Chapter 10 Introduction to Transaction Management</a:t>
+            </a:r>
+            <a:endParaRPr lang="zh-CN" altLang="en-US"/>
+          </a:p>
+          <a:p>
+            <a:pPr lvl="1"/>
+            <a:r>
+              <a:rPr lang="en-US" altLang="zh-CN" sz="2000"/>
+              <a:t>Properties of transactions: ACID</a:t>
+            </a:r>
+            <a:endParaRPr lang="zh-CN" altLang="en-US" sz="2000"/>
+          </a:p>
+          <a:p>
+            <a:pPr lvl="1"/>
+            <a:r>
+              <a:rPr lang="en-US" altLang="zh-CN" sz="2000"/>
+              <a:t>Formalization – partial order, or DAG</a:t>
+            </a:r>
+            <a:endParaRPr lang="zh-CN" altLang="en-US" sz="2000"/>
+          </a:p>
+          <a:p>
+            <a:pPr lvl="1"/>
+            <a:r>
+              <a:rPr lang="en-US" altLang="zh-CN" sz="2000"/>
+              <a:t>Termination of transactions</a:t>
+            </a:r>
+            <a:endParaRPr lang="zh-CN" altLang="en-US" sz="2000"/>
+          </a:p>
+          <a:p>
+            <a:endParaRPr lang="zh-CN" altLang="en-US"/>
+          </a:p>
+        </p:txBody>
+      </p:sp>
+      <p:sp>
+        <p:nvSpPr>
+          <p:cNvPr id="4" name="Footer Placeholder 3"/>
+          <p:cNvSpPr>
+            <a:spLocks noGrp="1"/>
+          </p:cNvSpPr>
+          <p:nvPr>
+            <p:ph type="ftr" sz="quarter" idx="11"/>
+          </p:nvPr>
+        </p:nvSpPr>
+        <p:spPr/>
+        <p:txBody>
+          <a:bodyPr/>
+          <a:lstStyle/>
+          <a:p>
+            <a:pPr>
+              <a:defRPr/>
+            </a:pPr>
+            <a:r>
+              <a:rPr lang="en-US" altLang="zh-CN" smtClean="0"/>
+              <a:t>Distributed Database Systems</a:t>
+            </a:r>
+            <a:endParaRPr lang="zh-CN" altLang="en-US"/>
+          </a:p>
+        </p:txBody>
+      </p:sp>
+      <p:sp>
+        <p:nvSpPr>
+          <p:cNvPr id="59396" name="Slide Number Placeholder 4"/>
+          <p:cNvSpPr>
+            <a:spLocks noGrp="1"/>
+          </p:cNvSpPr>
+          <p:nvPr>
+            <p:ph type="sldNum" sz="quarter" idx="12"/>
+          </p:nvPr>
+        </p:nvSpPr>
+        <p:spPr bwMode="auto">
+          <a:noFill/>
+          <a:extLst>
+            <a:ext uri="{909E8E84-426E-40DD-AFC4-6F175D3DCCD1}">
+              <a14:hiddenFill xmlns:a14="http://schemas.microsoft.com/office/drawing/2010/main">
+                <a:solidFill>
+                  <a:srgbClr val="FFFFFF"/>
+                </a:solidFill>
+              </a14:hiddenFill>
+            </a:ext>
+            <a:ext uri="{91240B29-F687-4F45-9708-019B960494DF}">
+              <a14:hiddenLine xmlns:a14="http://schemas.microsoft.com/office/drawing/2010/main" w="9525">
+                <a:solidFill>
+                  <a:srgbClr val="000000"/>
+                </a:solidFill>
+                <a:miter lim="800000"/>
+                <a:headEnd/>
+                <a:tailEnd/>
+              </a14:hiddenLine>
+            </a:ext>
+          </a:extLst>
+        </p:spPr>
+        <p:txBody>
+          <a:bodyPr/>
+          <a:lstStyle>
+            <a:lvl1pPr>
+              <a:spcBef>
+                <a:spcPts val="600"/>
+              </a:spcBef>
+              <a:buClr>
+                <a:schemeClr val="accent1"/>
+              </a:buClr>
+              <a:buSzPct val="80000"/>
+              <a:buFont typeface="Wingdings 2" charset="2"/>
+              <a:buChar char=""/>
+              <a:defRPr sz="3200">
+                <a:solidFill>
+                  <a:schemeClr val="tx1"/>
+                </a:solidFill>
+                <a:latin typeface="Gill Sans MT" charset="0"/>
+                <a:ea typeface="华文中宋" charset="-122"/>
+              </a:defRPr>
+            </a:lvl1pPr>
+            <a:lvl2pPr marL="742950" indent="-285750">
+              <a:spcBef>
+                <a:spcPts val="550"/>
+              </a:spcBef>
+              <a:buClr>
+                <a:schemeClr val="accent1"/>
+              </a:buClr>
+              <a:buFont typeface="Verdana" charset="0"/>
+              <a:buChar char="◦"/>
+              <a:defRPr sz="2800">
+                <a:solidFill>
+                  <a:schemeClr val="tx1"/>
+                </a:solidFill>
+                <a:latin typeface="Gill Sans MT" charset="0"/>
+                <a:ea typeface="华文中宋" charset="-122"/>
+              </a:defRPr>
+            </a:lvl2pPr>
+            <a:lvl3pPr marL="1143000" indent="-228600">
+              <a:spcBef>
+                <a:spcPct val="20000"/>
+              </a:spcBef>
+              <a:buClr>
+                <a:schemeClr val="accent2"/>
+              </a:buClr>
+              <a:buFont typeface="Wingdings 2" charset="2"/>
+              <a:buChar char=""/>
+              <a:defRPr sz="2400">
+                <a:solidFill>
+                  <a:schemeClr val="tx1"/>
+                </a:solidFill>
+                <a:latin typeface="Gill Sans MT" charset="0"/>
+                <a:ea typeface="华文中宋" charset="-122"/>
+              </a:defRPr>
+            </a:lvl3pPr>
+            <a:lvl4pPr marL="1600200" indent="-228600">
+              <a:spcBef>
+                <a:spcPct val="20000"/>
+              </a:spcBef>
+              <a:buClr>
+                <a:srgbClr val="9BBB59"/>
+              </a:buClr>
+              <a:buFont typeface="Wingdings 2" charset="2"/>
+              <a:buChar char=""/>
+              <a:defRPr sz="2000">
+                <a:solidFill>
+                  <a:schemeClr val="tx1"/>
+                </a:solidFill>
+                <a:latin typeface="Gill Sans MT" charset="0"/>
+                <a:ea typeface="华文中宋" charset="-122"/>
+              </a:defRPr>
+            </a:lvl4pPr>
+            <a:lvl5pPr marL="2057400" indent="-228600">
+              <a:spcBef>
+                <a:spcPct val="20000"/>
+              </a:spcBef>
+              <a:buClr>
+                <a:srgbClr val="8064A2"/>
+              </a:buClr>
+              <a:buFont typeface="Wingdings 2" charset="2"/>
+              <a:buChar char=""/>
+              <a:defRPr sz="2000">
+                <a:solidFill>
+                  <a:schemeClr val="tx1"/>
+                </a:solidFill>
+                <a:latin typeface="Gill Sans MT" charset="0"/>
+                <a:ea typeface="华文中宋" charset="-122"/>
+              </a:defRPr>
+            </a:lvl5pPr>
+            <a:lvl6pPr marL="2514600" indent="-228600" eaLnBrk="0" fontAlgn="base" hangingPunct="0">
+              <a:spcBef>
+                <a:spcPct val="20000"/>
+              </a:spcBef>
+              <a:spcAft>
+                <a:spcPct val="0"/>
+              </a:spcAft>
+              <a:buClr>
+                <a:srgbClr val="8064A2"/>
+              </a:buClr>
+              <a:buFont typeface="Wingdings 2" charset="2"/>
+              <a:buChar char=""/>
+              <a:defRPr sz="2000">
+                <a:solidFill>
+                  <a:schemeClr val="tx1"/>
+                </a:solidFill>
+                <a:latin typeface="Gill Sans MT" charset="0"/>
+                <a:ea typeface="华文中宋" charset="-122"/>
+              </a:defRPr>
+            </a:lvl6pPr>
+            <a:lvl7pPr marL="2971800" indent="-228600" eaLnBrk="0" fontAlgn="base" hangingPunct="0">
+              <a:spcBef>
+                <a:spcPct val="20000"/>
+              </a:spcBef>
+              <a:spcAft>
+                <a:spcPct val="0"/>
+              </a:spcAft>
+              <a:buClr>
+                <a:srgbClr val="8064A2"/>
+              </a:buClr>
+              <a:buFont typeface="Wingdings 2" charset="2"/>
+              <a:buChar char=""/>
+              <a:defRPr sz="2000">
+                <a:solidFill>
+                  <a:schemeClr val="tx1"/>
+                </a:solidFill>
+                <a:latin typeface="Gill Sans MT" charset="0"/>
+                <a:ea typeface="华文中宋" charset="-122"/>
+              </a:defRPr>
+            </a:lvl7pPr>
+            <a:lvl8pPr marL="3429000" indent="-228600" eaLnBrk="0" fontAlgn="base" hangingPunct="0">
+              <a:spcBef>
+                <a:spcPct val="20000"/>
+              </a:spcBef>
+              <a:spcAft>
+                <a:spcPct val="0"/>
+              </a:spcAft>
+              <a:buClr>
+                <a:srgbClr val="8064A2"/>
+              </a:buClr>
+              <a:buFont typeface="Wingdings 2" charset="2"/>
+              <a:buChar char=""/>
+              <a:defRPr sz="2000">
+                <a:solidFill>
+                  <a:schemeClr val="tx1"/>
+                </a:solidFill>
+                <a:latin typeface="Gill Sans MT" charset="0"/>
+                <a:ea typeface="华文中宋" charset="-122"/>
+              </a:defRPr>
+            </a:lvl8pPr>
+            <a:lvl9pPr marL="3886200" indent="-228600" eaLnBrk="0" fontAlgn="base" hangingPunct="0">
+              <a:spcBef>
+                <a:spcPct val="20000"/>
+              </a:spcBef>
+              <a:spcAft>
+                <a:spcPct val="0"/>
+              </a:spcAft>
+              <a:buClr>
+                <a:srgbClr val="8064A2"/>
+              </a:buClr>
+              <a:buFont typeface="Wingdings 2" charset="2"/>
+              <a:buChar char=""/>
+              <a:defRPr sz="2000">
+                <a:solidFill>
+                  <a:schemeClr val="tx1"/>
+                </a:solidFill>
+                <a:latin typeface="Gill Sans MT" charset="0"/>
+                <a:ea typeface="华文中宋" charset="-122"/>
+              </a:defRPr>
+            </a:lvl9pPr>
+          </a:lstStyle>
+          <a:p>
+            <a:pPr>
+              <a:spcBef>
+                <a:spcPct val="0"/>
+              </a:spcBef>
+              <a:buClrTx/>
+              <a:buSzTx/>
+              <a:buFontTx/>
+              <a:buNone/>
+            </a:pPr>
+            <a:fld id="{506FD4EE-7D95-F54B-9401-3FAF70B545BB}" type="slidenum">
+              <a:rPr lang="zh-CN" altLang="en-US" sz="1200">
+                <a:solidFill>
+                  <a:srgbClr val="B4B1A0"/>
+                </a:solidFill>
+              </a:rPr>
+              <a:pPr>
+                <a:spcBef>
+                  <a:spcPct val="0"/>
+                </a:spcBef>
+                <a:buClrTx/>
+                <a:buSzTx/>
+                <a:buFontTx/>
+                <a:buNone/>
+              </a:pPr>
+              <a:t>40</a:t>
+            </a:fld>
+            <a:endParaRPr lang="zh-CN" altLang="en-US" sz="1200">
+              <a:solidFill>
+                <a:srgbClr val="B4B1A0"/>
+              </a:solidFill>
+            </a:endParaRPr>
+          </a:p>
+        </p:txBody>
+      </p:sp>
+    </p:spTree>
+    <p:extLst>
+      <p:ext uri="{BB962C8B-B14F-4D97-AF65-F5344CB8AC3E}">
+        <p14:creationId xmlns:p14="http://schemas.microsoft.com/office/powerpoint/2010/main" val="166455152"/>
+      </p:ext>
+    </p:extLst>
+  </p:cSld>
+  <p:clrMapOvr>
+    <a:masterClrMapping/>
+  </p:clrMapOvr>
+  <p:timing>
+    <p:tnLst>
+      <p:par>
+        <p:cTn id="1" dur="indefinite" restart="never" nodeType="tmRoot"/>
+      </p:par>
+    </p:tnLst>
+  </p:timing>
+</p:sld>
+</file>
+
+<file path=ppt/slides/slide41.xml><?xml version="1.0" encoding="utf-8"?>
+<p:sld xmlns:a="http://schemas.openxmlformats.org/drawingml/2006/main" xmlns:r="http://schemas.openxmlformats.org/officeDocument/2006/relationships" xmlns:p="http://schemas.openxmlformats.org/presentationml/2006/main">
+  <p:cSld>
+    <p:spTree>
+      <p:nvGrpSpPr>
+        <p:cNvPr id="1" name=""/>
+        <p:cNvGrpSpPr/>
+        <p:nvPr/>
+      </p:nvGrpSpPr>
+      <p:grpSpPr>
+        <a:xfrm>
+          <a:off x="0" y="0"/>
+          <a:ext cx="0" cy="0"/>
+          <a:chOff x="0" y="0"/>
+          <a:chExt cx="0" cy="0"/>
+        </a:xfrm>
+      </p:grpSpPr>
+      <p:sp>
+        <p:nvSpPr>
+          <p:cNvPr id="2" name="Title 1"/>
+          <p:cNvSpPr>
+            <a:spLocks noGrp="1"/>
+          </p:cNvSpPr>
+          <p:nvPr>
+            <p:ph type="title"/>
+          </p:nvPr>
+        </p:nvSpPr>
+        <p:spPr/>
+        <p:txBody>
+          <a:bodyPr/>
+          <a:lstStyle/>
+          <a:p>
+            <a:pPr>
+              <a:defRPr/>
+            </a:pPr>
+            <a:endParaRPr lang="zh-CN" altLang="en-US"/>
+          </a:p>
+        </p:txBody>
+      </p:sp>
+      <p:sp>
+        <p:nvSpPr>
+          <p:cNvPr id="60418" name="Content Placeholder 2"/>
+          <p:cNvSpPr>
+            <a:spLocks noGrp="1"/>
+          </p:cNvSpPr>
+          <p:nvPr>
+            <p:ph idx="1"/>
+          </p:nvPr>
+        </p:nvSpPr>
+        <p:spPr/>
+        <p:txBody>
+          <a:bodyPr/>
+          <a:lstStyle/>
+          <a:p>
+            <a:r>
+              <a:rPr lang="en-US" altLang="zh-CN" sz="2400"/>
+              <a:t>Chapter 11 Distributed Concurrency Control</a:t>
+            </a:r>
+            <a:endParaRPr lang="zh-CN" altLang="en-US" sz="2400"/>
+          </a:p>
+          <a:p>
+            <a:pPr lvl="1"/>
+            <a:r>
+              <a:rPr lang="en-US" altLang="zh-CN" sz="2000"/>
+              <a:t>Serializability theory</a:t>
+            </a:r>
+            <a:endParaRPr lang="zh-CN" altLang="en-US" sz="2000"/>
+          </a:p>
+          <a:p>
+            <a:pPr lvl="1"/>
+            <a:r>
+              <a:rPr lang="en-US" altLang="zh-CN" sz="2000"/>
+              <a:t>Locking-based algorithms</a:t>
+            </a:r>
+            <a:endParaRPr lang="zh-CN" altLang="en-US" sz="2000"/>
+          </a:p>
+          <a:p>
+            <a:pPr lvl="2"/>
+            <a:r>
+              <a:rPr lang="en-US" altLang="zh-CN" sz="1600"/>
+              <a:t>Basic</a:t>
+            </a:r>
+            <a:endParaRPr lang="zh-CN" altLang="en-US" sz="1600"/>
+          </a:p>
+          <a:p>
+            <a:pPr lvl="2"/>
+            <a:r>
+              <a:rPr lang="en-US" altLang="zh-CN" sz="1600"/>
+              <a:t>2PL</a:t>
+            </a:r>
+            <a:endParaRPr lang="zh-CN" altLang="en-US" sz="1600"/>
+          </a:p>
+          <a:p>
+            <a:pPr lvl="2"/>
+            <a:r>
+              <a:rPr lang="en-US" altLang="zh-CN" sz="1600"/>
+              <a:t>Strict 2PL</a:t>
+            </a:r>
+            <a:endParaRPr lang="zh-CN" altLang="en-US" sz="1600"/>
+          </a:p>
+          <a:p>
+            <a:pPr lvl="1"/>
+            <a:r>
+              <a:rPr lang="en-US" altLang="zh-CN" sz="2000"/>
+              <a:t>Timestamp-based algorithms</a:t>
+            </a:r>
+            <a:endParaRPr lang="zh-CN" altLang="en-US" sz="2000"/>
+          </a:p>
+          <a:p>
+            <a:pPr lvl="2"/>
+            <a:r>
+              <a:rPr lang="en-US" altLang="zh-CN" sz="1600"/>
+              <a:t>Basic</a:t>
+            </a:r>
+            <a:endParaRPr lang="zh-CN" altLang="en-US" sz="1600"/>
+          </a:p>
+          <a:p>
+            <a:pPr lvl="2"/>
+            <a:r>
+              <a:rPr lang="en-US" altLang="zh-CN" sz="1600"/>
+              <a:t>Conservative</a:t>
+            </a:r>
+            <a:endParaRPr lang="zh-CN" altLang="en-US" sz="1600"/>
+          </a:p>
+          <a:p>
+            <a:pPr lvl="2"/>
+            <a:r>
+              <a:rPr lang="en-US" altLang="zh-CN" sz="1600"/>
+              <a:t>Extremely conservative</a:t>
+            </a:r>
+            <a:endParaRPr lang="zh-CN" altLang="en-US" sz="1600"/>
+          </a:p>
+          <a:p>
+            <a:pPr lvl="1"/>
+            <a:r>
+              <a:rPr lang="en-US" altLang="zh-CN" sz="2000"/>
+              <a:t>Optimistic versus pessimistic</a:t>
+            </a:r>
+            <a:endParaRPr lang="zh-CN" altLang="en-US" sz="2000"/>
+          </a:p>
+          <a:p>
+            <a:endParaRPr lang="zh-CN" altLang="en-US"/>
+          </a:p>
+        </p:txBody>
+      </p:sp>
+      <p:sp>
+        <p:nvSpPr>
+          <p:cNvPr id="4" name="Footer Placeholder 3"/>
+          <p:cNvSpPr>
+            <a:spLocks noGrp="1"/>
+          </p:cNvSpPr>
+          <p:nvPr>
+            <p:ph type="ftr" sz="quarter" idx="11"/>
+          </p:nvPr>
+        </p:nvSpPr>
+        <p:spPr/>
+        <p:txBody>
+          <a:bodyPr/>
+          <a:lstStyle/>
+          <a:p>
+            <a:pPr>
+              <a:defRPr/>
+            </a:pPr>
+            <a:r>
+              <a:rPr lang="en-US" altLang="zh-CN" smtClean="0"/>
+              <a:t>Distributed Database Systems</a:t>
+            </a:r>
+            <a:endParaRPr lang="zh-CN" altLang="en-US"/>
+          </a:p>
+        </p:txBody>
+      </p:sp>
+      <p:sp>
+        <p:nvSpPr>
+          <p:cNvPr id="60420" name="Slide Number Placeholder 4"/>
+          <p:cNvSpPr>
+            <a:spLocks noGrp="1"/>
+          </p:cNvSpPr>
+          <p:nvPr>
+            <p:ph type="sldNum" sz="quarter" idx="12"/>
+          </p:nvPr>
+        </p:nvSpPr>
+        <p:spPr bwMode="auto">
+          <a:noFill/>
+          <a:extLst>
+            <a:ext uri="{909E8E84-426E-40DD-AFC4-6F175D3DCCD1}">
+              <a14:hiddenFill xmlns:a14="http://schemas.microsoft.com/office/drawing/2010/main">
+                <a:solidFill>
+                  <a:srgbClr val="FFFFFF"/>
+                </a:solidFill>
+              </a14:hiddenFill>
+            </a:ext>
+            <a:ext uri="{91240B29-F687-4F45-9708-019B960494DF}">
+              <a14:hiddenLine xmlns:a14="http://schemas.microsoft.com/office/drawing/2010/main" w="9525">
+                <a:solidFill>
+                  <a:srgbClr val="000000"/>
+                </a:solidFill>
+                <a:miter lim="800000"/>
+                <a:headEnd/>
+                <a:tailEnd/>
+              </a14:hiddenLine>
+            </a:ext>
+          </a:extLst>
+        </p:spPr>
+        <p:txBody>
+          <a:bodyPr/>
+          <a:lstStyle>
+            <a:lvl1pPr>
+              <a:spcBef>
+                <a:spcPts val="600"/>
+              </a:spcBef>
+              <a:buClr>
+                <a:schemeClr val="accent1"/>
+              </a:buClr>
+              <a:buSzPct val="80000"/>
+              <a:buFont typeface="Wingdings 2" charset="2"/>
+              <a:buChar char=""/>
+              <a:defRPr sz="3200">
+                <a:solidFill>
+                  <a:schemeClr val="tx1"/>
+                </a:solidFill>
+                <a:latin typeface="Gill Sans MT" charset="0"/>
+                <a:ea typeface="华文中宋" charset="-122"/>
+              </a:defRPr>
+            </a:lvl1pPr>
+            <a:lvl2pPr marL="742950" indent="-285750">
+              <a:spcBef>
+                <a:spcPts val="550"/>
+              </a:spcBef>
+              <a:buClr>
+                <a:schemeClr val="accent1"/>
+              </a:buClr>
+              <a:buFont typeface="Verdana" charset="0"/>
+              <a:buChar char="◦"/>
+              <a:defRPr sz="2800">
+                <a:solidFill>
+                  <a:schemeClr val="tx1"/>
+                </a:solidFill>
+                <a:latin typeface="Gill Sans MT" charset="0"/>
+                <a:ea typeface="华文中宋" charset="-122"/>
+              </a:defRPr>
+            </a:lvl2pPr>
+            <a:lvl3pPr marL="1143000" indent="-228600">
+              <a:spcBef>
+                <a:spcPct val="20000"/>
+              </a:spcBef>
+              <a:buClr>
+                <a:schemeClr val="accent2"/>
+              </a:buClr>
+              <a:buFont typeface="Wingdings 2" charset="2"/>
+              <a:buChar char=""/>
+              <a:defRPr sz="2400">
+                <a:solidFill>
+                  <a:schemeClr val="tx1"/>
+                </a:solidFill>
+                <a:latin typeface="Gill Sans MT" charset="0"/>
+                <a:ea typeface="华文中宋" charset="-122"/>
+              </a:defRPr>
+            </a:lvl3pPr>
+            <a:lvl4pPr marL="1600200" indent="-228600">
+              <a:spcBef>
+                <a:spcPct val="20000"/>
+              </a:spcBef>
+              <a:buClr>
+                <a:srgbClr val="9BBB59"/>
+              </a:buClr>
+              <a:buFont typeface="Wingdings 2" charset="2"/>
+              <a:buChar char=""/>
+              <a:defRPr sz="2000">
+                <a:solidFill>
+                  <a:schemeClr val="tx1"/>
+                </a:solidFill>
+                <a:latin typeface="Gill Sans MT" charset="0"/>
+                <a:ea typeface="华文中宋" charset="-122"/>
+              </a:defRPr>
+            </a:lvl4pPr>
+            <a:lvl5pPr marL="2057400" indent="-228600">
+              <a:spcBef>
+                <a:spcPct val="20000"/>
+              </a:spcBef>
+              <a:buClr>
+                <a:srgbClr val="8064A2"/>
+              </a:buClr>
+              <a:buFont typeface="Wingdings 2" charset="2"/>
+              <a:buChar char=""/>
+              <a:defRPr sz="2000">
+                <a:solidFill>
+                  <a:schemeClr val="tx1"/>
+                </a:solidFill>
+                <a:latin typeface="Gill Sans MT" charset="0"/>
+                <a:ea typeface="华文中宋" charset="-122"/>
+              </a:defRPr>
+            </a:lvl5pPr>
+            <a:lvl6pPr marL="2514600" indent="-228600" eaLnBrk="0" fontAlgn="base" hangingPunct="0">
+              <a:spcBef>
+                <a:spcPct val="20000"/>
+              </a:spcBef>
+              <a:spcAft>
+                <a:spcPct val="0"/>
+              </a:spcAft>
+              <a:buClr>
+                <a:srgbClr val="8064A2"/>
+              </a:buClr>
+              <a:buFont typeface="Wingdings 2" charset="2"/>
+              <a:buChar char=""/>
+              <a:defRPr sz="2000">
+                <a:solidFill>
+                  <a:schemeClr val="tx1"/>
+                </a:solidFill>
+                <a:latin typeface="Gill Sans MT" charset="0"/>
+                <a:ea typeface="华文中宋" charset="-122"/>
+              </a:defRPr>
+            </a:lvl6pPr>
+            <a:lvl7pPr marL="2971800" indent="-228600" eaLnBrk="0" fontAlgn="base" hangingPunct="0">
+              <a:spcBef>
+                <a:spcPct val="20000"/>
+              </a:spcBef>
+              <a:spcAft>
+                <a:spcPct val="0"/>
+              </a:spcAft>
+              <a:buClr>
+                <a:srgbClr val="8064A2"/>
+              </a:buClr>
+              <a:buFont typeface="Wingdings 2" charset="2"/>
+              <a:buChar char=""/>
+              <a:defRPr sz="2000">
+                <a:solidFill>
+                  <a:schemeClr val="tx1"/>
+                </a:solidFill>
+                <a:latin typeface="Gill Sans MT" charset="0"/>
+                <a:ea typeface="华文中宋" charset="-122"/>
+              </a:defRPr>
+            </a:lvl7pPr>
+            <a:lvl8pPr marL="3429000" indent="-228600" eaLnBrk="0" fontAlgn="base" hangingPunct="0">
+              <a:spcBef>
+                <a:spcPct val="20000"/>
+              </a:spcBef>
+              <a:spcAft>
+                <a:spcPct val="0"/>
+              </a:spcAft>
+              <a:buClr>
+                <a:srgbClr val="8064A2"/>
+              </a:buClr>
+              <a:buFont typeface="Wingdings 2" charset="2"/>
+              <a:buChar char=""/>
+              <a:defRPr sz="2000">
+                <a:solidFill>
+                  <a:schemeClr val="tx1"/>
+                </a:solidFill>
+                <a:latin typeface="Gill Sans MT" charset="0"/>
+                <a:ea typeface="华文中宋" charset="-122"/>
+              </a:defRPr>
+            </a:lvl8pPr>
+            <a:lvl9pPr marL="3886200" indent="-228600" eaLnBrk="0" fontAlgn="base" hangingPunct="0">
+              <a:spcBef>
+                <a:spcPct val="20000"/>
+              </a:spcBef>
+              <a:spcAft>
+                <a:spcPct val="0"/>
+              </a:spcAft>
+              <a:buClr>
+                <a:srgbClr val="8064A2"/>
+              </a:buClr>
+              <a:buFont typeface="Wingdings 2" charset="2"/>
+              <a:buChar char=""/>
+              <a:defRPr sz="2000">
+                <a:solidFill>
+                  <a:schemeClr val="tx1"/>
+                </a:solidFill>
+                <a:latin typeface="Gill Sans MT" charset="0"/>
+                <a:ea typeface="华文中宋" charset="-122"/>
+              </a:defRPr>
+            </a:lvl9pPr>
+          </a:lstStyle>
+          <a:p>
+            <a:pPr>
+              <a:spcBef>
+                <a:spcPct val="0"/>
+              </a:spcBef>
+              <a:buClrTx/>
+              <a:buSzTx/>
+              <a:buFontTx/>
+              <a:buNone/>
+            </a:pPr>
+            <a:fld id="{0DB25042-19D6-1E46-8F9F-E393D2D0599A}" type="slidenum">
+              <a:rPr lang="zh-CN" altLang="en-US" sz="1200">
+                <a:solidFill>
+                  <a:srgbClr val="B4B1A0"/>
+                </a:solidFill>
+              </a:rPr>
+              <a:pPr>
+                <a:spcBef>
+                  <a:spcPct val="0"/>
+                </a:spcBef>
+                <a:buClrTx/>
+                <a:buSzTx/>
+                <a:buFontTx/>
+                <a:buNone/>
+              </a:pPr>
+              <a:t>41</a:t>
+            </a:fld>
+            <a:endParaRPr lang="zh-CN" altLang="en-US" sz="1200">
+              <a:solidFill>
+                <a:srgbClr val="B4B1A0"/>
+              </a:solidFill>
+            </a:endParaRPr>
+          </a:p>
+        </p:txBody>
+      </p:sp>
+    </p:spTree>
+    <p:extLst>
+      <p:ext uri="{BB962C8B-B14F-4D97-AF65-F5344CB8AC3E}">
+        <p14:creationId xmlns:p14="http://schemas.microsoft.com/office/powerpoint/2010/main" val="1588031270"/>
+      </p:ext>
+    </p:extLst>
+  </p:cSld>
+  <p:clrMapOvr>
+    <a:masterClrMapping/>
+  </p:clrMapOvr>
+  <p:timing>
+    <p:tnLst>
+      <p:par>
+        <p:cTn id="1" dur="indefinite" restart="never" nodeType="tmRoot"/>
+      </p:par>
+    </p:tnLst>
+  </p:timing>
+</p:sld>
+</file>
+
+<file path=ppt/slides/slide42.xml><?xml version="1.0" encoding="utf-8"?>
+<p:sld xmlns:a="http://schemas.openxmlformats.org/drawingml/2006/main" xmlns:r="http://schemas.openxmlformats.org/officeDocument/2006/relationships" xmlns:p="http://schemas.openxmlformats.org/presentationml/2006/main">
+  <p:cSld>
+    <p:spTree>
+      <p:nvGrpSpPr>
+        <p:cNvPr id="1" name=""/>
+        <p:cNvGrpSpPr/>
+        <p:nvPr/>
+      </p:nvGrpSpPr>
+      <p:grpSpPr>
+        <a:xfrm>
+          <a:off x="0" y="0"/>
+          <a:ext cx="0" cy="0"/>
+          <a:chOff x="0" y="0"/>
+          <a:chExt cx="0" cy="0"/>
+        </a:xfrm>
+      </p:grpSpPr>
+      <p:sp>
+        <p:nvSpPr>
+          <p:cNvPr id="2" name="Title 1"/>
+          <p:cNvSpPr>
+            <a:spLocks noGrp="1"/>
+          </p:cNvSpPr>
+          <p:nvPr>
+            <p:ph type="title"/>
+          </p:nvPr>
+        </p:nvSpPr>
+        <p:spPr/>
+        <p:txBody>
+          <a:bodyPr/>
+          <a:lstStyle/>
+          <a:p>
+            <a:pPr>
+              <a:defRPr/>
+            </a:pPr>
+            <a:endParaRPr lang="zh-CN" altLang="en-US"/>
+          </a:p>
+        </p:txBody>
+      </p:sp>
+      <p:sp>
+        <p:nvSpPr>
+          <p:cNvPr id="61442" name="Content Placeholder 2"/>
+          <p:cNvSpPr>
+            <a:spLocks noGrp="1"/>
+          </p:cNvSpPr>
+          <p:nvPr>
+            <p:ph idx="1"/>
+          </p:nvPr>
+        </p:nvSpPr>
+        <p:spPr/>
+        <p:txBody>
+          <a:bodyPr/>
+          <a:lstStyle/>
+          <a:p>
+            <a:r>
+              <a:rPr lang="en-US" altLang="zh-CN" sz="2400"/>
+              <a:t>Chapter 12 Distributed DBMS Reliability</a:t>
+            </a:r>
+            <a:endParaRPr lang="zh-CN" altLang="en-US" sz="2400"/>
+          </a:p>
+          <a:p>
+            <a:pPr lvl="1"/>
+            <a:r>
+              <a:rPr lang="en-US" altLang="zh-CN" sz="2000"/>
+              <a:t>Reliability and types of failures</a:t>
+            </a:r>
+            <a:endParaRPr lang="zh-CN" altLang="en-US" sz="2000"/>
+          </a:p>
+          <a:p>
+            <a:pPr lvl="1"/>
+            <a:r>
+              <a:rPr lang="en-US" altLang="zh-CN" sz="2000"/>
+              <a:t>Local recovery protocols</a:t>
+            </a:r>
+            <a:endParaRPr lang="zh-CN" altLang="en-US" sz="2000"/>
+          </a:p>
+          <a:p>
+            <a:pPr lvl="2"/>
+            <a:r>
+              <a:rPr lang="en-US" altLang="zh-CN" sz="1600"/>
+              <a:t>Architecture and log file</a:t>
+            </a:r>
+            <a:endParaRPr lang="zh-CN" altLang="en-US" sz="1600"/>
+          </a:p>
+          <a:p>
+            <a:pPr lvl="2"/>
+            <a:r>
+              <a:rPr lang="en-US" altLang="zh-CN" sz="1600"/>
+              <a:t>Execution of LRM commands</a:t>
+            </a:r>
+            <a:endParaRPr lang="zh-CN" altLang="en-US" sz="1600"/>
+          </a:p>
+          <a:p>
+            <a:pPr lvl="2"/>
+            <a:r>
+              <a:rPr lang="en-US" altLang="zh-CN" sz="1600"/>
+              <a:t>Checkpoint</a:t>
+            </a:r>
+            <a:endParaRPr lang="zh-CN" altLang="en-US" sz="1600"/>
+          </a:p>
+          <a:p>
+            <a:pPr lvl="1"/>
+            <a:r>
+              <a:rPr lang="en-US" altLang="zh-CN" sz="2000"/>
+              <a:t>Distributed reliability protocols</a:t>
+            </a:r>
+            <a:endParaRPr lang="zh-CN" altLang="en-US" sz="2000"/>
+          </a:p>
+          <a:p>
+            <a:pPr lvl="2"/>
+            <a:r>
+              <a:rPr lang="en-US" altLang="zh-CN" sz="1600"/>
+              <a:t>2PC protocol</a:t>
+            </a:r>
+            <a:endParaRPr lang="zh-CN" altLang="en-US" sz="1600"/>
+          </a:p>
+          <a:p>
+            <a:pPr lvl="2"/>
+            <a:r>
+              <a:rPr lang="en-US" altLang="zh-CN" sz="1600"/>
+              <a:t>Termination protocols</a:t>
+            </a:r>
+            <a:endParaRPr lang="zh-CN" altLang="en-US" sz="1600"/>
+          </a:p>
+          <a:p>
+            <a:pPr lvl="2"/>
+            <a:r>
+              <a:rPr lang="en-US" altLang="zh-CN" sz="1600"/>
+              <a:t>Recovery protocols</a:t>
+            </a:r>
+            <a:endParaRPr lang="zh-CN" altLang="en-US" sz="1600"/>
+          </a:p>
+          <a:p>
+            <a:pPr lvl="2"/>
+            <a:r>
+              <a:rPr lang="en-US" altLang="zh-CN" sz="1600"/>
+              <a:t>3PC – a non-blocking protocols</a:t>
+            </a:r>
+            <a:endParaRPr lang="zh-CN" altLang="en-US" sz="1600"/>
+          </a:p>
+          <a:p>
+            <a:endParaRPr lang="zh-CN" altLang="en-US"/>
+          </a:p>
+        </p:txBody>
+      </p:sp>
+      <p:sp>
+        <p:nvSpPr>
+          <p:cNvPr id="4" name="Footer Placeholder 3"/>
+          <p:cNvSpPr>
+            <a:spLocks noGrp="1"/>
+          </p:cNvSpPr>
+          <p:nvPr>
+            <p:ph type="ftr" sz="quarter" idx="11"/>
+          </p:nvPr>
+        </p:nvSpPr>
+        <p:spPr/>
+        <p:txBody>
+          <a:bodyPr/>
+          <a:lstStyle/>
+          <a:p>
+            <a:pPr>
+              <a:defRPr/>
+            </a:pPr>
+            <a:r>
+              <a:rPr lang="en-US" altLang="zh-CN" smtClean="0"/>
+              <a:t>Distributed Database Systems</a:t>
+            </a:r>
+            <a:endParaRPr lang="zh-CN" altLang="en-US"/>
+          </a:p>
+        </p:txBody>
+      </p:sp>
+      <p:sp>
+        <p:nvSpPr>
+          <p:cNvPr id="61444" name="Slide Number Placeholder 4"/>
+          <p:cNvSpPr>
+            <a:spLocks noGrp="1"/>
+          </p:cNvSpPr>
+          <p:nvPr>
+            <p:ph type="sldNum" sz="quarter" idx="12"/>
+          </p:nvPr>
+        </p:nvSpPr>
+        <p:spPr bwMode="auto">
+          <a:noFill/>
+          <a:extLst>
+            <a:ext uri="{909E8E84-426E-40DD-AFC4-6F175D3DCCD1}">
+              <a14:hiddenFill xmlns:a14="http://schemas.microsoft.com/office/drawing/2010/main">
+                <a:solidFill>
+                  <a:srgbClr val="FFFFFF"/>
+                </a:solidFill>
+              </a14:hiddenFill>
+            </a:ext>
+            <a:ext uri="{91240B29-F687-4F45-9708-019B960494DF}">
+              <a14:hiddenLine xmlns:a14="http://schemas.microsoft.com/office/drawing/2010/main" w="9525">
+                <a:solidFill>
+                  <a:srgbClr val="000000"/>
+                </a:solidFill>
+                <a:miter lim="800000"/>
+                <a:headEnd/>
+                <a:tailEnd/>
+              </a14:hiddenLine>
+            </a:ext>
+          </a:extLst>
+        </p:spPr>
+        <p:txBody>
+          <a:bodyPr/>
+          <a:lstStyle>
+            <a:lvl1pPr>
+              <a:spcBef>
+                <a:spcPts val="600"/>
+              </a:spcBef>
+              <a:buClr>
+                <a:schemeClr val="accent1"/>
+              </a:buClr>
+              <a:buSzPct val="80000"/>
+              <a:buFont typeface="Wingdings 2" charset="2"/>
+              <a:buChar char=""/>
+              <a:defRPr sz="3200">
+                <a:solidFill>
+                  <a:schemeClr val="tx1"/>
+                </a:solidFill>
+                <a:latin typeface="Gill Sans MT" charset="0"/>
+                <a:ea typeface="华文中宋" charset="-122"/>
+              </a:defRPr>
+            </a:lvl1pPr>
+            <a:lvl2pPr marL="742950" indent="-285750">
+              <a:spcBef>
+                <a:spcPts val="550"/>
+              </a:spcBef>
+              <a:buClr>
+                <a:schemeClr val="accent1"/>
+              </a:buClr>
+              <a:buFont typeface="Verdana" charset="0"/>
+              <a:buChar char="◦"/>
+              <a:defRPr sz="2800">
+                <a:solidFill>
+                  <a:schemeClr val="tx1"/>
+                </a:solidFill>
+                <a:latin typeface="Gill Sans MT" charset="0"/>
+                <a:ea typeface="华文中宋" charset="-122"/>
+              </a:defRPr>
+            </a:lvl2pPr>
+            <a:lvl3pPr marL="1143000" indent="-228600">
+              <a:spcBef>
+                <a:spcPct val="20000"/>
+              </a:spcBef>
+              <a:buClr>
+                <a:schemeClr val="accent2"/>
+              </a:buClr>
+              <a:buFont typeface="Wingdings 2" charset="2"/>
+              <a:buChar char=""/>
+              <a:defRPr sz="2400">
+                <a:solidFill>
+                  <a:schemeClr val="tx1"/>
+                </a:solidFill>
+                <a:latin typeface="Gill Sans MT" charset="0"/>
+                <a:ea typeface="华文中宋" charset="-122"/>
+              </a:defRPr>
+            </a:lvl3pPr>
+            <a:lvl4pPr marL="1600200" indent="-228600">
+              <a:spcBef>
+                <a:spcPct val="20000"/>
+              </a:spcBef>
+              <a:buClr>
+                <a:srgbClr val="9BBB59"/>
+              </a:buClr>
+              <a:buFont typeface="Wingdings 2" charset="2"/>
+              <a:buChar char=""/>
+              <a:defRPr sz="2000">
+                <a:solidFill>
+                  <a:schemeClr val="tx1"/>
+                </a:solidFill>
+                <a:latin typeface="Gill Sans MT" charset="0"/>
+                <a:ea typeface="华文中宋" charset="-122"/>
+              </a:defRPr>
+            </a:lvl4pPr>
+            <a:lvl5pPr marL="2057400" indent="-228600">
+              <a:spcBef>
+                <a:spcPct val="20000"/>
+              </a:spcBef>
+              <a:buClr>
+                <a:srgbClr val="8064A2"/>
+              </a:buClr>
+              <a:buFont typeface="Wingdings 2" charset="2"/>
+              <a:buChar char=""/>
+              <a:defRPr sz="2000">
+                <a:solidFill>
+                  <a:schemeClr val="tx1"/>
+                </a:solidFill>
+                <a:latin typeface="Gill Sans MT" charset="0"/>
+                <a:ea typeface="华文中宋" charset="-122"/>
+              </a:defRPr>
+            </a:lvl5pPr>
+            <a:lvl6pPr marL="2514600" indent="-228600" eaLnBrk="0" fontAlgn="base" hangingPunct="0">
+              <a:spcBef>
+                <a:spcPct val="20000"/>
+              </a:spcBef>
+              <a:spcAft>
+                <a:spcPct val="0"/>
+              </a:spcAft>
+              <a:buClr>
+                <a:srgbClr val="8064A2"/>
+              </a:buClr>
+              <a:buFont typeface="Wingdings 2" charset="2"/>
+              <a:buChar char=""/>
+              <a:defRPr sz="2000">
+                <a:solidFill>
+                  <a:schemeClr val="tx1"/>
+                </a:solidFill>
+                <a:latin typeface="Gill Sans MT" charset="0"/>
+                <a:ea typeface="华文中宋" charset="-122"/>
+              </a:defRPr>
+            </a:lvl6pPr>
+            <a:lvl7pPr marL="2971800" indent="-228600" eaLnBrk="0" fontAlgn="base" hangingPunct="0">
+              <a:spcBef>
+                <a:spcPct val="20000"/>
+              </a:spcBef>
+              <a:spcAft>
+                <a:spcPct val="0"/>
+              </a:spcAft>
+              <a:buClr>
+                <a:srgbClr val="8064A2"/>
+              </a:buClr>
+              <a:buFont typeface="Wingdings 2" charset="2"/>
+              <a:buChar char=""/>
+              <a:defRPr sz="2000">
+                <a:solidFill>
+                  <a:schemeClr val="tx1"/>
+                </a:solidFill>
+                <a:latin typeface="Gill Sans MT" charset="0"/>
+                <a:ea typeface="华文中宋" charset="-122"/>
+              </a:defRPr>
+            </a:lvl7pPr>
+            <a:lvl8pPr marL="3429000" indent="-228600" eaLnBrk="0" fontAlgn="base" hangingPunct="0">
+              <a:spcBef>
+                <a:spcPct val="20000"/>
+              </a:spcBef>
+              <a:spcAft>
+                <a:spcPct val="0"/>
+              </a:spcAft>
+              <a:buClr>
+                <a:srgbClr val="8064A2"/>
+              </a:buClr>
+              <a:buFont typeface="Wingdings 2" charset="2"/>
+              <a:buChar char=""/>
+              <a:defRPr sz="2000">
+                <a:solidFill>
+                  <a:schemeClr val="tx1"/>
+                </a:solidFill>
+                <a:latin typeface="Gill Sans MT" charset="0"/>
+                <a:ea typeface="华文中宋" charset="-122"/>
+              </a:defRPr>
+            </a:lvl8pPr>
+            <a:lvl9pPr marL="3886200" indent="-228600" eaLnBrk="0" fontAlgn="base" hangingPunct="0">
+              <a:spcBef>
+                <a:spcPct val="20000"/>
+              </a:spcBef>
+              <a:spcAft>
+                <a:spcPct val="0"/>
+              </a:spcAft>
+              <a:buClr>
+                <a:srgbClr val="8064A2"/>
+              </a:buClr>
+              <a:buFont typeface="Wingdings 2" charset="2"/>
+              <a:buChar char=""/>
+              <a:defRPr sz="2000">
+                <a:solidFill>
+                  <a:schemeClr val="tx1"/>
+                </a:solidFill>
+                <a:latin typeface="Gill Sans MT" charset="0"/>
+                <a:ea typeface="华文中宋" charset="-122"/>
+              </a:defRPr>
+            </a:lvl9pPr>
+          </a:lstStyle>
+          <a:p>
+            <a:pPr>
+              <a:spcBef>
+                <a:spcPct val="0"/>
+              </a:spcBef>
+              <a:buClrTx/>
+              <a:buSzTx/>
+              <a:buFontTx/>
+              <a:buNone/>
+            </a:pPr>
+            <a:fld id="{0C28BCEA-A9D8-DC42-8D34-8BDBFD1CE7E1}" type="slidenum">
+              <a:rPr lang="zh-CN" altLang="en-US" sz="1200">
+                <a:solidFill>
+                  <a:srgbClr val="B4B1A0"/>
+                </a:solidFill>
+              </a:rPr>
+              <a:pPr>
+                <a:spcBef>
+                  <a:spcPct val="0"/>
+                </a:spcBef>
+                <a:buClrTx/>
+                <a:buSzTx/>
+                <a:buFontTx/>
+                <a:buNone/>
+              </a:pPr>
+              <a:t>42</a:t>
+            </a:fld>
+            <a:endParaRPr lang="zh-CN" altLang="en-US" sz="1200">
+              <a:solidFill>
+                <a:srgbClr val="B4B1A0"/>
+              </a:solidFill>
+            </a:endParaRPr>
+          </a:p>
+        </p:txBody>
+      </p:sp>
+    </p:spTree>
+    <p:extLst>
+      <p:ext uri="{BB962C8B-B14F-4D97-AF65-F5344CB8AC3E}">
+        <p14:creationId xmlns:p14="http://schemas.microsoft.com/office/powerpoint/2010/main" val="1114789974"/>
+      </p:ext>
+    </p:extLst>
+  </p:cSld>
+  <p:clrMapOvr>
+    <a:masterClrMapping/>
+  </p:clrMapOvr>
+  <p:timing>
+    <p:tnLst>
+      <p:par>
+        <p:cTn id="1" dur="indefinite" restart="never" nodeType="tmRoot"/>
+      </p:par>
+    </p:tnLst>
+  </p:timing>
+</p:sld>
+</file>
+
+<file path=ppt/slides/slide43.xml><?xml version="1.0" encoding="utf-8"?>
+<p:sld xmlns:a="http://schemas.openxmlformats.org/drawingml/2006/main" xmlns:r="http://schemas.openxmlformats.org/officeDocument/2006/relationships" xmlns:p="http://schemas.openxmlformats.org/presentationml/2006/main">
+  <p:cSld>
+    <p:spTree>
+      <p:nvGrpSpPr>
+        <p:cNvPr id="1" name=""/>
+        <p:cNvGrpSpPr/>
+        <p:nvPr/>
+      </p:nvGrpSpPr>
+      <p:grpSpPr>
+        <a:xfrm>
+          <a:off x="0" y="0"/>
+          <a:ext cx="0" cy="0"/>
+          <a:chOff x="0" y="0"/>
+          <a:chExt cx="0" cy="0"/>
+        </a:xfrm>
+      </p:grpSpPr>
+      <p:sp>
+        <p:nvSpPr>
+          <p:cNvPr id="2" name="Title 1"/>
+          <p:cNvSpPr>
+            <a:spLocks noGrp="1"/>
+          </p:cNvSpPr>
+          <p:nvPr>
+            <p:ph type="title"/>
+          </p:nvPr>
+        </p:nvSpPr>
+        <p:spPr/>
+        <p:txBody>
+          <a:bodyPr>
+            <a:normAutofit/>
+          </a:bodyPr>
+          <a:lstStyle/>
+          <a:p>
+            <a:r>
+              <a:rPr lang="en-US" sz="3600" dirty="0" smtClean="0"/>
+              <a:t>Discussion Topics</a:t>
+            </a:r>
+            <a:endParaRPr lang="en-US" sz="3600" dirty="0"/>
+          </a:p>
+        </p:txBody>
+      </p:sp>
+      <p:sp>
+        <p:nvSpPr>
+          <p:cNvPr id="3" name="Content Placeholder 2"/>
+          <p:cNvSpPr>
+            <a:spLocks noGrp="1"/>
+          </p:cNvSpPr>
+          <p:nvPr>
+            <p:ph idx="1"/>
+          </p:nvPr>
+        </p:nvSpPr>
+        <p:spPr/>
+        <p:txBody>
+          <a:bodyPr/>
+          <a:lstStyle/>
+          <a:p>
+            <a:r>
+              <a:rPr lang="en-US" dirty="0" smtClean="0"/>
+              <a:t>MapReduce (Instructor)</a:t>
+            </a:r>
+          </a:p>
+          <a:p>
+            <a:pPr lvl="1"/>
+            <a:r>
+              <a:rPr lang="en-US" dirty="0" smtClean="0">
+                <a:solidFill>
+                  <a:srgbClr val="FF0000"/>
+                </a:solidFill>
+              </a:rPr>
+              <a:t>December 6</a:t>
+            </a:r>
+          </a:p>
+          <a:p>
+            <a:r>
+              <a:rPr lang="en-US" dirty="0" smtClean="0"/>
+              <a:t>Concurren</a:t>
+            </a:r>
+            <a:r>
+              <a:rPr lang="en-US" altLang="zh-CN" dirty="0" smtClean="0"/>
+              <a:t>ce</a:t>
+            </a:r>
+            <a:r>
+              <a:rPr lang="zh-CN" altLang="en-US" dirty="0" smtClean="0"/>
+              <a:t> </a:t>
+            </a:r>
+            <a:r>
+              <a:rPr lang="en-US" altLang="zh-CN" dirty="0" smtClean="0"/>
+              <a:t>Control</a:t>
+            </a:r>
+            <a:r>
+              <a:rPr lang="zh-CN" altLang="en-US" dirty="0"/>
+              <a:t> </a:t>
+            </a:r>
+            <a:r>
+              <a:rPr lang="en-US" altLang="zh-CN" dirty="0" smtClean="0"/>
+              <a:t>(Groups)</a:t>
+            </a:r>
+          </a:p>
+          <a:p>
+            <a:pPr lvl="1"/>
+            <a:r>
+              <a:rPr lang="en-US" dirty="0"/>
+              <a:t>H-Store (VLDB 2007</a:t>
+            </a:r>
+            <a:r>
+              <a:rPr lang="en-US" dirty="0" smtClean="0"/>
+              <a:t>)</a:t>
+            </a:r>
+            <a:r>
+              <a:rPr lang="en-US" altLang="zh-CN" dirty="0" smtClean="0"/>
+              <a:t>:</a:t>
+            </a:r>
+            <a:r>
+              <a:rPr lang="zh-CN" altLang="en-US" dirty="0" smtClean="0"/>
+              <a:t> </a:t>
+            </a:r>
+            <a:r>
+              <a:rPr lang="en-US" altLang="zh-CN" dirty="0" smtClean="0"/>
+              <a:t>Group</a:t>
+            </a:r>
+            <a:r>
+              <a:rPr lang="zh-CN" altLang="en-US" dirty="0" smtClean="0"/>
+              <a:t> </a:t>
+            </a:r>
+            <a:r>
+              <a:rPr lang="en-US" altLang="zh-CN" dirty="0" smtClean="0"/>
+              <a:t>A</a:t>
+            </a:r>
+          </a:p>
+          <a:p>
+            <a:pPr lvl="1"/>
+            <a:r>
+              <a:rPr lang="pt-BR" dirty="0"/>
+              <a:t>Silo (SOSP 2013</a:t>
+            </a:r>
+            <a:r>
+              <a:rPr lang="pt-BR" dirty="0" smtClean="0"/>
+              <a:t>)</a:t>
+            </a:r>
+            <a:r>
+              <a:rPr lang="en-US" altLang="zh-CN" dirty="0" smtClean="0"/>
+              <a:t>:</a:t>
+            </a:r>
+            <a:r>
+              <a:rPr lang="zh-CN" altLang="en-US" dirty="0" smtClean="0"/>
+              <a:t> </a:t>
+            </a:r>
+            <a:r>
+              <a:rPr lang="en-US" altLang="zh-CN" dirty="0" smtClean="0"/>
+              <a:t>Group</a:t>
+            </a:r>
+            <a:r>
+              <a:rPr lang="zh-CN" altLang="en-US" dirty="0" smtClean="0"/>
+              <a:t> </a:t>
+            </a:r>
+            <a:r>
+              <a:rPr lang="en-US" altLang="zh-CN" dirty="0" smtClean="0"/>
+              <a:t>B</a:t>
+            </a:r>
+          </a:p>
+          <a:p>
+            <a:pPr lvl="1"/>
+            <a:r>
+              <a:rPr lang="en-US" altLang="zh-CN" dirty="0" smtClean="0">
+                <a:solidFill>
+                  <a:srgbClr val="FF0000"/>
+                </a:solidFill>
+              </a:rPr>
+              <a:t>December</a:t>
+            </a:r>
+            <a:r>
+              <a:rPr lang="zh-CN" altLang="en-US" dirty="0" smtClean="0">
+                <a:solidFill>
+                  <a:srgbClr val="FF0000"/>
+                </a:solidFill>
+              </a:rPr>
+              <a:t> </a:t>
+            </a:r>
+            <a:r>
+              <a:rPr lang="en-US" altLang="zh-CN" dirty="0" smtClean="0">
+                <a:solidFill>
+                  <a:srgbClr val="FF0000"/>
+                </a:solidFill>
+              </a:rPr>
+              <a:t>13:</a:t>
+            </a:r>
+            <a:r>
+              <a:rPr lang="zh-CN" altLang="en-US" dirty="0" smtClean="0">
+                <a:solidFill>
+                  <a:srgbClr val="FF0000"/>
+                </a:solidFill>
+              </a:rPr>
+              <a:t> </a:t>
+            </a:r>
+            <a:r>
+              <a:rPr lang="en-US" altLang="zh-CN" dirty="0" smtClean="0">
+                <a:solidFill>
+                  <a:srgbClr val="FF0000"/>
+                </a:solidFill>
+              </a:rPr>
+              <a:t>50</a:t>
+            </a:r>
+            <a:r>
+              <a:rPr lang="zh-CN" altLang="en-US" dirty="0" smtClean="0">
+                <a:solidFill>
+                  <a:srgbClr val="FF0000"/>
+                </a:solidFill>
+              </a:rPr>
+              <a:t> </a:t>
+            </a:r>
+            <a:r>
+              <a:rPr lang="en-US" altLang="zh-CN" dirty="0" smtClean="0">
+                <a:solidFill>
+                  <a:srgbClr val="FF0000"/>
+                </a:solidFill>
+              </a:rPr>
+              <a:t>min</a:t>
+            </a:r>
+            <a:r>
+              <a:rPr lang="zh-CN" altLang="en-US" dirty="0" smtClean="0">
+                <a:solidFill>
+                  <a:srgbClr val="FF0000"/>
+                </a:solidFill>
+              </a:rPr>
+              <a:t> </a:t>
+            </a:r>
+            <a:r>
+              <a:rPr lang="en-US" altLang="zh-CN" dirty="0" smtClean="0">
+                <a:solidFill>
+                  <a:srgbClr val="FF0000"/>
+                </a:solidFill>
+              </a:rPr>
+              <a:t>per</a:t>
+            </a:r>
+            <a:r>
+              <a:rPr lang="zh-CN" altLang="en-US" dirty="0" smtClean="0">
+                <a:solidFill>
+                  <a:srgbClr val="FF0000"/>
+                </a:solidFill>
+              </a:rPr>
+              <a:t> </a:t>
+            </a:r>
+            <a:r>
+              <a:rPr lang="en-US" altLang="zh-CN" dirty="0" smtClean="0">
+                <a:solidFill>
+                  <a:srgbClr val="FF0000"/>
+                </a:solidFill>
+              </a:rPr>
+              <a:t>group</a:t>
+            </a:r>
+            <a:endParaRPr lang="en-US" dirty="0">
+              <a:solidFill>
+                <a:srgbClr val="FF0000"/>
+              </a:solidFill>
+            </a:endParaRPr>
+          </a:p>
+          <a:p>
+            <a:r>
+              <a:rPr lang="en-US" dirty="0" smtClean="0"/>
+              <a:t>Self-Driving DBMS (Instructor)</a:t>
+            </a:r>
+          </a:p>
+          <a:p>
+            <a:pPr lvl="1"/>
+            <a:r>
+              <a:rPr lang="en-US" dirty="0" smtClean="0">
+                <a:solidFill>
+                  <a:srgbClr val="FF0000"/>
+                </a:solidFill>
+              </a:rPr>
+              <a:t>December </a:t>
+            </a:r>
+            <a:r>
+              <a:rPr lang="en-US" altLang="zh-CN" dirty="0" smtClean="0">
+                <a:solidFill>
+                  <a:srgbClr val="FF0000"/>
+                </a:solidFill>
+              </a:rPr>
+              <a:t>20</a:t>
+            </a:r>
+            <a:endParaRPr lang="en-US" dirty="0" smtClean="0">
+              <a:solidFill>
+                <a:srgbClr val="FF0000"/>
+              </a:solidFill>
+            </a:endParaRPr>
+          </a:p>
+        </p:txBody>
+      </p:sp>
+      <p:sp>
+        <p:nvSpPr>
+          <p:cNvPr id="4" name="Footer Placeholder 3"/>
+          <p:cNvSpPr>
+            <a:spLocks noGrp="1"/>
+          </p:cNvSpPr>
+          <p:nvPr>
+            <p:ph type="ftr" sz="quarter" idx="11"/>
+          </p:nvPr>
+        </p:nvSpPr>
+        <p:spPr/>
+        <p:txBody>
+          <a:bodyPr/>
+          <a:lstStyle/>
+          <a:p>
+            <a:pPr>
+              <a:defRPr/>
+            </a:pPr>
+            <a:r>
+              <a:rPr lang="en-US" altLang="zh-CN" smtClean="0"/>
+              <a:t>Distributed Database Systems</a:t>
+            </a:r>
+            <a:endParaRPr lang="zh-CN" altLang="en-US"/>
+          </a:p>
+        </p:txBody>
+      </p:sp>
+      <p:sp>
+        <p:nvSpPr>
+          <p:cNvPr id="5" name="Slide Number Placeholder 4"/>
+          <p:cNvSpPr>
+            <a:spLocks noGrp="1"/>
+          </p:cNvSpPr>
+          <p:nvPr>
+            <p:ph type="sldNum" sz="quarter" idx="12"/>
+          </p:nvPr>
+        </p:nvSpPr>
+        <p:spPr/>
+        <p:txBody>
+          <a:bodyPr/>
+          <a:lstStyle/>
+          <a:p>
+            <a:pPr>
+              <a:defRPr/>
+            </a:pPr>
+            <a:fld id="{07A5CAEE-885A-5D41-93DF-9DC29A9FE4F0}" type="slidenum">
+              <a:rPr lang="zh-CN" altLang="en-US" smtClean="0"/>
+              <a:pPr>
+                <a:defRPr/>
+              </a:pPr>
+              <a:t>43</a:t>
+            </a:fld>
+            <a:endParaRPr lang="zh-CN" altLang="en-US"/>
+          </a:p>
+        </p:txBody>
+      </p:sp>
+    </p:spTree>
+    <p:extLst>
+      <p:ext uri="{BB962C8B-B14F-4D97-AF65-F5344CB8AC3E}">
+        <p14:creationId xmlns:p14="http://schemas.microsoft.com/office/powerpoint/2010/main" val="2136152994"/>
+      </p:ext>
+    </p:extLst>
+  </p:cSld>
+  <p:clrMapOvr>
+    <a:masterClrMapping/>
+  </p:clrMapOvr>
+</p:sld>
+</file>
+
+<file path=ppt/slides/slide44.xml><?xml version="1.0" encoding="utf-8"?>
+<p:sld xmlns:a="http://schemas.openxmlformats.org/drawingml/2006/main" xmlns:r="http://schemas.openxmlformats.org/officeDocument/2006/relationships" xmlns:p="http://schemas.openxmlformats.org/presentationml/2006/main">
+  <p:cSld>
+    <p:spTree>
+      <p:nvGrpSpPr>
+        <p:cNvPr id="1" name=""/>
+        <p:cNvGrpSpPr/>
+        <p:nvPr/>
+      </p:nvGrpSpPr>
+      <p:grpSpPr>
+        <a:xfrm>
+          <a:off x="0" y="0"/>
+          <a:ext cx="0" cy="0"/>
+          <a:chOff x="0" y="0"/>
+          <a:chExt cx="0" cy="0"/>
+        </a:xfrm>
+      </p:grpSpPr>
+      <p:sp>
+        <p:nvSpPr>
+          <p:cNvPr id="2" name="Title 1"/>
+          <p:cNvSpPr>
+            <a:spLocks noGrp="1"/>
+          </p:cNvSpPr>
+          <p:nvPr>
+            <p:ph type="title"/>
+          </p:nvPr>
+        </p:nvSpPr>
+        <p:spPr/>
+        <p:txBody>
+          <a:bodyPr/>
+          <a:lstStyle/>
+          <a:p>
+            <a:r>
+              <a:rPr lang="en-US" altLang="zh-CN" dirty="0" smtClean="0"/>
+              <a:t>Course</a:t>
+            </a:r>
+            <a:r>
+              <a:rPr lang="zh-CN" altLang="en-US" dirty="0" smtClean="0"/>
+              <a:t> </a:t>
+            </a:r>
+            <a:r>
+              <a:rPr lang="en-US" altLang="zh-CN" dirty="0" smtClean="0"/>
+              <a:t>Project</a:t>
+            </a:r>
+            <a:endParaRPr lang="en-US" dirty="0"/>
+          </a:p>
+        </p:txBody>
+      </p:sp>
+      <p:sp>
+        <p:nvSpPr>
+          <p:cNvPr id="3" name="Content Placeholder 2"/>
+          <p:cNvSpPr>
+            <a:spLocks noGrp="1"/>
+          </p:cNvSpPr>
+          <p:nvPr>
+            <p:ph idx="1"/>
+          </p:nvPr>
+        </p:nvSpPr>
+        <p:spPr/>
+        <p:txBody>
+          <a:bodyPr/>
+          <a:lstStyle/>
+          <a:p>
+            <a:r>
+              <a:rPr lang="en-US" altLang="zh-CN" dirty="0" smtClean="0"/>
+              <a:t>Release</a:t>
+            </a:r>
+            <a:r>
+              <a:rPr lang="zh-CN" altLang="en-US" dirty="0" smtClean="0"/>
+              <a:t> </a:t>
+            </a:r>
+            <a:r>
+              <a:rPr lang="en-US" altLang="zh-CN" dirty="0" smtClean="0"/>
+              <a:t>of</a:t>
+            </a:r>
+            <a:r>
+              <a:rPr lang="zh-CN" altLang="en-US" dirty="0" smtClean="0"/>
+              <a:t> </a:t>
+            </a:r>
+            <a:r>
+              <a:rPr lang="en-US" altLang="zh-CN" dirty="0" smtClean="0"/>
+              <a:t>Evaluation</a:t>
+            </a:r>
+            <a:r>
+              <a:rPr lang="zh-CN" altLang="en-US" dirty="0" smtClean="0"/>
+              <a:t> </a:t>
+            </a:r>
+            <a:r>
+              <a:rPr lang="en-US" altLang="zh-CN" dirty="0" smtClean="0"/>
+              <a:t>Info</a:t>
+            </a:r>
+            <a:r>
+              <a:rPr lang="zh-CN" altLang="en-US" dirty="0" smtClean="0"/>
+              <a:t> </a:t>
+            </a:r>
+            <a:r>
+              <a:rPr lang="mr-IN" altLang="zh-CN" dirty="0" smtClean="0"/>
+              <a:t>–</a:t>
+            </a:r>
+            <a:r>
+              <a:rPr lang="zh-CN" altLang="en-US" dirty="0" smtClean="0"/>
+              <a:t> </a:t>
+            </a:r>
+            <a:r>
+              <a:rPr lang="en-US" altLang="zh-CN" dirty="0" smtClean="0">
+                <a:solidFill>
+                  <a:srgbClr val="FF0000"/>
+                </a:solidFill>
+              </a:rPr>
+              <a:t>Dec</a:t>
+            </a:r>
+            <a:r>
+              <a:rPr lang="zh-CN" altLang="en-US" dirty="0" smtClean="0">
+                <a:solidFill>
+                  <a:srgbClr val="FF0000"/>
+                </a:solidFill>
+              </a:rPr>
+              <a:t> </a:t>
+            </a:r>
+            <a:r>
+              <a:rPr lang="en-US" altLang="zh-CN" dirty="0" smtClean="0">
+                <a:solidFill>
+                  <a:srgbClr val="FF0000"/>
+                </a:solidFill>
+              </a:rPr>
+              <a:t>13</a:t>
+            </a:r>
+          </a:p>
+          <a:p>
+            <a:pPr lvl="1"/>
+            <a:r>
+              <a:rPr lang="en-US" altLang="zh-CN" dirty="0" smtClean="0"/>
+              <a:t>Evaluation</a:t>
+            </a:r>
+            <a:r>
+              <a:rPr lang="zh-CN" altLang="en-US" dirty="0" smtClean="0"/>
+              <a:t> </a:t>
+            </a:r>
+            <a:r>
+              <a:rPr lang="en-US" altLang="zh-CN" dirty="0" smtClean="0"/>
+              <a:t>Document</a:t>
+            </a:r>
+          </a:p>
+          <a:p>
+            <a:pPr lvl="1"/>
+            <a:r>
+              <a:rPr lang="en-US" altLang="zh-CN" dirty="0" smtClean="0"/>
+              <a:t>Evaluation</a:t>
+            </a:r>
+            <a:r>
+              <a:rPr lang="zh-CN" altLang="en-US" dirty="0" smtClean="0"/>
+              <a:t> </a:t>
+            </a:r>
+            <a:r>
+              <a:rPr lang="en-US" altLang="zh-CN" dirty="0" smtClean="0"/>
+              <a:t>Data</a:t>
+            </a:r>
+          </a:p>
+          <a:p>
+            <a:r>
+              <a:rPr lang="en-US" altLang="zh-CN" dirty="0" smtClean="0"/>
+              <a:t>Project</a:t>
+            </a:r>
+            <a:r>
+              <a:rPr lang="zh-CN" altLang="en-US" dirty="0" smtClean="0"/>
+              <a:t> </a:t>
+            </a:r>
+            <a:r>
+              <a:rPr lang="en-US" altLang="zh-CN" dirty="0" smtClean="0"/>
+              <a:t>Evaluation</a:t>
+            </a:r>
+          </a:p>
+          <a:p>
+            <a:pPr lvl="1"/>
+            <a:r>
+              <a:rPr lang="en-US" altLang="zh-CN" dirty="0" smtClean="0"/>
+              <a:t>Onsite</a:t>
+            </a:r>
+            <a:r>
+              <a:rPr lang="zh-CN" altLang="en-US" dirty="0" smtClean="0"/>
+              <a:t> </a:t>
+            </a:r>
+            <a:r>
+              <a:rPr lang="en-US" altLang="zh-CN" dirty="0" smtClean="0"/>
+              <a:t>Evaluation</a:t>
+            </a:r>
+            <a:r>
+              <a:rPr lang="zh-CN" altLang="en-US" dirty="0" smtClean="0"/>
+              <a:t> </a:t>
+            </a:r>
+            <a:r>
+              <a:rPr lang="mr-IN" altLang="zh-CN" dirty="0" smtClean="0"/>
+              <a:t>–</a:t>
+            </a:r>
+            <a:r>
+              <a:rPr lang="zh-CN" altLang="en-US" dirty="0" smtClean="0"/>
+              <a:t> </a:t>
+            </a:r>
+            <a:r>
+              <a:rPr lang="en-US" altLang="zh-CN" dirty="0" smtClean="0">
+                <a:solidFill>
+                  <a:srgbClr val="FF0000"/>
+                </a:solidFill>
+              </a:rPr>
+              <a:t>Jan</a:t>
+            </a:r>
+            <a:r>
+              <a:rPr lang="zh-CN" altLang="en-US" dirty="0" smtClean="0">
+                <a:solidFill>
+                  <a:srgbClr val="FF0000"/>
+                </a:solidFill>
+              </a:rPr>
+              <a:t> </a:t>
+            </a:r>
+            <a:r>
+              <a:rPr lang="en-US" altLang="zh-CN" dirty="0" smtClean="0">
+                <a:solidFill>
+                  <a:srgbClr val="FF0000"/>
+                </a:solidFill>
+              </a:rPr>
+              <a:t>3</a:t>
+            </a:r>
+          </a:p>
+          <a:p>
+            <a:pPr lvl="1"/>
+            <a:r>
+              <a:rPr lang="en-US" altLang="zh-CN" dirty="0" smtClean="0"/>
+              <a:t>Report</a:t>
+            </a:r>
+            <a:r>
+              <a:rPr lang="zh-CN" altLang="en-US" dirty="0" smtClean="0"/>
+              <a:t> </a:t>
+            </a:r>
+            <a:r>
+              <a:rPr lang="en-US" altLang="zh-CN" dirty="0" smtClean="0"/>
+              <a:t>Submission</a:t>
+            </a:r>
+            <a:r>
+              <a:rPr lang="zh-CN" altLang="en-US" dirty="0" smtClean="0"/>
+              <a:t> </a:t>
+            </a:r>
+            <a:r>
+              <a:rPr lang="mr-IN" altLang="zh-CN" dirty="0" smtClean="0"/>
+              <a:t>–</a:t>
+            </a:r>
+            <a:r>
+              <a:rPr lang="zh-CN" altLang="en-US" dirty="0" smtClean="0"/>
+              <a:t> </a:t>
+            </a:r>
+            <a:r>
+              <a:rPr lang="en-US" altLang="zh-CN" dirty="0" smtClean="0">
+                <a:solidFill>
+                  <a:srgbClr val="FF0000"/>
+                </a:solidFill>
+              </a:rPr>
+              <a:t>Jan</a:t>
+            </a:r>
+            <a:r>
+              <a:rPr lang="zh-CN" altLang="en-US" dirty="0" smtClean="0">
+                <a:solidFill>
+                  <a:srgbClr val="FF0000"/>
+                </a:solidFill>
+              </a:rPr>
+              <a:t> </a:t>
+            </a:r>
+            <a:r>
+              <a:rPr lang="en-US" altLang="zh-CN" dirty="0" smtClean="0">
+                <a:solidFill>
+                  <a:srgbClr val="FF0000"/>
+                </a:solidFill>
+              </a:rPr>
+              <a:t>6</a:t>
+            </a:r>
+          </a:p>
+          <a:p>
+            <a:pPr lvl="1"/>
+            <a:endParaRPr lang="en-US" dirty="0"/>
+          </a:p>
+        </p:txBody>
+      </p:sp>
+      <p:sp>
+        <p:nvSpPr>
+          <p:cNvPr id="4" name="Footer Placeholder 3"/>
+          <p:cNvSpPr>
+            <a:spLocks noGrp="1"/>
+          </p:cNvSpPr>
+          <p:nvPr>
+            <p:ph type="ftr" sz="quarter" idx="11"/>
+          </p:nvPr>
+        </p:nvSpPr>
+        <p:spPr/>
+        <p:txBody>
+          <a:bodyPr/>
+          <a:lstStyle/>
+          <a:p>
+            <a:pPr>
+              <a:defRPr/>
+            </a:pPr>
+            <a:r>
+              <a:rPr lang="en-US" altLang="zh-CN" smtClean="0"/>
+              <a:t>Distributed Database Systems</a:t>
+            </a:r>
+            <a:endParaRPr lang="zh-CN" altLang="en-US"/>
+          </a:p>
+        </p:txBody>
+      </p:sp>
+      <p:sp>
+        <p:nvSpPr>
+          <p:cNvPr id="5" name="Slide Number Placeholder 4"/>
+          <p:cNvSpPr>
+            <a:spLocks noGrp="1"/>
+          </p:cNvSpPr>
+          <p:nvPr>
+            <p:ph type="sldNum" sz="quarter" idx="12"/>
+          </p:nvPr>
+        </p:nvSpPr>
+        <p:spPr/>
+        <p:txBody>
+          <a:bodyPr/>
+          <a:lstStyle/>
+          <a:p>
+            <a:pPr>
+              <a:defRPr/>
+            </a:pPr>
+            <a:fld id="{07A5CAEE-885A-5D41-93DF-9DC29A9FE4F0}" type="slidenum">
+              <a:rPr lang="zh-CN" altLang="en-US" smtClean="0"/>
+              <a:pPr>
+                <a:defRPr/>
+              </a:pPr>
+              <a:t>44</a:t>
+            </a:fld>
+            <a:endParaRPr lang="zh-CN" altLang="en-US"/>
+          </a:p>
+        </p:txBody>
+      </p:sp>
+    </p:spTree>
+    <p:extLst>
+      <p:ext uri="{BB962C8B-B14F-4D97-AF65-F5344CB8AC3E}">
+        <p14:creationId xmlns:p14="http://schemas.microsoft.com/office/powerpoint/2010/main" val="1588101036"/>
       </p:ext>
     </p:extLst>
   </p:cSld>
@@ -12208,7 +17124,6 @@
               <a:rPr lang="en-US" dirty="0"/>
               <a:t>Survivors try to complete transaction, based on their current states </a:t>
             </a:r>
-            <a:endParaRPr lang="en-US" dirty="0"/>
           </a:p>
           <a:p>
             <a:endParaRPr lang="en-US" dirty="0" smtClean="0"/>
@@ -12293,6 +17208,13 @@
   <p:clrMapOvr>
     <a:masterClrMapping/>
   </p:clrMapOvr>
+  <p:timing>
+    <p:tnLst>
+      <p:par>
+        <p:cTn id="1" dur="indefinite" restart="never" nodeType="tmRoot"/>
+      </p:par>
+    </p:tnLst>
+  </p:timing>
 </p:sld>
 </file>
 
@@ -12354,7 +17276,6 @@
               <a:rPr lang="en-US" sz="2800" dirty="0"/>
               <a:t>Let { S1, S2, ..., Sn } be survivor nodes </a:t>
             </a:r>
-            <a:endParaRPr lang="en-US" sz="2800" dirty="0"/>
           </a:p>
           <a:p>
             <a:r>
@@ -12373,7 +17294,6 @@
               <a:rPr lang="en-US" sz="2800" dirty="0"/>
               <a:t> </a:t>
             </a:r>
-            <a:endParaRPr lang="en-US" sz="2800" dirty="0"/>
           </a:p>
           <a:p>
             <a:r>
@@ -12404,12 +17324,27 @@
               <a:rPr lang="en-US" sz="2800" dirty="0"/>
               <a:t> </a:t>
             </a:r>
-            <a:endParaRPr lang="en-US" sz="2800" dirty="0"/>
           </a:p>
           <a:p>
             <a:r>
               <a:rPr lang="en-US" sz="2800" dirty="0"/>
-              <a:t>If one or more Si = PREPARE ⟹ </a:t>
+              <a:t>If one or more Si = </a:t>
+            </a:r>
+            <a:r>
+              <a:rPr lang="en-US" sz="2800" dirty="0" smtClean="0"/>
+              <a:t>PRE</a:t>
+            </a:r>
+            <a:r>
+              <a:rPr lang="en-US" altLang="zh-CN" sz="2800" dirty="0" smtClean="0"/>
+              <a:t>-COMMIT</a:t>
+            </a:r>
+            <a:r>
+              <a:rPr lang="en-US" sz="2800" dirty="0" smtClean="0"/>
+              <a:t> </a:t>
+            </a:r>
+            <a:r>
+              <a:rPr lang="en-US" sz="2800" dirty="0"/>
+              <a:t>⟹ </a:t>
             </a:r>
             <a:r>
               <a:rPr lang="en-US" sz="2800" dirty="0">
@@ -12435,12 +17370,27 @@
               <a:rPr lang="en-US" sz="2400" dirty="0"/>
               <a:t>could not have aborted </a:t>
             </a:r>
-            <a:endParaRPr lang="en-US" sz="2400" dirty="0"/>
           </a:p>
           <a:p>
             <a:r>
               <a:rPr lang="en-US" sz="2800" dirty="0"/>
-              <a:t>If no Si = PREPARE (or COMMIT) ⟹ </a:t>
+              <a:t>If no Si = </a:t>
+            </a:r>
+            <a:r>
+              <a:rPr lang="en-US" sz="2800" dirty="0" smtClean="0"/>
+              <a:t>PRE</a:t>
+            </a:r>
+            <a:r>
+              <a:rPr lang="en-US" altLang="zh-CN" sz="2800" dirty="0" smtClean="0"/>
+              <a:t>-COMMIT</a:t>
+            </a:r>
+            <a:r>
+              <a:rPr lang="en-US" sz="2800" dirty="0" smtClean="0"/>
+              <a:t> </a:t>
+            </a:r>
+            <a:r>
+              <a:rPr lang="en-US" sz="2800" dirty="0"/>
+              <a:t>(or COMMIT) ⟹ </a:t>
             </a:r>
             <a:r>
               <a:rPr lang="en-US" sz="2800" dirty="0">
@@ -12466,7 +17416,6 @@
               <a:rPr lang="en-US" sz="2400" dirty="0"/>
               <a:t>could not have committed </a:t>
             </a:r>
-            <a:endParaRPr lang="en-US" sz="2400" dirty="0"/>
           </a:p>
         </p:txBody>
       </p:sp>
@@ -12535,6 +17484,13 @@
   <p:clrMapOvr>
     <a:masterClrMapping/>
   </p:clrMapOvr>
+  <p:timing>
+    <p:tnLst>
+      <p:par>
+        <p:cTn id="1" dur="indefinite" restart="never" nodeType="tmRoot"/>
+      </p:par>
+    </p:tnLst>
+  </p:timing>
 </p:sld>
 </file>
 
@@ -12775,6 +17731,13 @@
   <p:clrMapOvr>
     <a:masterClrMapping/>
   </p:clrMapOvr>
+  <p:timing>
+    <p:tnLst>
+      <p:par>
+        <p:cTn id="1" dur="indefinite" restart="never" nodeType="tmRoot"/>
+      </p:par>
+    </p:tnLst>
+  </p:timing>
 </p:sld>
 </file>
 
@@ -13016,6 +17979,13 @@
   <p:clrMapOvr>
     <a:masterClrMapping/>
   </p:clrMapOvr>
+  <p:timing>
+    <p:tnLst>
+      <p:par>
+        <p:cTn id="1" dur="indefinite" restart="never" nodeType="tmRoot"/>
+      </p:par>
+    </p:tnLst>
+  </p:timing>
 </p:sld>
 </file>
 
@@ -13187,6 +18157,13 @@
   <p:clrMapOvr>
     <a:masterClrMapping/>
   </p:clrMapOvr>
+  <p:timing>
+    <p:tnLst>
+      <p:par>
+        <p:cTn id="1" dur="indefinite" restart="never" nodeType="tmRoot"/>
+      </p:par>
+    </p:tnLst>
+  </p:timing>
 </p:sld>
 </file>
 
